--- a/Presentation_Nick_Petty.pptx
+++ b/Presentation_Nick_Petty.pptx
@@ -4,18 +4,23 @@
   <p:sldMasterIdLst>
     <p:sldMasterId id="2147483782" r:id="rId1"/>
   </p:sldMasterIdLst>
+  <p:notesMasterIdLst>
+    <p:notesMasterId r:id="rId15"/>
+  </p:notesMasterIdLst>
   <p:sldIdLst>
     <p:sldId id="256" r:id="rId2"/>
     <p:sldId id="257" r:id="rId3"/>
     <p:sldId id="258" r:id="rId4"/>
     <p:sldId id="260" r:id="rId5"/>
     <p:sldId id="259" r:id="rId6"/>
-    <p:sldId id="263" r:id="rId7"/>
-    <p:sldId id="264" r:id="rId8"/>
-    <p:sldId id="265" r:id="rId9"/>
-    <p:sldId id="266" r:id="rId10"/>
-    <p:sldId id="267" r:id="rId11"/>
-    <p:sldId id="268" r:id="rId12"/>
+    <p:sldId id="270" r:id="rId7"/>
+    <p:sldId id="269" r:id="rId8"/>
+    <p:sldId id="263" r:id="rId9"/>
+    <p:sldId id="264" r:id="rId10"/>
+    <p:sldId id="265" r:id="rId11"/>
+    <p:sldId id="266" r:id="rId12"/>
+    <p:sldId id="267" r:id="rId13"/>
+    <p:sldId id="268" r:id="rId14"/>
   </p:sldIdLst>
   <p:sldSz cx="12192000" cy="6858000"/>
   <p:notesSz cx="6858000" cy="9144000"/>
@@ -114,7 +119,614 @@
       </a:defRPr>
     </a:lvl9pPr>
   </p:defaultTextStyle>
+  <p:extLst>
+    <p:ext uri="{EFAFB233-063F-42B5-8137-9DF3F51BA10A}">
+      <p15:sldGuideLst xmlns:p15="http://schemas.microsoft.com/office/powerpoint/2012/main"/>
+    </p:ext>
+  </p:extLst>
 </p:presentation>
+</file>
+
+<file path=ppt/notesMasters/notesMaster1.xml><?xml version="1.0" encoding="utf-8"?>
+<p:notesMaster xmlns:a="http://schemas.openxmlformats.org/drawingml/2006/main" xmlns:r="http://schemas.openxmlformats.org/officeDocument/2006/relationships" xmlns:p="http://schemas.openxmlformats.org/presentationml/2006/main">
+  <p:cSld>
+    <p:bg>
+      <p:bgRef idx="1001">
+        <a:schemeClr val="bg1"/>
+      </p:bgRef>
+    </p:bg>
+    <p:spTree>
+      <p:nvGrpSpPr>
+        <p:cNvPr id="1" name=""/>
+        <p:cNvGrpSpPr/>
+        <p:nvPr/>
+      </p:nvGrpSpPr>
+      <p:grpSpPr>
+        <a:xfrm>
+          <a:off x="0" y="0"/>
+          <a:ext cx="0" cy="0"/>
+          <a:chOff x="0" y="0"/>
+          <a:chExt cx="0" cy="0"/>
+        </a:xfrm>
+      </p:grpSpPr>
+      <p:sp>
+        <p:nvSpPr>
+          <p:cNvPr id="2" name="Header Placeholder 1"/>
+          <p:cNvSpPr>
+            <a:spLocks noGrp="1"/>
+          </p:cNvSpPr>
+          <p:nvPr>
+            <p:ph type="hdr" sz="quarter"/>
+          </p:nvPr>
+        </p:nvSpPr>
+        <p:spPr>
+          <a:xfrm>
+            <a:off x="0" y="0"/>
+            <a:ext cx="2971800" cy="458788"/>
+          </a:xfrm>
+          <a:prstGeom prst="rect">
+            <a:avLst/>
+          </a:prstGeom>
+        </p:spPr>
+        <p:txBody>
+          <a:bodyPr vert="horz" lIns="91440" tIns="45720" rIns="91440" bIns="45720" rtlCol="0"/>
+          <a:lstStyle>
+            <a:lvl1pPr algn="l">
+              <a:defRPr sz="1200"/>
+            </a:lvl1pPr>
+          </a:lstStyle>
+          <a:p>
+            <a:endParaRPr lang="en-US"/>
+          </a:p>
+        </p:txBody>
+      </p:sp>
+      <p:sp>
+        <p:nvSpPr>
+          <p:cNvPr id="3" name="Date Placeholder 2"/>
+          <p:cNvSpPr>
+            <a:spLocks noGrp="1"/>
+          </p:cNvSpPr>
+          <p:nvPr>
+            <p:ph type="dt" idx="1"/>
+          </p:nvPr>
+        </p:nvSpPr>
+        <p:spPr>
+          <a:xfrm>
+            <a:off x="3884613" y="0"/>
+            <a:ext cx="2971800" cy="458788"/>
+          </a:xfrm>
+          <a:prstGeom prst="rect">
+            <a:avLst/>
+          </a:prstGeom>
+        </p:spPr>
+        <p:txBody>
+          <a:bodyPr vert="horz" lIns="91440" tIns="45720" rIns="91440" bIns="45720" rtlCol="0"/>
+          <a:lstStyle>
+            <a:lvl1pPr algn="r">
+              <a:defRPr sz="1200"/>
+            </a:lvl1pPr>
+          </a:lstStyle>
+          <a:p>
+            <a:fld id="{0D74E57F-7B1C-324A-AB63-82525A5EB96F}" type="datetimeFigureOut">
+              <a:rPr lang="en-US" smtClean="0"/>
+              <a:t>3/24/16</a:t>
+            </a:fld>
+            <a:endParaRPr lang="en-US"/>
+          </a:p>
+        </p:txBody>
+      </p:sp>
+      <p:sp>
+        <p:nvSpPr>
+          <p:cNvPr id="4" name="Slide Image Placeholder 3"/>
+          <p:cNvSpPr>
+            <a:spLocks noGrp="1" noRot="1" noChangeAspect="1"/>
+          </p:cNvSpPr>
+          <p:nvPr>
+            <p:ph type="sldImg" idx="2"/>
+          </p:nvPr>
+        </p:nvSpPr>
+        <p:spPr>
+          <a:xfrm>
+            <a:off x="685800" y="1143000"/>
+            <a:ext cx="5486400" cy="3086100"/>
+          </a:xfrm>
+          <a:prstGeom prst="rect">
+            <a:avLst/>
+          </a:prstGeom>
+          <a:noFill/>
+          <a:ln w="12700">
+            <a:solidFill>
+              <a:prstClr val="black"/>
+            </a:solidFill>
+          </a:ln>
+        </p:spPr>
+        <p:txBody>
+          <a:bodyPr vert="horz" lIns="91440" tIns="45720" rIns="91440" bIns="45720" rtlCol="0" anchor="ctr"/>
+          <a:lstStyle/>
+          <a:p>
+            <a:endParaRPr lang="en-US"/>
+          </a:p>
+        </p:txBody>
+      </p:sp>
+      <p:sp>
+        <p:nvSpPr>
+          <p:cNvPr id="5" name="Notes Placeholder 4"/>
+          <p:cNvSpPr>
+            <a:spLocks noGrp="1"/>
+          </p:cNvSpPr>
+          <p:nvPr>
+            <p:ph type="body" sz="quarter" idx="3"/>
+          </p:nvPr>
+        </p:nvSpPr>
+        <p:spPr>
+          <a:xfrm>
+            <a:off x="685800" y="4400550"/>
+            <a:ext cx="5486400" cy="3600450"/>
+          </a:xfrm>
+          <a:prstGeom prst="rect">
+            <a:avLst/>
+          </a:prstGeom>
+        </p:spPr>
+        <p:txBody>
+          <a:bodyPr vert="horz" lIns="91440" tIns="45720" rIns="91440" bIns="45720" rtlCol="0"/>
+          <a:lstStyle/>
+          <a:p>
+            <a:pPr lvl="0"/>
+            <a:r>
+              <a:rPr lang="en-US" smtClean="0"/>
+              <a:t>Click to edit Master text styles</a:t>
+            </a:r>
+          </a:p>
+          <a:p>
+            <a:pPr lvl="1"/>
+            <a:r>
+              <a:rPr lang="en-US" smtClean="0"/>
+              <a:t>Second level</a:t>
+            </a:r>
+          </a:p>
+          <a:p>
+            <a:pPr lvl="2"/>
+            <a:r>
+              <a:rPr lang="en-US" smtClean="0"/>
+              <a:t>Third level</a:t>
+            </a:r>
+          </a:p>
+          <a:p>
+            <a:pPr lvl="3"/>
+            <a:r>
+              <a:rPr lang="en-US" smtClean="0"/>
+              <a:t>Fourth level</a:t>
+            </a:r>
+          </a:p>
+          <a:p>
+            <a:pPr lvl="4"/>
+            <a:r>
+              <a:rPr lang="en-US" smtClean="0"/>
+              <a:t>Fifth level</a:t>
+            </a:r>
+            <a:endParaRPr lang="en-US"/>
+          </a:p>
+        </p:txBody>
+      </p:sp>
+      <p:sp>
+        <p:nvSpPr>
+          <p:cNvPr id="6" name="Footer Placeholder 5"/>
+          <p:cNvSpPr>
+            <a:spLocks noGrp="1"/>
+          </p:cNvSpPr>
+          <p:nvPr>
+            <p:ph type="ftr" sz="quarter" idx="4"/>
+          </p:nvPr>
+        </p:nvSpPr>
+        <p:spPr>
+          <a:xfrm>
+            <a:off x="0" y="8685213"/>
+            <a:ext cx="2971800" cy="458787"/>
+          </a:xfrm>
+          <a:prstGeom prst="rect">
+            <a:avLst/>
+          </a:prstGeom>
+        </p:spPr>
+        <p:txBody>
+          <a:bodyPr vert="horz" lIns="91440" tIns="45720" rIns="91440" bIns="45720" rtlCol="0" anchor="b"/>
+          <a:lstStyle>
+            <a:lvl1pPr algn="l">
+              <a:defRPr sz="1200"/>
+            </a:lvl1pPr>
+          </a:lstStyle>
+          <a:p>
+            <a:endParaRPr lang="en-US"/>
+          </a:p>
+        </p:txBody>
+      </p:sp>
+      <p:sp>
+        <p:nvSpPr>
+          <p:cNvPr id="7" name="Slide Number Placeholder 6"/>
+          <p:cNvSpPr>
+            <a:spLocks noGrp="1"/>
+          </p:cNvSpPr>
+          <p:nvPr>
+            <p:ph type="sldNum" sz="quarter" idx="5"/>
+          </p:nvPr>
+        </p:nvSpPr>
+        <p:spPr>
+          <a:xfrm>
+            <a:off x="3884613" y="8685213"/>
+            <a:ext cx="2971800" cy="458787"/>
+          </a:xfrm>
+          <a:prstGeom prst="rect">
+            <a:avLst/>
+          </a:prstGeom>
+        </p:spPr>
+        <p:txBody>
+          <a:bodyPr vert="horz" lIns="91440" tIns="45720" rIns="91440" bIns="45720" rtlCol="0" anchor="b"/>
+          <a:lstStyle>
+            <a:lvl1pPr algn="r">
+              <a:defRPr sz="1200"/>
+            </a:lvl1pPr>
+          </a:lstStyle>
+          <a:p>
+            <a:fld id="{A0C7B320-A6DA-4B4C-A4EC-23F7AA130688}" type="slidenum">
+              <a:rPr lang="en-US" smtClean="0"/>
+              <a:t>‹#›</a:t>
+            </a:fld>
+            <a:endParaRPr lang="en-US"/>
+          </a:p>
+        </p:txBody>
+      </p:sp>
+    </p:spTree>
+    <p:extLst>
+      <p:ext uri="{BB962C8B-B14F-4D97-AF65-F5344CB8AC3E}">
+        <p14:creationId xmlns:p14="http://schemas.microsoft.com/office/powerpoint/2010/main" val="392568143"/>
+      </p:ext>
+    </p:extLst>
+  </p:cSld>
+  <p:clrMap bg1="lt1" tx1="dk1" bg2="lt2" tx2="dk2" accent1="accent1" accent2="accent2" accent3="accent3" accent4="accent4" accent5="accent5" accent6="accent6" hlink="hlink" folHlink="folHlink"/>
+  <p:notesStyle>
+    <a:lvl1pPr marL="0" algn="l" defTabSz="914400" rtl="0" eaLnBrk="1" latinLnBrk="0" hangingPunct="1">
+      <a:defRPr sz="1200" kern="1200">
+        <a:solidFill>
+          <a:schemeClr val="tx1"/>
+        </a:solidFill>
+        <a:latin typeface="+mn-lt"/>
+        <a:ea typeface="+mn-ea"/>
+        <a:cs typeface="+mn-cs"/>
+      </a:defRPr>
+    </a:lvl1pPr>
+    <a:lvl2pPr marL="457200" algn="l" defTabSz="914400" rtl="0" eaLnBrk="1" latinLnBrk="0" hangingPunct="1">
+      <a:defRPr sz="1200" kern="1200">
+        <a:solidFill>
+          <a:schemeClr val="tx1"/>
+        </a:solidFill>
+        <a:latin typeface="+mn-lt"/>
+        <a:ea typeface="+mn-ea"/>
+        <a:cs typeface="+mn-cs"/>
+      </a:defRPr>
+    </a:lvl2pPr>
+    <a:lvl3pPr marL="914400" algn="l" defTabSz="914400" rtl="0" eaLnBrk="1" latinLnBrk="0" hangingPunct="1">
+      <a:defRPr sz="1200" kern="1200">
+        <a:solidFill>
+          <a:schemeClr val="tx1"/>
+        </a:solidFill>
+        <a:latin typeface="+mn-lt"/>
+        <a:ea typeface="+mn-ea"/>
+        <a:cs typeface="+mn-cs"/>
+      </a:defRPr>
+    </a:lvl3pPr>
+    <a:lvl4pPr marL="1371600" algn="l" defTabSz="914400" rtl="0" eaLnBrk="1" latinLnBrk="0" hangingPunct="1">
+      <a:defRPr sz="1200" kern="1200">
+        <a:solidFill>
+          <a:schemeClr val="tx1"/>
+        </a:solidFill>
+        <a:latin typeface="+mn-lt"/>
+        <a:ea typeface="+mn-ea"/>
+        <a:cs typeface="+mn-cs"/>
+      </a:defRPr>
+    </a:lvl4pPr>
+    <a:lvl5pPr marL="1828800" algn="l" defTabSz="914400" rtl="0" eaLnBrk="1" latinLnBrk="0" hangingPunct="1">
+      <a:defRPr sz="1200" kern="1200">
+        <a:solidFill>
+          <a:schemeClr val="tx1"/>
+        </a:solidFill>
+        <a:latin typeface="+mn-lt"/>
+        <a:ea typeface="+mn-ea"/>
+        <a:cs typeface="+mn-cs"/>
+      </a:defRPr>
+    </a:lvl5pPr>
+    <a:lvl6pPr marL="2286000" algn="l" defTabSz="914400" rtl="0" eaLnBrk="1" latinLnBrk="0" hangingPunct="1">
+      <a:defRPr sz="1200" kern="1200">
+        <a:solidFill>
+          <a:schemeClr val="tx1"/>
+        </a:solidFill>
+        <a:latin typeface="+mn-lt"/>
+        <a:ea typeface="+mn-ea"/>
+        <a:cs typeface="+mn-cs"/>
+      </a:defRPr>
+    </a:lvl6pPr>
+    <a:lvl7pPr marL="2743200" algn="l" defTabSz="914400" rtl="0" eaLnBrk="1" latinLnBrk="0" hangingPunct="1">
+      <a:defRPr sz="1200" kern="1200">
+        <a:solidFill>
+          <a:schemeClr val="tx1"/>
+        </a:solidFill>
+        <a:latin typeface="+mn-lt"/>
+        <a:ea typeface="+mn-ea"/>
+        <a:cs typeface="+mn-cs"/>
+      </a:defRPr>
+    </a:lvl7pPr>
+    <a:lvl8pPr marL="3200400" algn="l" defTabSz="914400" rtl="0" eaLnBrk="1" latinLnBrk="0" hangingPunct="1">
+      <a:defRPr sz="1200" kern="1200">
+        <a:solidFill>
+          <a:schemeClr val="tx1"/>
+        </a:solidFill>
+        <a:latin typeface="+mn-lt"/>
+        <a:ea typeface="+mn-ea"/>
+        <a:cs typeface="+mn-cs"/>
+      </a:defRPr>
+    </a:lvl8pPr>
+    <a:lvl9pPr marL="3657600" algn="l" defTabSz="914400" rtl="0" eaLnBrk="1" latinLnBrk="0" hangingPunct="1">
+      <a:defRPr sz="1200" kern="1200">
+        <a:solidFill>
+          <a:schemeClr val="tx1"/>
+        </a:solidFill>
+        <a:latin typeface="+mn-lt"/>
+        <a:ea typeface="+mn-ea"/>
+        <a:cs typeface="+mn-cs"/>
+      </a:defRPr>
+    </a:lvl9pPr>
+  </p:notesStyle>
+</p:notesMaster>
+</file>
+
+<file path=ppt/notesSlides/notesSlide1.xml><?xml version="1.0" encoding="utf-8"?>
+<p:notes xmlns:a="http://schemas.openxmlformats.org/drawingml/2006/main" xmlns:r="http://schemas.openxmlformats.org/officeDocument/2006/relationships" xmlns:p="http://schemas.openxmlformats.org/presentationml/2006/main">
+  <p:cSld>
+    <p:spTree>
+      <p:nvGrpSpPr>
+        <p:cNvPr id="1" name=""/>
+        <p:cNvGrpSpPr/>
+        <p:nvPr/>
+      </p:nvGrpSpPr>
+      <p:grpSpPr>
+        <a:xfrm>
+          <a:off x="0" y="0"/>
+          <a:ext cx="0" cy="0"/>
+          <a:chOff x="0" y="0"/>
+          <a:chExt cx="0" cy="0"/>
+        </a:xfrm>
+      </p:grpSpPr>
+      <p:sp>
+        <p:nvSpPr>
+          <p:cNvPr id="2" name="Slide Image Placeholder 1"/>
+          <p:cNvSpPr>
+            <a:spLocks noGrp="1" noRot="1" noChangeAspect="1"/>
+          </p:cNvSpPr>
+          <p:nvPr>
+            <p:ph type="sldImg"/>
+          </p:nvPr>
+        </p:nvSpPr>
+        <p:spPr/>
+      </p:sp>
+      <p:sp>
+        <p:nvSpPr>
+          <p:cNvPr id="3" name="Notes Placeholder 2"/>
+          <p:cNvSpPr>
+            <a:spLocks noGrp="1"/>
+          </p:cNvSpPr>
+          <p:nvPr>
+            <p:ph type="body" idx="1"/>
+          </p:nvPr>
+        </p:nvSpPr>
+        <p:spPr/>
+        <p:txBody>
+          <a:bodyPr/>
+          <a:lstStyle/>
+          <a:p>
+            <a:endParaRPr lang="en-US" dirty="0"/>
+          </a:p>
+        </p:txBody>
+      </p:sp>
+      <p:sp>
+        <p:nvSpPr>
+          <p:cNvPr id="4" name="Slide Number Placeholder 3"/>
+          <p:cNvSpPr>
+            <a:spLocks noGrp="1"/>
+          </p:cNvSpPr>
+          <p:nvPr>
+            <p:ph type="sldNum" sz="quarter" idx="10"/>
+          </p:nvPr>
+        </p:nvSpPr>
+        <p:spPr/>
+        <p:txBody>
+          <a:bodyPr/>
+          <a:lstStyle/>
+          <a:p>
+            <a:fld id="{A0C7B320-A6DA-4B4C-A4EC-23F7AA130688}" type="slidenum">
+              <a:rPr lang="en-US" smtClean="0"/>
+              <a:t>5</a:t>
+            </a:fld>
+            <a:endParaRPr lang="en-US"/>
+          </a:p>
+        </p:txBody>
+      </p:sp>
+    </p:spTree>
+    <p:extLst>
+      <p:ext uri="{BB962C8B-B14F-4D97-AF65-F5344CB8AC3E}">
+        <p14:creationId xmlns:p14="http://schemas.microsoft.com/office/powerpoint/2010/main" val="823015817"/>
+      </p:ext>
+    </p:extLst>
+  </p:cSld>
+  <p:clrMapOvr>
+    <a:masterClrMapping/>
+  </p:clrMapOvr>
+</p:notes>
+</file>
+
+<file path=ppt/notesSlides/notesSlide2.xml><?xml version="1.0" encoding="utf-8"?>
+<p:notes xmlns:a="http://schemas.openxmlformats.org/drawingml/2006/main" xmlns:r="http://schemas.openxmlformats.org/officeDocument/2006/relationships" xmlns:p="http://schemas.openxmlformats.org/presentationml/2006/main">
+  <p:cSld>
+    <p:spTree>
+      <p:nvGrpSpPr>
+        <p:cNvPr id="1" name=""/>
+        <p:cNvGrpSpPr/>
+        <p:nvPr/>
+      </p:nvGrpSpPr>
+      <p:grpSpPr>
+        <a:xfrm>
+          <a:off x="0" y="0"/>
+          <a:ext cx="0" cy="0"/>
+          <a:chOff x="0" y="0"/>
+          <a:chExt cx="0" cy="0"/>
+        </a:xfrm>
+      </p:grpSpPr>
+      <p:sp>
+        <p:nvSpPr>
+          <p:cNvPr id="2" name="Slide Image Placeholder 1"/>
+          <p:cNvSpPr>
+            <a:spLocks noGrp="1" noRot="1" noChangeAspect="1"/>
+          </p:cNvSpPr>
+          <p:nvPr>
+            <p:ph type="sldImg"/>
+          </p:nvPr>
+        </p:nvSpPr>
+        <p:spPr/>
+      </p:sp>
+      <p:sp>
+        <p:nvSpPr>
+          <p:cNvPr id="3" name="Notes Placeholder 2"/>
+          <p:cNvSpPr>
+            <a:spLocks noGrp="1"/>
+          </p:cNvSpPr>
+          <p:nvPr>
+            <p:ph type="body" idx="1"/>
+          </p:nvPr>
+        </p:nvSpPr>
+        <p:spPr/>
+        <p:txBody>
+          <a:bodyPr/>
+          <a:lstStyle/>
+          <a:p>
+            <a:endParaRPr lang="en-US" dirty="0"/>
+          </a:p>
+        </p:txBody>
+      </p:sp>
+      <p:sp>
+        <p:nvSpPr>
+          <p:cNvPr id="4" name="Slide Number Placeholder 3"/>
+          <p:cNvSpPr>
+            <a:spLocks noGrp="1"/>
+          </p:cNvSpPr>
+          <p:nvPr>
+            <p:ph type="sldNum" sz="quarter" idx="10"/>
+          </p:nvPr>
+        </p:nvSpPr>
+        <p:spPr/>
+        <p:txBody>
+          <a:bodyPr/>
+          <a:lstStyle/>
+          <a:p>
+            <a:fld id="{A0C7B320-A6DA-4B4C-A4EC-23F7AA130688}" type="slidenum">
+              <a:rPr lang="en-US" smtClean="0"/>
+              <a:t>6</a:t>
+            </a:fld>
+            <a:endParaRPr lang="en-US"/>
+          </a:p>
+        </p:txBody>
+      </p:sp>
+    </p:spTree>
+    <p:extLst>
+      <p:ext uri="{BB962C8B-B14F-4D97-AF65-F5344CB8AC3E}">
+        <p14:creationId xmlns:p14="http://schemas.microsoft.com/office/powerpoint/2010/main" val="263745214"/>
+      </p:ext>
+    </p:extLst>
+  </p:cSld>
+  <p:clrMapOvr>
+    <a:masterClrMapping/>
+  </p:clrMapOvr>
+</p:notes>
+</file>
+
+<file path=ppt/notesSlides/notesSlide3.xml><?xml version="1.0" encoding="utf-8"?>
+<p:notes xmlns:a="http://schemas.openxmlformats.org/drawingml/2006/main" xmlns:r="http://schemas.openxmlformats.org/officeDocument/2006/relationships" xmlns:p="http://schemas.openxmlformats.org/presentationml/2006/main">
+  <p:cSld>
+    <p:spTree>
+      <p:nvGrpSpPr>
+        <p:cNvPr id="1" name=""/>
+        <p:cNvGrpSpPr/>
+        <p:nvPr/>
+      </p:nvGrpSpPr>
+      <p:grpSpPr>
+        <a:xfrm>
+          <a:off x="0" y="0"/>
+          <a:ext cx="0" cy="0"/>
+          <a:chOff x="0" y="0"/>
+          <a:chExt cx="0" cy="0"/>
+        </a:xfrm>
+      </p:grpSpPr>
+      <p:sp>
+        <p:nvSpPr>
+          <p:cNvPr id="2" name="Slide Image Placeholder 1"/>
+          <p:cNvSpPr>
+            <a:spLocks noGrp="1" noRot="1" noChangeAspect="1"/>
+          </p:cNvSpPr>
+          <p:nvPr>
+            <p:ph type="sldImg"/>
+          </p:nvPr>
+        </p:nvSpPr>
+        <p:spPr/>
+      </p:sp>
+      <p:sp>
+        <p:nvSpPr>
+          <p:cNvPr id="3" name="Notes Placeholder 2"/>
+          <p:cNvSpPr>
+            <a:spLocks noGrp="1"/>
+          </p:cNvSpPr>
+          <p:nvPr>
+            <p:ph type="body" idx="1"/>
+          </p:nvPr>
+        </p:nvSpPr>
+        <p:spPr/>
+        <p:txBody>
+          <a:bodyPr/>
+          <a:lstStyle/>
+          <a:p>
+            <a:endParaRPr lang="en-US" dirty="0"/>
+          </a:p>
+        </p:txBody>
+      </p:sp>
+      <p:sp>
+        <p:nvSpPr>
+          <p:cNvPr id="4" name="Slide Number Placeholder 3"/>
+          <p:cNvSpPr>
+            <a:spLocks noGrp="1"/>
+          </p:cNvSpPr>
+          <p:nvPr>
+            <p:ph type="sldNum" sz="quarter" idx="10"/>
+          </p:nvPr>
+        </p:nvSpPr>
+        <p:spPr/>
+        <p:txBody>
+          <a:bodyPr/>
+          <a:lstStyle/>
+          <a:p>
+            <a:fld id="{A0C7B320-A6DA-4B4C-A4EC-23F7AA130688}" type="slidenum">
+              <a:rPr lang="en-US" smtClean="0"/>
+              <a:t>7</a:t>
+            </a:fld>
+            <a:endParaRPr lang="en-US"/>
+          </a:p>
+        </p:txBody>
+      </p:sp>
+    </p:spTree>
+    <p:extLst>
+      <p:ext uri="{BB962C8B-B14F-4D97-AF65-F5344CB8AC3E}">
+        <p14:creationId xmlns:p14="http://schemas.microsoft.com/office/powerpoint/2010/main" val="364233449"/>
+      </p:ext>
+    </p:extLst>
+  </p:cSld>
+  <p:clrMapOvr>
+    <a:masterClrMapping/>
+  </p:clrMapOvr>
+</p:notes>
 </file>
 
 <file path=ppt/slideLayouts/slideLayout1.xml><?xml version="1.0" encoding="utf-8"?>
@@ -840,7 +1452,7 @@
             <a:fld id="{B61BEF0D-F0BB-DE4B-95CE-6DB70DBA9567}" type="datetimeFigureOut">
               <a:rPr lang="en-US" smtClean="0"/>
               <a:pPr/>
-              <a:t>3/19/16</a:t>
+              <a:t>3/24/16</a:t>
             </a:fld>
             <a:endParaRPr lang="en-US" dirty="0"/>
           </a:p>
@@ -1093,7 +1705,7 @@
             <a:fld id="{B61BEF0D-F0BB-DE4B-95CE-6DB70DBA9567}" type="datetimeFigureOut">
               <a:rPr lang="en-US" smtClean="0"/>
               <a:pPr/>
-              <a:t>3/19/16</a:t>
+              <a:t>3/24/16</a:t>
             </a:fld>
             <a:endParaRPr lang="en-US" dirty="0"/>
           </a:p>
@@ -1409,7 +2021,7 @@
             <a:fld id="{B61BEF0D-F0BB-DE4B-95CE-6DB70DBA9567}" type="datetimeFigureOut">
               <a:rPr lang="en-US" smtClean="0"/>
               <a:pPr/>
-              <a:t>3/19/16</a:t>
+              <a:t>3/24/16</a:t>
             </a:fld>
             <a:endParaRPr lang="en-US" dirty="0"/>
           </a:p>
@@ -1752,7 +2364,7 @@
             <a:fld id="{B61BEF0D-F0BB-DE4B-95CE-6DB70DBA9567}" type="datetimeFigureOut">
               <a:rPr lang="en-US" smtClean="0"/>
               <a:pPr/>
-              <a:t>3/19/16</a:t>
+              <a:t>3/24/16</a:t>
             </a:fld>
             <a:endParaRPr lang="en-US" dirty="0"/>
           </a:p>
@@ -2068,7 +2680,7 @@
             <a:fld id="{B61BEF0D-F0BB-DE4B-95CE-6DB70DBA9567}" type="datetimeFigureOut">
               <a:rPr lang="en-US" smtClean="0"/>
               <a:pPr/>
-              <a:t>3/19/16</a:t>
+              <a:t>3/24/16</a:t>
             </a:fld>
             <a:endParaRPr lang="en-US" dirty="0"/>
           </a:p>
@@ -2463,7 +3075,7 @@
             <a:fld id="{B61BEF0D-F0BB-DE4B-95CE-6DB70DBA9567}" type="datetimeFigureOut">
               <a:rPr lang="en-US" smtClean="0"/>
               <a:pPr/>
-              <a:t>3/19/16</a:t>
+              <a:t>3/24/16</a:t>
             </a:fld>
             <a:endParaRPr lang="en-US" dirty="0"/>
           </a:p>
@@ -2635,7 +3247,7 @@
             <a:fld id="{B61BEF0D-F0BB-DE4B-95CE-6DB70DBA9567}" type="datetimeFigureOut">
               <a:rPr lang="en-US" smtClean="0"/>
               <a:pPr/>
-              <a:t>3/19/16</a:t>
+              <a:t>3/24/16</a:t>
             </a:fld>
             <a:endParaRPr lang="en-US" dirty="0"/>
           </a:p>
@@ -2817,7 +3429,7 @@
             <a:fld id="{B61BEF0D-F0BB-DE4B-95CE-6DB70DBA9567}" type="datetimeFigureOut">
               <a:rPr lang="en-US" smtClean="0"/>
               <a:pPr/>
-              <a:t>3/19/16</a:t>
+              <a:t>3/24/16</a:t>
             </a:fld>
             <a:endParaRPr lang="en-US" dirty="0"/>
           </a:p>
@@ -2995,7 +3607,7 @@
             <a:fld id="{B61BEF0D-F0BB-DE4B-95CE-6DB70DBA9567}" type="datetimeFigureOut">
               <a:rPr lang="en-US" smtClean="0"/>
               <a:pPr/>
-              <a:t>3/19/16</a:t>
+              <a:t>3/24/16</a:t>
             </a:fld>
             <a:endParaRPr lang="en-US" dirty="0"/>
           </a:p>
@@ -3244,7 +3856,7 @@
             <a:fld id="{B61BEF0D-F0BB-DE4B-95CE-6DB70DBA9567}" type="datetimeFigureOut">
               <a:rPr lang="en-US" smtClean="0"/>
               <a:pPr/>
-              <a:t>3/19/16</a:t>
+              <a:t>3/24/16</a:t>
             </a:fld>
             <a:endParaRPr lang="en-US" dirty="0"/>
           </a:p>
@@ -3478,7 +4090,7 @@
             <a:fld id="{B61BEF0D-F0BB-DE4B-95CE-6DB70DBA9567}" type="datetimeFigureOut">
               <a:rPr lang="en-US" smtClean="0"/>
               <a:pPr/>
-              <a:t>3/19/16</a:t>
+              <a:t>3/24/16</a:t>
             </a:fld>
             <a:endParaRPr lang="en-US" dirty="0"/>
           </a:p>
@@ -3854,7 +4466,7 @@
             <a:fld id="{B61BEF0D-F0BB-DE4B-95CE-6DB70DBA9567}" type="datetimeFigureOut">
               <a:rPr lang="en-US" smtClean="0"/>
               <a:pPr/>
-              <a:t>3/19/16</a:t>
+              <a:t>3/24/16</a:t>
             </a:fld>
             <a:endParaRPr lang="en-US" dirty="0"/>
           </a:p>
@@ -3979,7 +4591,7 @@
             <a:fld id="{B61BEF0D-F0BB-DE4B-95CE-6DB70DBA9567}" type="datetimeFigureOut">
               <a:rPr lang="en-US" smtClean="0"/>
               <a:pPr/>
-              <a:t>3/19/16</a:t>
+              <a:t>3/24/16</a:t>
             </a:fld>
             <a:endParaRPr lang="en-US" dirty="0"/>
           </a:p>
@@ -4076,7 +4688,7 @@
             <a:fld id="{B61BEF0D-F0BB-DE4B-95CE-6DB70DBA9567}" type="datetimeFigureOut">
               <a:rPr lang="en-US" smtClean="0"/>
               <a:pPr/>
-              <a:t>3/19/16</a:t>
+              <a:t>3/24/16</a:t>
             </a:fld>
             <a:endParaRPr lang="en-US" dirty="0"/>
           </a:p>
@@ -4333,7 +4945,7 @@
             <a:fld id="{B61BEF0D-F0BB-DE4B-95CE-6DB70DBA9567}" type="datetimeFigureOut">
               <a:rPr lang="en-US" smtClean="0"/>
               <a:pPr/>
-              <a:t>3/19/16</a:t>
+              <a:t>3/24/16</a:t>
             </a:fld>
             <a:endParaRPr lang="en-US" dirty="0"/>
           </a:p>
@@ -4598,7 +5210,7 @@
             <a:fld id="{B61BEF0D-F0BB-DE4B-95CE-6DB70DBA9567}" type="datetimeFigureOut">
               <a:rPr lang="en-US" smtClean="0"/>
               <a:pPr/>
-              <a:t>3/19/16</a:t>
+              <a:t>3/24/16</a:t>
             </a:fld>
             <a:endParaRPr lang="en-US" dirty="0"/>
           </a:p>
@@ -5343,7 +5955,7 @@
             <a:fld id="{B61BEF0D-F0BB-DE4B-95CE-6DB70DBA9567}" type="datetimeFigureOut">
               <a:rPr lang="en-US" smtClean="0"/>
               <a:pPr/>
-              <a:t>3/19/16</a:t>
+              <a:t>3/24/16</a:t>
             </a:fld>
             <a:endParaRPr lang="en-US" dirty="0"/>
           </a:p>
@@ -5993,2328 +6605,6 @@
         <p:spPr>
           <a:xfrm>
             <a:off x="677334" y="609600"/>
-            <a:ext cx="8596668" cy="736600"/>
-          </a:xfrm>
-        </p:spPr>
-        <p:txBody>
-          <a:bodyPr/>
-          <a:lstStyle/>
-          <a:p>
-            <a:r>
-              <a:rPr lang="en-US" dirty="0" smtClean="0"/>
-              <a:t>Closing remarks</a:t>
-            </a:r>
-            <a:endParaRPr lang="en-US" dirty="0"/>
-          </a:p>
-        </p:txBody>
-      </p:sp>
-      <p:sp>
-        <p:nvSpPr>
-          <p:cNvPr id="3" name="Vertical Text Placeholder 2"/>
-          <p:cNvSpPr>
-            <a:spLocks noGrp="1"/>
-          </p:cNvSpPr>
-          <p:nvPr>
-            <p:ph type="body" orient="vert" idx="1"/>
-          </p:nvPr>
-        </p:nvSpPr>
-        <p:spPr>
-          <a:xfrm>
-            <a:off x="677334" y="1694922"/>
-            <a:ext cx="8596668" cy="4247317"/>
-          </a:xfrm>
-        </p:spPr>
-        <p:txBody>
-          <a:bodyPr vert="horz">
-            <a:spAutoFit/>
-          </a:bodyPr>
-          <a:lstStyle/>
-          <a:p>
-            <a:pPr marL="0" marR="0" lvl="0" indent="0" defTabSz="914400" eaLnBrk="1" fontAlgn="auto" latinLnBrk="0" hangingPunct="1">
-              <a:lnSpc>
-                <a:spcPct val="150000"/>
-              </a:lnSpc>
-              <a:spcBef>
-                <a:spcPts val="0"/>
-              </a:spcBef>
-              <a:spcAft>
-                <a:spcPts val="0"/>
-              </a:spcAft>
-              <a:buClrTx/>
-              <a:buSzTx/>
-              <a:buFont typeface="Arial" charset="0"/>
-              <a:buNone/>
-              <a:tabLst/>
-              <a:defRPr/>
-            </a:pPr>
-            <a:r>
-              <a:rPr lang="en-US" dirty="0" err="1" smtClean="0"/>
-              <a:t>MapReduce</a:t>
-            </a:r>
-            <a:r>
-              <a:rPr lang="en-US" dirty="0" smtClean="0"/>
-              <a:t> works on a simple key-value pair system</a:t>
-            </a:r>
-          </a:p>
-          <a:p>
-            <a:pPr marR="0" lvl="0" defTabSz="914400" eaLnBrk="1" fontAlgn="auto" latinLnBrk="0" hangingPunct="1">
-              <a:lnSpc>
-                <a:spcPct val="150000"/>
-              </a:lnSpc>
-              <a:spcBef>
-                <a:spcPts val="0"/>
-              </a:spcBef>
-              <a:spcAft>
-                <a:spcPts val="0"/>
-              </a:spcAft>
-              <a:buClrTx/>
-              <a:buSzTx/>
-              <a:buFont typeface="+mj-lt"/>
-              <a:buAutoNum type="arabicPeriod"/>
-              <a:tabLst/>
-              <a:defRPr/>
-            </a:pPr>
-            <a:r>
-              <a:rPr lang="en-US" dirty="0" smtClean="0"/>
-              <a:t>Map function breaks up and organizes data</a:t>
-            </a:r>
-          </a:p>
-          <a:p>
-            <a:pPr marR="0" lvl="0" defTabSz="914400" eaLnBrk="1" fontAlgn="auto" latinLnBrk="0" hangingPunct="1">
-              <a:lnSpc>
-                <a:spcPct val="150000"/>
-              </a:lnSpc>
-              <a:spcBef>
-                <a:spcPts val="0"/>
-              </a:spcBef>
-              <a:spcAft>
-                <a:spcPts val="0"/>
-              </a:spcAft>
-              <a:buClrTx/>
-              <a:buSzTx/>
-              <a:buFont typeface="+mj-lt"/>
-              <a:buAutoNum type="arabicPeriod"/>
-              <a:tabLst/>
-              <a:defRPr/>
-            </a:pPr>
-            <a:r>
-              <a:rPr lang="en-US" dirty="0" smtClean="0"/>
-              <a:t>Supporting systems distribute the data and tasks</a:t>
-            </a:r>
-          </a:p>
-          <a:p>
-            <a:pPr marR="0" lvl="0" defTabSz="914400" eaLnBrk="1" fontAlgn="auto" latinLnBrk="0" hangingPunct="1">
-              <a:lnSpc>
-                <a:spcPct val="150000"/>
-              </a:lnSpc>
-              <a:spcBef>
-                <a:spcPts val="0"/>
-              </a:spcBef>
-              <a:spcAft>
-                <a:spcPts val="0"/>
-              </a:spcAft>
-              <a:buClrTx/>
-              <a:buSzTx/>
-              <a:buFont typeface="+mj-lt"/>
-              <a:buAutoNum type="arabicPeriod"/>
-              <a:tabLst/>
-              <a:defRPr/>
-            </a:pPr>
-            <a:r>
-              <a:rPr lang="en-US" dirty="0" smtClean="0"/>
-              <a:t>Reduce function combines results into query response</a:t>
-            </a:r>
-          </a:p>
-          <a:p>
-            <a:pPr marL="0" marR="0" lvl="0" indent="0" defTabSz="914400" eaLnBrk="1" fontAlgn="auto" latinLnBrk="0" hangingPunct="1">
-              <a:lnSpc>
-                <a:spcPct val="150000"/>
-              </a:lnSpc>
-              <a:spcBef>
-                <a:spcPts val="0"/>
-              </a:spcBef>
-              <a:spcAft>
-                <a:spcPts val="0"/>
-              </a:spcAft>
-              <a:buClrTx/>
-              <a:buSzTx/>
-              <a:buFont typeface="Arial" charset="0"/>
-              <a:buNone/>
-              <a:tabLst/>
-              <a:defRPr/>
-            </a:pPr>
-            <a:r>
-              <a:rPr lang="en-US" dirty="0" smtClean="0"/>
-              <a:t>Best for complicated queries on large datasets</a:t>
-            </a:r>
-          </a:p>
-          <a:p>
-            <a:pPr marL="0" marR="0" lvl="0" indent="0" defTabSz="914400" eaLnBrk="1" fontAlgn="auto" latinLnBrk="0" hangingPunct="1">
-              <a:lnSpc>
-                <a:spcPct val="150000"/>
-              </a:lnSpc>
-              <a:spcBef>
-                <a:spcPts val="0"/>
-              </a:spcBef>
-              <a:spcAft>
-                <a:spcPts val="0"/>
-              </a:spcAft>
-              <a:buClrTx/>
-              <a:buSzTx/>
-              <a:buFont typeface="Arial" charset="0"/>
-              <a:buNone/>
-              <a:tabLst/>
-              <a:defRPr/>
-            </a:pPr>
-            <a:r>
-              <a:rPr lang="en-US" dirty="0" smtClean="0"/>
-              <a:t>Designed for low-cost, high-fault hardware</a:t>
-            </a:r>
-          </a:p>
-          <a:p>
-            <a:pPr marL="0" marR="0" lvl="0" indent="0" defTabSz="914400" eaLnBrk="1" fontAlgn="auto" latinLnBrk="0" hangingPunct="1">
-              <a:lnSpc>
-                <a:spcPct val="150000"/>
-              </a:lnSpc>
-              <a:spcBef>
-                <a:spcPts val="0"/>
-              </a:spcBef>
-              <a:spcAft>
-                <a:spcPts val="0"/>
-              </a:spcAft>
-              <a:buClrTx/>
-              <a:buSzTx/>
-              <a:buFont typeface="Arial" charset="0"/>
-              <a:buNone/>
-              <a:tabLst/>
-              <a:defRPr/>
-            </a:pPr>
-            <a:r>
-              <a:rPr lang="en-US" dirty="0" smtClean="0"/>
-              <a:t>Not a database, just an analytic process</a:t>
-            </a:r>
-          </a:p>
-          <a:p>
-            <a:pPr marL="0" marR="0" lvl="0" indent="0" defTabSz="914400" eaLnBrk="1" fontAlgn="auto" latinLnBrk="0" hangingPunct="1">
-              <a:lnSpc>
-                <a:spcPct val="150000"/>
-              </a:lnSpc>
-              <a:spcBef>
-                <a:spcPts val="0"/>
-              </a:spcBef>
-              <a:spcAft>
-                <a:spcPts val="0"/>
-              </a:spcAft>
-              <a:buClrTx/>
-              <a:buSzTx/>
-              <a:buFont typeface="Arial" charset="0"/>
-              <a:buNone/>
-              <a:tabLst/>
-              <a:defRPr/>
-            </a:pPr>
-            <a:r>
-              <a:rPr lang="en-US" dirty="0" smtClean="0"/>
-              <a:t>Popularized by Google, now a major open-source project</a:t>
-            </a:r>
-          </a:p>
-          <a:p>
-            <a:pPr marL="0" marR="0" lvl="0" indent="0" defTabSz="914400" eaLnBrk="1" fontAlgn="auto" latinLnBrk="0" hangingPunct="1">
-              <a:lnSpc>
-                <a:spcPct val="150000"/>
-              </a:lnSpc>
-              <a:spcBef>
-                <a:spcPts val="0"/>
-              </a:spcBef>
-              <a:spcAft>
-                <a:spcPts val="0"/>
-              </a:spcAft>
-              <a:buClrTx/>
-              <a:buSzTx/>
-              <a:buFont typeface="Arial" charset="0"/>
-              <a:buNone/>
-              <a:tabLst/>
-              <a:defRPr/>
-            </a:pPr>
-            <a:endParaRPr lang="en-US" dirty="0" smtClean="0"/>
-          </a:p>
-          <a:p>
-            <a:pPr marL="0" marR="0" lvl="0" indent="0" defTabSz="914400" eaLnBrk="1" fontAlgn="auto" latinLnBrk="0" hangingPunct="1">
-              <a:lnSpc>
-                <a:spcPct val="150000"/>
-              </a:lnSpc>
-              <a:spcBef>
-                <a:spcPts val="0"/>
-              </a:spcBef>
-              <a:spcAft>
-                <a:spcPts val="0"/>
-              </a:spcAft>
-              <a:buClrTx/>
-              <a:buSzTx/>
-              <a:buFont typeface="Arial" charset="0"/>
-              <a:buNone/>
-              <a:tabLst/>
-              <a:defRPr/>
-            </a:pPr>
-            <a:endParaRPr lang="en-US" dirty="0" smtClean="0"/>
-          </a:p>
-        </p:txBody>
-      </p:sp>
-    </p:spTree>
-    <p:extLst>
-      <p:ext uri="{BB962C8B-B14F-4D97-AF65-F5344CB8AC3E}">
-        <p14:creationId xmlns:p14="http://schemas.microsoft.com/office/powerpoint/2010/main" val="263110137"/>
-      </p:ext>
-    </p:extLst>
-  </p:cSld>
-  <p:clrMapOvr>
-    <a:masterClrMapping/>
-  </p:clrMapOvr>
-  <p:timing>
-    <p:tnLst>
-      <p:par>
-        <p:cTn id="1" dur="indefinite" restart="never" nodeType="tmRoot"/>
-      </p:par>
-    </p:tnLst>
-  </p:timing>
-</p:sld>
-</file>
-
-<file path=ppt/slides/slide11.xml><?xml version="1.0" encoding="utf-8"?>
-<p:sld xmlns:a="http://schemas.openxmlformats.org/drawingml/2006/main" xmlns:r="http://schemas.openxmlformats.org/officeDocument/2006/relationships" xmlns:p="http://schemas.openxmlformats.org/presentationml/2006/main">
-  <p:cSld>
-    <p:spTree>
-      <p:nvGrpSpPr>
-        <p:cNvPr id="1" name=""/>
-        <p:cNvGrpSpPr/>
-        <p:nvPr/>
-      </p:nvGrpSpPr>
-      <p:grpSpPr>
-        <a:xfrm>
-          <a:off x="0" y="0"/>
-          <a:ext cx="0" cy="0"/>
-          <a:chOff x="0" y="0"/>
-          <a:chExt cx="0" cy="0"/>
-        </a:xfrm>
-      </p:grpSpPr>
-      <p:sp>
-        <p:nvSpPr>
-          <p:cNvPr id="2" name="Title 1"/>
-          <p:cNvSpPr>
-            <a:spLocks noGrp="1"/>
-          </p:cNvSpPr>
-          <p:nvPr>
-            <p:ph type="ctrTitle"/>
-          </p:nvPr>
-        </p:nvSpPr>
-        <p:spPr/>
-        <p:txBody>
-          <a:bodyPr/>
-          <a:lstStyle/>
-          <a:p>
-            <a:r>
-              <a:rPr lang="en-US" dirty="0" smtClean="0"/>
-              <a:t>Questions and Answers</a:t>
-            </a:r>
-            <a:endParaRPr lang="en-US" dirty="0"/>
-          </a:p>
-        </p:txBody>
-      </p:sp>
-      <p:sp>
-        <p:nvSpPr>
-          <p:cNvPr id="3" name="Subtitle 2"/>
-          <p:cNvSpPr>
-            <a:spLocks noGrp="1"/>
-          </p:cNvSpPr>
-          <p:nvPr>
-            <p:ph type="subTitle" idx="1"/>
-          </p:nvPr>
-        </p:nvSpPr>
-        <p:spPr/>
-        <p:txBody>
-          <a:bodyPr/>
-          <a:lstStyle/>
-          <a:p>
-            <a:r>
-              <a:rPr lang="en-US" dirty="0" smtClean="0"/>
-              <a:t>Thank you</a:t>
-            </a:r>
-            <a:endParaRPr lang="en-US" dirty="0"/>
-          </a:p>
-        </p:txBody>
-      </p:sp>
-    </p:spTree>
-    <p:extLst>
-      <p:ext uri="{BB962C8B-B14F-4D97-AF65-F5344CB8AC3E}">
-        <p14:creationId xmlns:p14="http://schemas.microsoft.com/office/powerpoint/2010/main" val="1176092142"/>
-      </p:ext>
-    </p:extLst>
-  </p:cSld>
-  <p:clrMapOvr>
-    <a:masterClrMapping/>
-  </p:clrMapOvr>
-</p:sld>
-</file>
-
-<file path=ppt/slides/slide2.xml><?xml version="1.0" encoding="utf-8"?>
-<p:sld xmlns:a="http://schemas.openxmlformats.org/drawingml/2006/main" xmlns:r="http://schemas.openxmlformats.org/officeDocument/2006/relationships" xmlns:p="http://schemas.openxmlformats.org/presentationml/2006/main">
-  <p:cSld>
-    <p:spTree>
-      <p:nvGrpSpPr>
-        <p:cNvPr id="1" name=""/>
-        <p:cNvGrpSpPr/>
-        <p:nvPr/>
-      </p:nvGrpSpPr>
-      <p:grpSpPr>
-        <a:xfrm>
-          <a:off x="0" y="0"/>
-          <a:ext cx="0" cy="0"/>
-          <a:chOff x="0" y="0"/>
-          <a:chExt cx="0" cy="0"/>
-        </a:xfrm>
-      </p:grpSpPr>
-      <p:sp>
-        <p:nvSpPr>
-          <p:cNvPr id="2" name="Title 1"/>
-          <p:cNvSpPr>
-            <a:spLocks noGrp="1"/>
-          </p:cNvSpPr>
-          <p:nvPr>
-            <p:ph type="title"/>
-          </p:nvPr>
-        </p:nvSpPr>
-        <p:spPr/>
-        <p:txBody>
-          <a:bodyPr/>
-          <a:lstStyle/>
-          <a:p>
-            <a:pPr algn="ctr"/>
-            <a:r>
-              <a:rPr lang="en-US" dirty="0" smtClean="0"/>
-              <a:t>Agenda</a:t>
-            </a:r>
-            <a:endParaRPr lang="en-US" dirty="0"/>
-          </a:p>
-        </p:txBody>
-      </p:sp>
-      <p:sp>
-        <p:nvSpPr>
-          <p:cNvPr id="3" name="Vertical Text Placeholder 2"/>
-          <p:cNvSpPr>
-            <a:spLocks noGrp="1"/>
-          </p:cNvSpPr>
-          <p:nvPr>
-            <p:ph type="body" orient="vert" idx="1"/>
-          </p:nvPr>
-        </p:nvSpPr>
-        <p:spPr>
-          <a:xfrm>
-            <a:off x="677334" y="2160589"/>
-            <a:ext cx="8596668" cy="3416320"/>
-          </a:xfrm>
-        </p:spPr>
-        <p:txBody>
-          <a:bodyPr vert="horz">
-            <a:spAutoFit/>
-          </a:bodyPr>
-          <a:lstStyle/>
-          <a:p>
-            <a:pPr marL="0" marR="0" lvl="0" indent="0" algn="ctr" defTabSz="914400" eaLnBrk="1" fontAlgn="auto" latinLnBrk="0" hangingPunct="1">
-              <a:lnSpc>
-                <a:spcPct val="150000"/>
-              </a:lnSpc>
-              <a:spcBef>
-                <a:spcPts val="0"/>
-              </a:spcBef>
-              <a:spcAft>
-                <a:spcPts val="0"/>
-              </a:spcAft>
-              <a:buClrTx/>
-              <a:buSzTx/>
-              <a:buNone/>
-              <a:tabLst/>
-              <a:defRPr/>
-            </a:pPr>
-            <a:r>
-              <a:rPr lang="en-US" dirty="0" err="1" smtClean="0"/>
-              <a:t>MapReduce</a:t>
-            </a:r>
-            <a:r>
-              <a:rPr lang="en-US" dirty="0" smtClean="0"/>
-              <a:t> defined</a:t>
-            </a:r>
-          </a:p>
-          <a:p>
-            <a:pPr marL="0" marR="0" lvl="0" indent="0" algn="ctr" defTabSz="914400" eaLnBrk="1" fontAlgn="auto" latinLnBrk="0" hangingPunct="1">
-              <a:lnSpc>
-                <a:spcPct val="150000"/>
-              </a:lnSpc>
-              <a:spcBef>
-                <a:spcPts val="0"/>
-              </a:spcBef>
-              <a:spcAft>
-                <a:spcPts val="0"/>
-              </a:spcAft>
-              <a:buClrTx/>
-              <a:buSzTx/>
-              <a:buNone/>
-              <a:tabLst/>
-              <a:defRPr/>
-            </a:pPr>
-            <a:r>
-              <a:rPr lang="en-US" dirty="0" smtClean="0"/>
-              <a:t>Basic example</a:t>
-            </a:r>
-          </a:p>
-          <a:p>
-            <a:pPr marL="0" marR="0" lvl="0" indent="0" algn="ctr" defTabSz="914400" eaLnBrk="1" fontAlgn="auto" latinLnBrk="0" hangingPunct="1">
-              <a:lnSpc>
-                <a:spcPct val="150000"/>
-              </a:lnSpc>
-              <a:spcBef>
-                <a:spcPts val="0"/>
-              </a:spcBef>
-              <a:spcAft>
-                <a:spcPts val="0"/>
-              </a:spcAft>
-              <a:buClrTx/>
-              <a:buSzTx/>
-              <a:buNone/>
-              <a:tabLst/>
-              <a:defRPr/>
-            </a:pPr>
-            <a:r>
-              <a:rPr lang="en-US" dirty="0" smtClean="0"/>
-              <a:t>In use</a:t>
-            </a:r>
-          </a:p>
-          <a:p>
-            <a:pPr marL="0" marR="0" lvl="0" indent="0" algn="ctr" defTabSz="914400" eaLnBrk="1" fontAlgn="auto" latinLnBrk="0" hangingPunct="1">
-              <a:lnSpc>
-                <a:spcPct val="150000"/>
-              </a:lnSpc>
-              <a:spcBef>
-                <a:spcPts val="0"/>
-              </a:spcBef>
-              <a:spcAft>
-                <a:spcPts val="0"/>
-              </a:spcAft>
-              <a:buClrTx/>
-              <a:buSzTx/>
-              <a:buNone/>
-              <a:tabLst/>
-              <a:defRPr/>
-            </a:pPr>
-            <a:r>
-              <a:rPr lang="en-US" dirty="0" smtClean="0"/>
-              <a:t>Strengths and </a:t>
-            </a:r>
-            <a:r>
-              <a:rPr lang="en-US" dirty="0" err="1" smtClean="0"/>
-              <a:t>Weakenesses</a:t>
-            </a:r>
-            <a:endParaRPr lang="en-US" dirty="0" smtClean="0"/>
-          </a:p>
-          <a:p>
-            <a:pPr marL="0" marR="0" lvl="0" indent="0" algn="ctr" defTabSz="914400" eaLnBrk="1" fontAlgn="auto" latinLnBrk="0" hangingPunct="1">
-              <a:lnSpc>
-                <a:spcPct val="150000"/>
-              </a:lnSpc>
-              <a:spcBef>
-                <a:spcPts val="0"/>
-              </a:spcBef>
-              <a:spcAft>
-                <a:spcPts val="0"/>
-              </a:spcAft>
-              <a:buClrTx/>
-              <a:buSzTx/>
-              <a:buNone/>
-              <a:tabLst/>
-              <a:defRPr/>
-            </a:pPr>
-            <a:r>
-              <a:rPr lang="en-US" dirty="0" smtClean="0"/>
-              <a:t>Summary of paper</a:t>
-            </a:r>
-          </a:p>
-          <a:p>
-            <a:pPr marL="0" marR="0" lvl="0" indent="0" algn="ctr" defTabSz="914400" eaLnBrk="1" fontAlgn="auto" latinLnBrk="0" hangingPunct="1">
-              <a:lnSpc>
-                <a:spcPct val="150000"/>
-              </a:lnSpc>
-              <a:spcBef>
-                <a:spcPts val="0"/>
-              </a:spcBef>
-              <a:spcAft>
-                <a:spcPts val="0"/>
-              </a:spcAft>
-              <a:buClrTx/>
-              <a:buSzTx/>
-              <a:buNone/>
-              <a:tabLst/>
-              <a:defRPr/>
-            </a:pPr>
-            <a:r>
-              <a:rPr lang="en-US" dirty="0" smtClean="0"/>
-              <a:t>Personal experience</a:t>
-            </a:r>
-          </a:p>
-          <a:p>
-            <a:pPr marL="0" marR="0" lvl="0" indent="0" algn="ctr" defTabSz="914400" eaLnBrk="1" fontAlgn="auto" latinLnBrk="0" hangingPunct="1">
-              <a:lnSpc>
-                <a:spcPct val="150000"/>
-              </a:lnSpc>
-              <a:spcBef>
-                <a:spcPts val="0"/>
-              </a:spcBef>
-              <a:spcAft>
-                <a:spcPts val="0"/>
-              </a:spcAft>
-              <a:buClrTx/>
-              <a:buSzTx/>
-              <a:buNone/>
-              <a:tabLst/>
-              <a:defRPr/>
-            </a:pPr>
-            <a:r>
-              <a:rPr lang="en-US" dirty="0" smtClean="0"/>
-              <a:t>Conclusion</a:t>
-            </a:r>
-          </a:p>
-          <a:p>
-            <a:pPr marL="0" marR="0" lvl="0" indent="0" algn="ctr" defTabSz="914400" eaLnBrk="1" fontAlgn="auto" latinLnBrk="0" hangingPunct="1">
-              <a:lnSpc>
-                <a:spcPct val="150000"/>
-              </a:lnSpc>
-              <a:spcBef>
-                <a:spcPts val="0"/>
-              </a:spcBef>
-              <a:spcAft>
-                <a:spcPts val="0"/>
-              </a:spcAft>
-              <a:buClrTx/>
-              <a:buSzTx/>
-              <a:buNone/>
-              <a:tabLst/>
-              <a:defRPr/>
-            </a:pPr>
-            <a:r>
-              <a:rPr lang="en-US" dirty="0" smtClean="0"/>
-              <a:t>Discussion</a:t>
-            </a:r>
-            <a:endParaRPr lang="en-US" dirty="0"/>
-          </a:p>
-        </p:txBody>
-      </p:sp>
-    </p:spTree>
-    <p:extLst>
-      <p:ext uri="{BB962C8B-B14F-4D97-AF65-F5344CB8AC3E}">
-        <p14:creationId xmlns:p14="http://schemas.microsoft.com/office/powerpoint/2010/main" val="1773682370"/>
-      </p:ext>
-    </p:extLst>
-  </p:cSld>
-  <p:clrMapOvr>
-    <a:masterClrMapping/>
-  </p:clrMapOvr>
-  <p:timing>
-    <p:tnLst>
-      <p:par>
-        <p:cTn id="1" dur="indefinite" restart="never" nodeType="tmRoot"/>
-      </p:par>
-    </p:tnLst>
-  </p:timing>
-</p:sld>
-</file>
-
-<file path=ppt/slides/slide3.xml><?xml version="1.0" encoding="utf-8"?>
-<p:sld xmlns:a="http://schemas.openxmlformats.org/drawingml/2006/main" xmlns:r="http://schemas.openxmlformats.org/officeDocument/2006/relationships" xmlns:p="http://schemas.openxmlformats.org/presentationml/2006/main">
-  <p:cSld>
-    <p:spTree>
-      <p:nvGrpSpPr>
-        <p:cNvPr id="1" name=""/>
-        <p:cNvGrpSpPr/>
-        <p:nvPr/>
-      </p:nvGrpSpPr>
-      <p:grpSpPr>
-        <a:xfrm>
-          <a:off x="0" y="0"/>
-          <a:ext cx="0" cy="0"/>
-          <a:chOff x="0" y="0"/>
-          <a:chExt cx="0" cy="0"/>
-        </a:xfrm>
-      </p:grpSpPr>
-      <p:sp>
-        <p:nvSpPr>
-          <p:cNvPr id="2" name="Title 1"/>
-          <p:cNvSpPr>
-            <a:spLocks noGrp="1"/>
-          </p:cNvSpPr>
-          <p:nvPr>
-            <p:ph type="title"/>
-          </p:nvPr>
-        </p:nvSpPr>
-        <p:spPr/>
-        <p:txBody>
-          <a:bodyPr/>
-          <a:lstStyle/>
-          <a:p>
-            <a:r>
-              <a:rPr lang="en-US" dirty="0" smtClean="0"/>
-              <a:t>What is </a:t>
-            </a:r>
-            <a:r>
-              <a:rPr lang="en-US" dirty="0" err="1" smtClean="0"/>
-              <a:t>MapReduce</a:t>
-            </a:r>
-            <a:r>
-              <a:rPr lang="en-US" dirty="0" smtClean="0"/>
-              <a:t>?</a:t>
-            </a:r>
-            <a:endParaRPr lang="en-US" dirty="0"/>
-          </a:p>
-        </p:txBody>
-      </p:sp>
-      <p:sp>
-        <p:nvSpPr>
-          <p:cNvPr id="3" name="Vertical Text Placeholder 2"/>
-          <p:cNvSpPr>
-            <a:spLocks noGrp="1"/>
-          </p:cNvSpPr>
-          <p:nvPr>
-            <p:ph type="body" orient="vert" idx="1"/>
-          </p:nvPr>
-        </p:nvSpPr>
-        <p:spPr>
-          <a:xfrm>
-            <a:off x="677334" y="1694922"/>
-            <a:ext cx="8596668" cy="3416320"/>
-          </a:xfrm>
-        </p:spPr>
-        <p:txBody>
-          <a:bodyPr vert="horz">
-            <a:spAutoFit/>
-          </a:bodyPr>
-          <a:lstStyle/>
-          <a:p>
-            <a:pPr marL="0" marR="0" lvl="0" indent="0" defTabSz="914400" eaLnBrk="1" fontAlgn="auto" latinLnBrk="0" hangingPunct="1">
-              <a:lnSpc>
-                <a:spcPct val="150000"/>
-              </a:lnSpc>
-              <a:spcBef>
-                <a:spcPts val="0"/>
-              </a:spcBef>
-              <a:spcAft>
-                <a:spcPts val="0"/>
-              </a:spcAft>
-              <a:buClrTx/>
-              <a:buSzTx/>
-              <a:buNone/>
-              <a:tabLst/>
-              <a:defRPr/>
-            </a:pPr>
-            <a:r>
-              <a:rPr lang="en-US" dirty="0" smtClean="0"/>
-              <a:t>A programming model for processing and generating large data sets</a:t>
-            </a:r>
-          </a:p>
-          <a:p>
-            <a:pPr marL="0" marR="0" lvl="0" indent="0" defTabSz="914400" eaLnBrk="1" fontAlgn="auto" latinLnBrk="0" hangingPunct="1">
-              <a:lnSpc>
-                <a:spcPct val="150000"/>
-              </a:lnSpc>
-              <a:spcBef>
-                <a:spcPts val="0"/>
-              </a:spcBef>
-              <a:spcAft>
-                <a:spcPts val="0"/>
-              </a:spcAft>
-              <a:buClrTx/>
-              <a:buSzTx/>
-              <a:buNone/>
-              <a:tabLst/>
-              <a:defRPr/>
-            </a:pPr>
-            <a:r>
-              <a:rPr lang="en-US" dirty="0" smtClean="0"/>
-              <a:t>Two main components:</a:t>
-            </a:r>
-          </a:p>
-          <a:p>
-            <a:pPr marR="0" lvl="0" defTabSz="914400" eaLnBrk="1" fontAlgn="auto" latinLnBrk="0" hangingPunct="1">
-              <a:lnSpc>
-                <a:spcPct val="150000"/>
-              </a:lnSpc>
-              <a:spcBef>
-                <a:spcPts val="0"/>
-              </a:spcBef>
-              <a:spcAft>
-                <a:spcPts val="0"/>
-              </a:spcAft>
-              <a:buClrTx/>
-              <a:buSzTx/>
-              <a:buFont typeface="+mj-lt"/>
-              <a:buAutoNum type="arabicPeriod"/>
-              <a:tabLst/>
-              <a:defRPr/>
-            </a:pPr>
-            <a:r>
-              <a:rPr lang="en-US" dirty="0" smtClean="0"/>
-              <a:t>Map function – process a key-value pair to generate a set of intermediate key-value pairs</a:t>
-            </a:r>
-          </a:p>
-          <a:p>
-            <a:pPr marR="0" lvl="0" defTabSz="914400" eaLnBrk="1" fontAlgn="auto" latinLnBrk="0" hangingPunct="1">
-              <a:lnSpc>
-                <a:spcPct val="150000"/>
-              </a:lnSpc>
-              <a:spcBef>
-                <a:spcPts val="0"/>
-              </a:spcBef>
-              <a:spcAft>
-                <a:spcPts val="0"/>
-              </a:spcAft>
-              <a:buClrTx/>
-              <a:buSzTx/>
-              <a:buFont typeface="+mj-lt"/>
-              <a:buAutoNum type="arabicPeriod"/>
-              <a:tabLst/>
-              <a:defRPr/>
-            </a:pPr>
-            <a:r>
-              <a:rPr lang="en-US" dirty="0" smtClean="0"/>
-              <a:t>Reduce function – merge all intermediate values associated with the same intermediate key</a:t>
-            </a:r>
-          </a:p>
-          <a:p>
-            <a:pPr marL="0" marR="0" lvl="0" indent="0" defTabSz="914400" eaLnBrk="1" fontAlgn="auto" latinLnBrk="0" hangingPunct="1">
-              <a:lnSpc>
-                <a:spcPct val="150000"/>
-              </a:lnSpc>
-              <a:spcBef>
-                <a:spcPts val="0"/>
-              </a:spcBef>
-              <a:spcAft>
-                <a:spcPts val="0"/>
-              </a:spcAft>
-              <a:buClrTx/>
-              <a:buSzTx/>
-              <a:buNone/>
-              <a:tabLst/>
-              <a:defRPr/>
-            </a:pPr>
-            <a:r>
-              <a:rPr lang="en-US" dirty="0" smtClean="0"/>
-              <a:t>Shuffling – intermediate step where data is moved from Map to Reduce</a:t>
-            </a:r>
-          </a:p>
-          <a:p>
-            <a:pPr marL="0" marR="0" lvl="0" indent="0" defTabSz="914400" eaLnBrk="1" fontAlgn="auto" latinLnBrk="0" hangingPunct="1">
-              <a:lnSpc>
-                <a:spcPct val="150000"/>
-              </a:lnSpc>
-              <a:spcBef>
-                <a:spcPts val="0"/>
-              </a:spcBef>
-              <a:spcAft>
-                <a:spcPts val="0"/>
-              </a:spcAft>
-              <a:buClrTx/>
-              <a:buSzTx/>
-              <a:buNone/>
-              <a:tabLst/>
-              <a:defRPr/>
-            </a:pPr>
-            <a:r>
-              <a:rPr lang="en-US" dirty="0" smtClean="0"/>
-              <a:t>Designed for parallel, distributed computing</a:t>
-            </a:r>
-            <a:endParaRPr lang="en-US" dirty="0"/>
-          </a:p>
-        </p:txBody>
-      </p:sp>
-    </p:spTree>
-    <p:extLst>
-      <p:ext uri="{BB962C8B-B14F-4D97-AF65-F5344CB8AC3E}">
-        <p14:creationId xmlns:p14="http://schemas.microsoft.com/office/powerpoint/2010/main" val="640728510"/>
-      </p:ext>
-    </p:extLst>
-  </p:cSld>
-  <p:clrMapOvr>
-    <a:masterClrMapping/>
-  </p:clrMapOvr>
-  <p:timing>
-    <p:tnLst>
-      <p:par>
-        <p:cTn id="1" dur="indefinite" restart="never" nodeType="tmRoot"/>
-      </p:par>
-    </p:tnLst>
-  </p:timing>
-</p:sld>
-</file>
-
-<file path=ppt/slides/slide4.xml><?xml version="1.0" encoding="utf-8"?>
-<p:sld xmlns:a="http://schemas.openxmlformats.org/drawingml/2006/main" xmlns:r="http://schemas.openxmlformats.org/officeDocument/2006/relationships" xmlns:p="http://schemas.openxmlformats.org/presentationml/2006/main">
-  <p:cSld>
-    <p:spTree>
-      <p:nvGrpSpPr>
-        <p:cNvPr id="1" name=""/>
-        <p:cNvGrpSpPr/>
-        <p:nvPr/>
-      </p:nvGrpSpPr>
-      <p:grpSpPr>
-        <a:xfrm>
-          <a:off x="0" y="0"/>
-          <a:ext cx="0" cy="0"/>
-          <a:chOff x="0" y="0"/>
-          <a:chExt cx="0" cy="0"/>
-        </a:xfrm>
-      </p:grpSpPr>
-      <p:sp>
-        <p:nvSpPr>
-          <p:cNvPr id="2" name="Title 1"/>
-          <p:cNvSpPr>
-            <a:spLocks noGrp="1"/>
-          </p:cNvSpPr>
-          <p:nvPr>
-            <p:ph type="title"/>
-          </p:nvPr>
-        </p:nvSpPr>
-        <p:spPr>
-          <a:xfrm>
-            <a:off x="677334" y="609600"/>
-            <a:ext cx="8596668" cy="770467"/>
-          </a:xfrm>
-        </p:spPr>
-        <p:txBody>
-          <a:bodyPr/>
-          <a:lstStyle/>
-          <a:p>
-            <a:r>
-              <a:rPr lang="en-US" dirty="0" smtClean="0"/>
-              <a:t>Example </a:t>
-            </a:r>
-            <a:r>
-              <a:rPr lang="en-US" dirty="0" err="1" smtClean="0"/>
-              <a:t>pseudocode</a:t>
-            </a:r>
-            <a:endParaRPr lang="en-US" dirty="0"/>
-          </a:p>
-        </p:txBody>
-      </p:sp>
-      <p:sp>
-        <p:nvSpPr>
-          <p:cNvPr id="3" name="Content Placeholder 2"/>
-          <p:cNvSpPr>
-            <a:spLocks noGrp="1"/>
-          </p:cNvSpPr>
-          <p:nvPr>
-            <p:ph sz="half" idx="1"/>
-          </p:nvPr>
-        </p:nvSpPr>
-        <p:spPr>
-          <a:xfrm>
-            <a:off x="677334" y="2836333"/>
-            <a:ext cx="4184035" cy="3205028"/>
-          </a:xfrm>
-        </p:spPr>
-        <p:txBody>
-          <a:bodyPr/>
-          <a:lstStyle/>
-          <a:p>
-            <a:pPr marL="0" indent="0">
-              <a:buNone/>
-            </a:pPr>
-            <a:r>
-              <a:rPr lang="en-US" dirty="0">
-                <a:solidFill>
-                  <a:schemeClr val="tx1"/>
-                </a:solidFill>
-                <a:latin typeface="Consolas" charset="0"/>
-                <a:ea typeface="Consolas" charset="0"/>
-                <a:cs typeface="Consolas" charset="0"/>
-              </a:rPr>
-              <a:t>map(String key, String value):</a:t>
-            </a:r>
-          </a:p>
-          <a:p>
-            <a:pPr marL="0" indent="0">
-              <a:buNone/>
-            </a:pPr>
-            <a:r>
-              <a:rPr lang="en-US" dirty="0">
-                <a:solidFill>
-                  <a:schemeClr val="tx1"/>
-                </a:solidFill>
-                <a:latin typeface="Consolas" charset="0"/>
-                <a:ea typeface="Consolas" charset="0"/>
-                <a:cs typeface="Consolas" charset="0"/>
-              </a:rPr>
-              <a:t>// key: document name</a:t>
-            </a:r>
-          </a:p>
-          <a:p>
-            <a:pPr marL="0" indent="0">
-              <a:buNone/>
-            </a:pPr>
-            <a:r>
-              <a:rPr lang="en-US" dirty="0">
-                <a:solidFill>
-                  <a:schemeClr val="tx1"/>
-                </a:solidFill>
-                <a:latin typeface="Consolas" charset="0"/>
-                <a:ea typeface="Consolas" charset="0"/>
-                <a:cs typeface="Consolas" charset="0"/>
-              </a:rPr>
-              <a:t>// value: document contents</a:t>
-            </a:r>
-          </a:p>
-          <a:p>
-            <a:pPr marL="0" indent="0">
-              <a:buNone/>
-            </a:pPr>
-            <a:r>
-              <a:rPr lang="en-US" dirty="0">
-                <a:solidFill>
-                  <a:schemeClr val="tx1"/>
-                </a:solidFill>
-                <a:latin typeface="Consolas" charset="0"/>
-                <a:ea typeface="Consolas" charset="0"/>
-                <a:cs typeface="Consolas" charset="0"/>
-              </a:rPr>
-              <a:t>for each word w in value:</a:t>
-            </a:r>
-          </a:p>
-          <a:p>
-            <a:pPr marL="0" indent="0">
-              <a:buNone/>
-            </a:pPr>
-            <a:r>
-              <a:rPr lang="en-US" dirty="0" smtClean="0">
-                <a:solidFill>
-                  <a:schemeClr val="tx1"/>
-                </a:solidFill>
-                <a:latin typeface="Consolas" charset="0"/>
-                <a:ea typeface="Consolas" charset="0"/>
-                <a:cs typeface="Consolas" charset="0"/>
-              </a:rPr>
-              <a:t>	</a:t>
-            </a:r>
-            <a:r>
-              <a:rPr lang="en-US" dirty="0" err="1" smtClean="0">
-                <a:solidFill>
-                  <a:schemeClr val="tx1"/>
-                </a:solidFill>
-                <a:latin typeface="Consolas" charset="0"/>
-                <a:ea typeface="Consolas" charset="0"/>
-                <a:cs typeface="Consolas" charset="0"/>
-              </a:rPr>
-              <a:t>EmitIntermediate</a:t>
-            </a:r>
-            <a:r>
-              <a:rPr lang="en-US" dirty="0" smtClean="0">
-                <a:solidFill>
-                  <a:schemeClr val="tx1"/>
-                </a:solidFill>
-                <a:latin typeface="Consolas" charset="0"/>
-                <a:ea typeface="Consolas" charset="0"/>
-                <a:cs typeface="Consolas" charset="0"/>
-              </a:rPr>
-              <a:t>(w</a:t>
-            </a:r>
-            <a:r>
-              <a:rPr lang="en-US" dirty="0">
-                <a:solidFill>
-                  <a:schemeClr val="tx1"/>
-                </a:solidFill>
-                <a:latin typeface="Consolas" charset="0"/>
-                <a:ea typeface="Consolas" charset="0"/>
-                <a:cs typeface="Consolas" charset="0"/>
-              </a:rPr>
-              <a:t>, “1”);</a:t>
-            </a:r>
-          </a:p>
-        </p:txBody>
-      </p:sp>
-      <p:sp>
-        <p:nvSpPr>
-          <p:cNvPr id="4" name="Content Placeholder 3"/>
-          <p:cNvSpPr>
-            <a:spLocks noGrp="1"/>
-          </p:cNvSpPr>
-          <p:nvPr>
-            <p:ph sz="half" idx="2"/>
-          </p:nvPr>
-        </p:nvSpPr>
-        <p:spPr>
-          <a:xfrm>
-            <a:off x="5089970" y="2836333"/>
-            <a:ext cx="4184034" cy="3205029"/>
-          </a:xfrm>
-        </p:spPr>
-        <p:txBody>
-          <a:bodyPr/>
-          <a:lstStyle/>
-          <a:p>
-            <a:pPr marL="0" indent="0">
-              <a:buNone/>
-            </a:pPr>
-            <a:r>
-              <a:rPr lang="en-US" dirty="0">
-                <a:solidFill>
-                  <a:schemeClr val="tx1"/>
-                </a:solidFill>
-                <a:latin typeface="Consolas" charset="0"/>
-                <a:ea typeface="Consolas" charset="0"/>
-                <a:cs typeface="Consolas" charset="0"/>
-              </a:rPr>
-              <a:t>reduce(String key, Iterator values):</a:t>
-            </a:r>
-          </a:p>
-          <a:p>
-            <a:pPr marL="0" indent="0">
-              <a:buNone/>
-            </a:pPr>
-            <a:r>
-              <a:rPr lang="en-US" dirty="0">
-                <a:solidFill>
-                  <a:schemeClr val="tx1"/>
-                </a:solidFill>
-                <a:latin typeface="Consolas" charset="0"/>
-                <a:ea typeface="Consolas" charset="0"/>
-                <a:cs typeface="Consolas" charset="0"/>
-              </a:rPr>
-              <a:t>// key: a word</a:t>
-            </a:r>
-          </a:p>
-          <a:p>
-            <a:pPr marL="0" indent="0">
-              <a:buNone/>
-            </a:pPr>
-            <a:r>
-              <a:rPr lang="en-US" dirty="0">
-                <a:solidFill>
-                  <a:schemeClr val="tx1"/>
-                </a:solidFill>
-                <a:latin typeface="Consolas" charset="0"/>
-                <a:ea typeface="Consolas" charset="0"/>
-                <a:cs typeface="Consolas" charset="0"/>
-              </a:rPr>
-              <a:t>// values: a list of counts</a:t>
-            </a:r>
-          </a:p>
-          <a:p>
-            <a:pPr marL="0" indent="0">
-              <a:buNone/>
-            </a:pPr>
-            <a:r>
-              <a:rPr lang="en-US" dirty="0" err="1">
-                <a:solidFill>
-                  <a:schemeClr val="tx1"/>
-                </a:solidFill>
-                <a:latin typeface="Consolas" charset="0"/>
-                <a:ea typeface="Consolas" charset="0"/>
-                <a:cs typeface="Consolas" charset="0"/>
-              </a:rPr>
-              <a:t>int</a:t>
-            </a:r>
-            <a:r>
-              <a:rPr lang="en-US" dirty="0">
-                <a:solidFill>
-                  <a:schemeClr val="tx1"/>
-                </a:solidFill>
-                <a:latin typeface="Consolas" charset="0"/>
-                <a:ea typeface="Consolas" charset="0"/>
-                <a:cs typeface="Consolas" charset="0"/>
-              </a:rPr>
-              <a:t> result = 0;</a:t>
-            </a:r>
-          </a:p>
-          <a:p>
-            <a:pPr marL="0" indent="0">
-              <a:buNone/>
-            </a:pPr>
-            <a:r>
-              <a:rPr lang="en-US" dirty="0">
-                <a:solidFill>
-                  <a:schemeClr val="tx1"/>
-                </a:solidFill>
-                <a:latin typeface="Consolas" charset="0"/>
-                <a:ea typeface="Consolas" charset="0"/>
-                <a:cs typeface="Consolas" charset="0"/>
-              </a:rPr>
-              <a:t>for each v in values:</a:t>
-            </a:r>
-          </a:p>
-          <a:p>
-            <a:pPr marL="0" indent="0">
-              <a:buNone/>
-            </a:pPr>
-            <a:r>
-              <a:rPr lang="en-US" dirty="0" smtClean="0">
-                <a:solidFill>
-                  <a:schemeClr val="tx1"/>
-                </a:solidFill>
-                <a:latin typeface="Consolas" charset="0"/>
-                <a:ea typeface="Consolas" charset="0"/>
-                <a:cs typeface="Consolas" charset="0"/>
-              </a:rPr>
-              <a:t>	result </a:t>
-            </a:r>
-            <a:r>
-              <a:rPr lang="en-US" dirty="0">
-                <a:solidFill>
-                  <a:schemeClr val="tx1"/>
-                </a:solidFill>
-                <a:latin typeface="Consolas" charset="0"/>
-                <a:ea typeface="Consolas" charset="0"/>
-                <a:cs typeface="Consolas" charset="0"/>
-              </a:rPr>
-              <a:t>+= </a:t>
-            </a:r>
-            <a:r>
-              <a:rPr lang="en-US" dirty="0" err="1">
-                <a:solidFill>
-                  <a:schemeClr val="tx1"/>
-                </a:solidFill>
-                <a:latin typeface="Consolas" charset="0"/>
-                <a:ea typeface="Consolas" charset="0"/>
-                <a:cs typeface="Consolas" charset="0"/>
-              </a:rPr>
-              <a:t>ParseInt</a:t>
-            </a:r>
-            <a:r>
-              <a:rPr lang="en-US" dirty="0">
-                <a:solidFill>
-                  <a:schemeClr val="tx1"/>
-                </a:solidFill>
-                <a:latin typeface="Consolas" charset="0"/>
-                <a:ea typeface="Consolas" charset="0"/>
-                <a:cs typeface="Consolas" charset="0"/>
-              </a:rPr>
-              <a:t>(v);</a:t>
-            </a:r>
-          </a:p>
-          <a:p>
-            <a:pPr marL="0" indent="0">
-              <a:buNone/>
-            </a:pPr>
-            <a:r>
-              <a:rPr lang="en-US" dirty="0">
-                <a:solidFill>
-                  <a:schemeClr val="tx1"/>
-                </a:solidFill>
-                <a:latin typeface="Consolas" charset="0"/>
-                <a:ea typeface="Consolas" charset="0"/>
-                <a:cs typeface="Consolas" charset="0"/>
-              </a:rPr>
-              <a:t>Emit(</a:t>
-            </a:r>
-            <a:r>
-              <a:rPr lang="en-US" dirty="0" err="1">
-                <a:solidFill>
-                  <a:schemeClr val="tx1"/>
-                </a:solidFill>
-                <a:latin typeface="Consolas" charset="0"/>
-                <a:ea typeface="Consolas" charset="0"/>
-                <a:cs typeface="Consolas" charset="0"/>
-              </a:rPr>
-              <a:t>AsString</a:t>
-            </a:r>
-            <a:r>
-              <a:rPr lang="en-US" dirty="0">
-                <a:solidFill>
-                  <a:schemeClr val="tx1"/>
-                </a:solidFill>
-                <a:latin typeface="Consolas" charset="0"/>
-                <a:ea typeface="Consolas" charset="0"/>
-                <a:cs typeface="Consolas" charset="0"/>
-              </a:rPr>
-              <a:t>(result));</a:t>
-            </a:r>
-          </a:p>
-        </p:txBody>
-      </p:sp>
-      <p:sp>
-        <p:nvSpPr>
-          <p:cNvPr id="5" name="TextBox 4"/>
-          <p:cNvSpPr txBox="1"/>
-          <p:nvPr/>
-        </p:nvSpPr>
-        <p:spPr>
-          <a:xfrm>
-            <a:off x="677334" y="1693333"/>
-            <a:ext cx="8596668" cy="646331"/>
-          </a:xfrm>
-          <a:prstGeom prst="rect">
-            <a:avLst/>
-          </a:prstGeom>
-          <a:noFill/>
-        </p:spPr>
-        <p:txBody>
-          <a:bodyPr wrap="square" rtlCol="0">
-            <a:spAutoFit/>
-          </a:bodyPr>
-          <a:lstStyle/>
-          <a:p>
-            <a:r>
-              <a:rPr lang="en-US" dirty="0" err="1" smtClean="0">
-                <a:solidFill>
-                  <a:schemeClr val="tx1">
-                    <a:lumMod val="75000"/>
-                    <a:lumOff val="25000"/>
-                  </a:schemeClr>
-                </a:solidFill>
-              </a:rPr>
-              <a:t>MapReduce</a:t>
-            </a:r>
-            <a:r>
-              <a:rPr lang="en-US" dirty="0" smtClean="0">
-                <a:solidFill>
-                  <a:schemeClr val="tx1">
-                    <a:lumMod val="75000"/>
-                    <a:lumOff val="25000"/>
-                  </a:schemeClr>
-                </a:solidFill>
-              </a:rPr>
-              <a:t> program for counting the number of occurrences of each word in a large collection of documents:</a:t>
-            </a:r>
-            <a:endParaRPr lang="en-US" dirty="0">
-              <a:solidFill>
-                <a:schemeClr val="tx1">
-                  <a:lumMod val="75000"/>
-                  <a:lumOff val="25000"/>
-                </a:schemeClr>
-              </a:solidFill>
-            </a:endParaRPr>
-          </a:p>
-        </p:txBody>
-      </p:sp>
-    </p:spTree>
-    <p:extLst>
-      <p:ext uri="{BB962C8B-B14F-4D97-AF65-F5344CB8AC3E}">
-        <p14:creationId xmlns:p14="http://schemas.microsoft.com/office/powerpoint/2010/main" val="437867350"/>
-      </p:ext>
-    </p:extLst>
-  </p:cSld>
-  <p:clrMapOvr>
-    <a:masterClrMapping/>
-  </p:clrMapOvr>
-  <p:timing>
-    <p:tnLst>
-      <p:par>
-        <p:cTn id="1" dur="indefinite" restart="never" nodeType="tmRoot"/>
-      </p:par>
-    </p:tnLst>
-  </p:timing>
-</p:sld>
-</file>
-
-<file path=ppt/slides/slide5.xml><?xml version="1.0" encoding="utf-8"?>
-<p:sld xmlns:a="http://schemas.openxmlformats.org/drawingml/2006/main" xmlns:r="http://schemas.openxmlformats.org/officeDocument/2006/relationships" xmlns:p="http://schemas.openxmlformats.org/presentationml/2006/main">
-  <p:cSld>
-    <p:spTree>
-      <p:nvGrpSpPr>
-        <p:cNvPr id="1" name=""/>
-        <p:cNvGrpSpPr/>
-        <p:nvPr/>
-      </p:nvGrpSpPr>
-      <p:grpSpPr>
-        <a:xfrm>
-          <a:off x="0" y="0"/>
-          <a:ext cx="0" cy="0"/>
-          <a:chOff x="0" y="0"/>
-          <a:chExt cx="0" cy="0"/>
-        </a:xfrm>
-      </p:grpSpPr>
-      <p:sp>
-        <p:nvSpPr>
-          <p:cNvPr id="2" name="Title 1"/>
-          <p:cNvSpPr>
-            <a:spLocks noGrp="1"/>
-          </p:cNvSpPr>
-          <p:nvPr>
-            <p:ph type="title"/>
-          </p:nvPr>
-        </p:nvSpPr>
-        <p:spPr>
-          <a:xfrm>
-            <a:off x="677334" y="609600"/>
-            <a:ext cx="8596668" cy="736600"/>
-          </a:xfrm>
-        </p:spPr>
-        <p:txBody>
-          <a:bodyPr/>
-          <a:lstStyle/>
-          <a:p>
-            <a:r>
-              <a:rPr lang="en-US" dirty="0" err="1" smtClean="0"/>
-              <a:t>MapReduce</a:t>
-            </a:r>
-            <a:r>
-              <a:rPr lang="en-US" dirty="0" smtClean="0"/>
-              <a:t> in use</a:t>
-            </a:r>
-            <a:endParaRPr lang="en-US" dirty="0"/>
-          </a:p>
-        </p:txBody>
-      </p:sp>
-      <p:sp>
-        <p:nvSpPr>
-          <p:cNvPr id="3" name="Vertical Text Placeholder 2"/>
-          <p:cNvSpPr>
-            <a:spLocks noGrp="1"/>
-          </p:cNvSpPr>
-          <p:nvPr>
-            <p:ph type="body" orient="vert" idx="1"/>
-          </p:nvPr>
-        </p:nvSpPr>
-        <p:spPr>
-          <a:xfrm>
-            <a:off x="677334" y="1694922"/>
-            <a:ext cx="8596668" cy="4662815"/>
-          </a:xfrm>
-        </p:spPr>
-        <p:txBody>
-          <a:bodyPr vert="horz">
-            <a:spAutoFit/>
-          </a:bodyPr>
-          <a:lstStyle/>
-          <a:p>
-            <a:pPr marL="0" marR="0" lvl="0" indent="0" defTabSz="914400" eaLnBrk="1" fontAlgn="auto" latinLnBrk="0" hangingPunct="1">
-              <a:lnSpc>
-                <a:spcPct val="150000"/>
-              </a:lnSpc>
-              <a:spcBef>
-                <a:spcPts val="0"/>
-              </a:spcBef>
-              <a:spcAft>
-                <a:spcPts val="0"/>
-              </a:spcAft>
-              <a:buClrTx/>
-              <a:buSzTx/>
-              <a:buNone/>
-              <a:tabLst/>
-              <a:defRPr/>
-            </a:pPr>
-            <a:r>
-              <a:rPr lang="en-US" dirty="0" smtClean="0"/>
-              <a:t>Large-scale graph, image, and text processing</a:t>
-            </a:r>
-          </a:p>
-          <a:p>
-            <a:pPr marL="0" marR="0" lvl="0" indent="0" defTabSz="914400" eaLnBrk="1" fontAlgn="auto" latinLnBrk="0" hangingPunct="1">
-              <a:lnSpc>
-                <a:spcPct val="150000"/>
-              </a:lnSpc>
-              <a:spcBef>
-                <a:spcPts val="0"/>
-              </a:spcBef>
-              <a:spcAft>
-                <a:spcPts val="0"/>
-              </a:spcAft>
-              <a:buClrTx/>
-              <a:buSzTx/>
-              <a:buNone/>
-              <a:tabLst/>
-              <a:defRPr/>
-            </a:pPr>
-            <a:r>
-              <a:rPr lang="en-US" dirty="0"/>
-              <a:t>M</a:t>
-            </a:r>
-            <a:r>
-              <a:rPr lang="en-US" dirty="0" smtClean="0"/>
-              <a:t>achine learning</a:t>
-            </a:r>
-          </a:p>
-          <a:p>
-            <a:pPr marL="0" marR="0" lvl="0" indent="0" defTabSz="914400" eaLnBrk="1" fontAlgn="auto" latinLnBrk="0" hangingPunct="1">
-              <a:lnSpc>
-                <a:spcPct val="150000"/>
-              </a:lnSpc>
-              <a:spcBef>
-                <a:spcPts val="0"/>
-              </a:spcBef>
-              <a:spcAft>
-                <a:spcPts val="0"/>
-              </a:spcAft>
-              <a:buClrTx/>
-              <a:buSzTx/>
-              <a:buNone/>
-              <a:tabLst/>
-              <a:defRPr/>
-            </a:pPr>
-            <a:r>
-              <a:rPr lang="en-US" dirty="0"/>
-              <a:t>S</a:t>
-            </a:r>
-            <a:r>
-              <a:rPr lang="en-US" dirty="0" smtClean="0"/>
-              <a:t>tatistical machine translation</a:t>
-            </a:r>
-          </a:p>
-          <a:p>
-            <a:pPr marL="0" marR="0" lvl="0" indent="0" defTabSz="914400" eaLnBrk="1" fontAlgn="auto" latinLnBrk="0" hangingPunct="1">
-              <a:lnSpc>
-                <a:spcPct val="150000"/>
-              </a:lnSpc>
-              <a:spcBef>
-                <a:spcPts val="0"/>
-              </a:spcBef>
-              <a:spcAft>
-                <a:spcPts val="0"/>
-              </a:spcAft>
-              <a:buClrTx/>
-              <a:buSzTx/>
-              <a:buNone/>
-              <a:tabLst/>
-              <a:defRPr/>
-            </a:pPr>
-            <a:r>
-              <a:rPr lang="en-US" dirty="0" smtClean="0"/>
-              <a:t>Hadoop: popular open-source implementation</a:t>
-            </a:r>
-          </a:p>
-          <a:p>
-            <a:pPr defTabSz="914400">
-              <a:lnSpc>
-                <a:spcPct val="150000"/>
-              </a:lnSpc>
-              <a:spcBef>
-                <a:spcPts val="0"/>
-              </a:spcBef>
-              <a:buClrTx/>
-              <a:buSzTx/>
-              <a:buFont typeface="Arial" charset="0"/>
-              <a:buChar char="•"/>
-            </a:pPr>
-            <a:r>
-              <a:rPr lang="en-US" dirty="0" smtClean="0"/>
-              <a:t>Currently managed by Apache Software Foundation</a:t>
-            </a:r>
-          </a:p>
-          <a:p>
-            <a:pPr defTabSz="914400">
-              <a:lnSpc>
-                <a:spcPct val="150000"/>
-              </a:lnSpc>
-              <a:spcBef>
-                <a:spcPts val="0"/>
-              </a:spcBef>
-              <a:buClrTx/>
-              <a:buSzTx/>
-              <a:buFont typeface="Arial" charset="0"/>
-              <a:buChar char="•"/>
-            </a:pPr>
-            <a:r>
-              <a:rPr lang="en-US" dirty="0" smtClean="0"/>
-              <a:t>Includes Hadoop Distributed File System (HDFS) and other management tools</a:t>
-            </a:r>
-          </a:p>
-          <a:p>
-            <a:pPr marL="0" indent="0" defTabSz="914400">
-              <a:lnSpc>
-                <a:spcPct val="150000"/>
-              </a:lnSpc>
-              <a:spcBef>
-                <a:spcPts val="0"/>
-              </a:spcBef>
-              <a:buClrTx/>
-              <a:buSzTx/>
-              <a:buNone/>
-            </a:pPr>
-            <a:r>
-              <a:rPr lang="en-US" dirty="0" smtClean="0"/>
-              <a:t>Google: previously used </a:t>
-            </a:r>
-            <a:r>
-              <a:rPr lang="en-US" dirty="0" err="1" smtClean="0"/>
-              <a:t>MapReduce</a:t>
-            </a:r>
-            <a:r>
-              <a:rPr lang="en-US" dirty="0" smtClean="0"/>
-              <a:t> to index the web</a:t>
-            </a:r>
-          </a:p>
-          <a:p>
-            <a:pPr defTabSz="914400">
-              <a:lnSpc>
-                <a:spcPct val="150000"/>
-              </a:lnSpc>
-              <a:spcBef>
-                <a:spcPts val="0"/>
-              </a:spcBef>
-              <a:buClrTx/>
-              <a:buSzTx/>
-              <a:buFont typeface="Arial" charset="0"/>
-              <a:buChar char="•"/>
-            </a:pPr>
-            <a:r>
-              <a:rPr lang="en-US" dirty="0" smtClean="0"/>
-              <a:t>More than 10,000 programs at Google used </a:t>
-            </a:r>
-            <a:r>
-              <a:rPr lang="en-US" dirty="0" err="1" smtClean="0"/>
-              <a:t>MapReduce</a:t>
-            </a:r>
-            <a:endParaRPr lang="en-US" dirty="0" smtClean="0"/>
-          </a:p>
-          <a:p>
-            <a:pPr defTabSz="914400">
-              <a:lnSpc>
-                <a:spcPct val="150000"/>
-              </a:lnSpc>
-              <a:spcBef>
-                <a:spcPts val="0"/>
-              </a:spcBef>
-              <a:buClrTx/>
-              <a:buSzTx/>
-              <a:buFont typeface="Arial" charset="0"/>
-              <a:buChar char="•"/>
-            </a:pPr>
-            <a:r>
-              <a:rPr lang="en-US" dirty="0" smtClean="0"/>
-              <a:t>Company has moved on to other technologies</a:t>
-            </a:r>
-          </a:p>
-          <a:p>
-            <a:pPr marL="0" indent="0" defTabSz="914400">
-              <a:lnSpc>
-                <a:spcPct val="150000"/>
-              </a:lnSpc>
-              <a:spcBef>
-                <a:spcPts val="0"/>
-              </a:spcBef>
-              <a:buClrTx/>
-              <a:buSzTx/>
-              <a:buNone/>
-            </a:pPr>
-            <a:r>
-              <a:rPr lang="en-US" dirty="0" err="1" smtClean="0"/>
-              <a:t>CouchDB</a:t>
-            </a:r>
-            <a:endParaRPr lang="en-US" dirty="0" smtClean="0"/>
-          </a:p>
-          <a:p>
-            <a:pPr marL="0" indent="0" defTabSz="914400">
-              <a:lnSpc>
-                <a:spcPct val="150000"/>
-              </a:lnSpc>
-              <a:spcBef>
-                <a:spcPts val="0"/>
-              </a:spcBef>
-              <a:buClrTx/>
-              <a:buSzTx/>
-              <a:buNone/>
-            </a:pPr>
-            <a:r>
-              <a:rPr lang="en-US" dirty="0" err="1" smtClean="0"/>
-              <a:t>Riak</a:t>
-            </a:r>
-            <a:endParaRPr lang="en-US" dirty="0"/>
-          </a:p>
-        </p:txBody>
-      </p:sp>
-    </p:spTree>
-    <p:extLst>
-      <p:ext uri="{BB962C8B-B14F-4D97-AF65-F5344CB8AC3E}">
-        <p14:creationId xmlns:p14="http://schemas.microsoft.com/office/powerpoint/2010/main" val="2064650428"/>
-      </p:ext>
-    </p:extLst>
-  </p:cSld>
-  <p:clrMapOvr>
-    <a:masterClrMapping/>
-  </p:clrMapOvr>
-  <p:timing>
-    <p:tnLst>
-      <p:par>
-        <p:cTn id="1" dur="indefinite" restart="never" nodeType="tmRoot"/>
-      </p:par>
-    </p:tnLst>
-  </p:timing>
-</p:sld>
-</file>
-
-<file path=ppt/slides/slide6.xml><?xml version="1.0" encoding="utf-8"?>
-<p:sld xmlns:a="http://schemas.openxmlformats.org/drawingml/2006/main" xmlns:r="http://schemas.openxmlformats.org/officeDocument/2006/relationships" xmlns:p="http://schemas.openxmlformats.org/presentationml/2006/main">
-  <p:cSld>
-    <p:spTree>
-      <p:nvGrpSpPr>
-        <p:cNvPr id="1" name=""/>
-        <p:cNvGrpSpPr/>
-        <p:nvPr/>
-      </p:nvGrpSpPr>
-      <p:grpSpPr>
-        <a:xfrm>
-          <a:off x="0" y="0"/>
-          <a:ext cx="0" cy="0"/>
-          <a:chOff x="0" y="0"/>
-          <a:chExt cx="0" cy="0"/>
-        </a:xfrm>
-      </p:grpSpPr>
-      <p:sp>
-        <p:nvSpPr>
-          <p:cNvPr id="2" name="Title 1"/>
-          <p:cNvSpPr>
-            <a:spLocks noGrp="1"/>
-          </p:cNvSpPr>
-          <p:nvPr>
-            <p:ph type="title"/>
-          </p:nvPr>
-        </p:nvSpPr>
-        <p:spPr>
-          <a:xfrm>
-            <a:off x="677334" y="609600"/>
-            <a:ext cx="8596668" cy="804333"/>
-          </a:xfrm>
-        </p:spPr>
-        <p:txBody>
-          <a:bodyPr/>
-          <a:lstStyle/>
-          <a:p>
-            <a:r>
-              <a:rPr lang="en-US" dirty="0" smtClean="0"/>
-              <a:t>Considerations</a:t>
-            </a:r>
-            <a:endParaRPr lang="en-US" dirty="0"/>
-          </a:p>
-        </p:txBody>
-      </p:sp>
-      <p:sp>
-        <p:nvSpPr>
-          <p:cNvPr id="3" name="Text Placeholder 2"/>
-          <p:cNvSpPr>
-            <a:spLocks noGrp="1"/>
-          </p:cNvSpPr>
-          <p:nvPr>
-            <p:ph type="body" idx="1"/>
-          </p:nvPr>
-        </p:nvSpPr>
-        <p:spPr>
-          <a:xfrm>
-            <a:off x="675746" y="1695317"/>
-            <a:ext cx="4185623" cy="576262"/>
-          </a:xfrm>
-          <a:ln>
-            <a:noFill/>
-          </a:ln>
-        </p:spPr>
-        <p:txBody>
-          <a:bodyPr/>
-          <a:lstStyle/>
-          <a:p>
-            <a:r>
-              <a:rPr lang="en-US" dirty="0" smtClean="0"/>
-              <a:t>Strengths</a:t>
-            </a:r>
-            <a:endParaRPr lang="en-US" dirty="0"/>
-          </a:p>
-        </p:txBody>
-      </p:sp>
-      <p:sp>
-        <p:nvSpPr>
-          <p:cNvPr id="4" name="Content Placeholder 3"/>
-          <p:cNvSpPr>
-            <a:spLocks noGrp="1"/>
-          </p:cNvSpPr>
-          <p:nvPr>
-            <p:ph sz="half" idx="2"/>
-          </p:nvPr>
-        </p:nvSpPr>
-        <p:spPr>
-          <a:xfrm>
-            <a:off x="675746" y="2271579"/>
-            <a:ext cx="4185623" cy="3304117"/>
-          </a:xfrm>
-        </p:spPr>
-        <p:txBody>
-          <a:bodyPr/>
-          <a:lstStyle/>
-          <a:p>
-            <a:pPr marL="0" lvl="0" indent="0" defTabSz="914400">
-              <a:lnSpc>
-                <a:spcPct val="150000"/>
-              </a:lnSpc>
-              <a:spcBef>
-                <a:spcPts val="0"/>
-              </a:spcBef>
-              <a:buClrTx/>
-              <a:buSzTx/>
-              <a:buNone/>
-              <a:defRPr/>
-            </a:pPr>
-            <a:r>
-              <a:rPr lang="en-US" dirty="0"/>
-              <a:t>Easy, cost-effective deployment</a:t>
-            </a:r>
-          </a:p>
-          <a:p>
-            <a:pPr marL="0" lvl="0" indent="0" defTabSz="914400">
-              <a:lnSpc>
-                <a:spcPct val="150000"/>
-              </a:lnSpc>
-              <a:spcBef>
-                <a:spcPts val="0"/>
-              </a:spcBef>
-              <a:buClrTx/>
-              <a:buSzTx/>
-              <a:buNone/>
-              <a:defRPr/>
-            </a:pPr>
-            <a:r>
-              <a:rPr lang="en-US" dirty="0"/>
-              <a:t>Large data sets</a:t>
-            </a:r>
-          </a:p>
-          <a:p>
-            <a:pPr marL="0" lvl="0" indent="0" defTabSz="914400">
-              <a:lnSpc>
-                <a:spcPct val="150000"/>
-              </a:lnSpc>
-              <a:spcBef>
-                <a:spcPts val="0"/>
-              </a:spcBef>
-              <a:buClrTx/>
-              <a:buSzTx/>
-              <a:buNone/>
-              <a:defRPr/>
-            </a:pPr>
-            <a:r>
-              <a:rPr lang="en-US" dirty="0"/>
-              <a:t>Complicated queries</a:t>
-            </a:r>
-          </a:p>
-          <a:p>
-            <a:pPr marL="0" lvl="0" indent="0" defTabSz="914400">
-              <a:lnSpc>
-                <a:spcPct val="150000"/>
-              </a:lnSpc>
-              <a:spcBef>
-                <a:spcPts val="0"/>
-              </a:spcBef>
-              <a:buClrTx/>
-              <a:buSzTx/>
-              <a:buNone/>
-              <a:defRPr/>
-            </a:pPr>
-            <a:r>
-              <a:rPr lang="en-US" dirty="0"/>
-              <a:t>Logging</a:t>
-            </a:r>
-          </a:p>
-          <a:p>
-            <a:pPr marL="0" lvl="0" indent="0" defTabSz="914400">
-              <a:lnSpc>
-                <a:spcPct val="150000"/>
-              </a:lnSpc>
-              <a:spcBef>
-                <a:spcPts val="0"/>
-              </a:spcBef>
-              <a:buClrTx/>
-              <a:buSzTx/>
-              <a:buNone/>
-              <a:defRPr/>
-            </a:pPr>
-            <a:r>
-              <a:rPr lang="en-US" dirty="0"/>
-              <a:t>Fault-tolerance</a:t>
-            </a:r>
-          </a:p>
-          <a:p>
-            <a:pPr marL="0" lvl="0" indent="0" defTabSz="914400">
-              <a:lnSpc>
-                <a:spcPct val="150000"/>
-              </a:lnSpc>
-              <a:spcBef>
-                <a:spcPts val="0"/>
-              </a:spcBef>
-              <a:buClrTx/>
-              <a:buSzTx/>
-              <a:buNone/>
-              <a:defRPr/>
-            </a:pPr>
-            <a:r>
-              <a:rPr lang="en-US" dirty="0"/>
-              <a:t>Storage </a:t>
-            </a:r>
-            <a:r>
-              <a:rPr lang="en-US" dirty="0" smtClean="0"/>
-              <a:t>independence</a:t>
-            </a:r>
-            <a:endParaRPr lang="en-US" dirty="0"/>
-          </a:p>
-        </p:txBody>
-      </p:sp>
-      <p:sp>
-        <p:nvSpPr>
-          <p:cNvPr id="5" name="Text Placeholder 4"/>
-          <p:cNvSpPr>
-            <a:spLocks noGrp="1"/>
-          </p:cNvSpPr>
-          <p:nvPr>
-            <p:ph type="body" sz="quarter" idx="3"/>
-          </p:nvPr>
-        </p:nvSpPr>
-        <p:spPr>
-          <a:xfrm>
-            <a:off x="5088384" y="1695317"/>
-            <a:ext cx="4185618" cy="576262"/>
-          </a:xfrm>
-        </p:spPr>
-        <p:txBody>
-          <a:bodyPr/>
-          <a:lstStyle/>
-          <a:p>
-            <a:r>
-              <a:rPr lang="en-US" dirty="0" smtClean="0"/>
-              <a:t>Weaknesses</a:t>
-            </a:r>
-            <a:endParaRPr lang="en-US" dirty="0"/>
-          </a:p>
-        </p:txBody>
-      </p:sp>
-      <p:sp>
-        <p:nvSpPr>
-          <p:cNvPr id="6" name="Content Placeholder 5"/>
-          <p:cNvSpPr>
-            <a:spLocks noGrp="1"/>
-          </p:cNvSpPr>
-          <p:nvPr>
-            <p:ph sz="quarter" idx="4"/>
-          </p:nvPr>
-        </p:nvSpPr>
-        <p:spPr>
-          <a:xfrm>
-            <a:off x="5088385" y="2271579"/>
-            <a:ext cx="4185617" cy="3304117"/>
-          </a:xfrm>
-        </p:spPr>
-        <p:txBody>
-          <a:bodyPr/>
-          <a:lstStyle/>
-          <a:p>
-            <a:pPr marL="0" lvl="0" indent="0" defTabSz="914400">
-              <a:lnSpc>
-                <a:spcPct val="150000"/>
-              </a:lnSpc>
-              <a:spcBef>
-                <a:spcPts val="0"/>
-              </a:spcBef>
-              <a:buClrTx/>
-              <a:buSzTx/>
-              <a:buNone/>
-              <a:defRPr/>
-            </a:pPr>
-            <a:r>
-              <a:rPr lang="en-US" dirty="0"/>
-              <a:t>Flexibility</a:t>
-            </a:r>
-          </a:p>
-          <a:p>
-            <a:pPr marL="0" lvl="0" indent="0" defTabSz="914400">
-              <a:lnSpc>
-                <a:spcPct val="150000"/>
-              </a:lnSpc>
-              <a:spcBef>
-                <a:spcPts val="0"/>
-              </a:spcBef>
-              <a:buClrTx/>
-              <a:buSzTx/>
-              <a:buNone/>
-              <a:defRPr/>
-            </a:pPr>
-            <a:r>
-              <a:rPr lang="en-US" dirty="0"/>
-              <a:t>Complex schema</a:t>
-            </a:r>
-          </a:p>
-          <a:p>
-            <a:pPr marL="0" lvl="0" indent="0" defTabSz="914400">
-              <a:lnSpc>
-                <a:spcPct val="150000"/>
-              </a:lnSpc>
-              <a:spcBef>
-                <a:spcPts val="0"/>
-              </a:spcBef>
-              <a:buClrTx/>
-              <a:buSzTx/>
-              <a:buNone/>
-              <a:defRPr/>
-            </a:pPr>
-            <a:r>
-              <a:rPr lang="en-US" dirty="0" smtClean="0"/>
-              <a:t>Data storage</a:t>
-            </a:r>
-            <a:endParaRPr lang="en-US" dirty="0"/>
-          </a:p>
-          <a:p>
-            <a:pPr marL="0" lvl="0" indent="0" defTabSz="914400">
-              <a:lnSpc>
-                <a:spcPct val="150000"/>
-              </a:lnSpc>
-              <a:spcBef>
-                <a:spcPts val="0"/>
-              </a:spcBef>
-              <a:buClrTx/>
-              <a:buSzTx/>
-              <a:buNone/>
-              <a:defRPr/>
-            </a:pPr>
-            <a:r>
-              <a:rPr lang="en-US" dirty="0"/>
-              <a:t>Speed</a:t>
-            </a:r>
-            <a:endParaRPr lang="en-US" dirty="0"/>
-          </a:p>
-        </p:txBody>
-      </p:sp>
-    </p:spTree>
-    <p:extLst>
-      <p:ext uri="{BB962C8B-B14F-4D97-AF65-F5344CB8AC3E}">
-        <p14:creationId xmlns:p14="http://schemas.microsoft.com/office/powerpoint/2010/main" val="30156716"/>
-      </p:ext>
-    </p:extLst>
-  </p:cSld>
-  <p:clrMapOvr>
-    <a:masterClrMapping/>
-  </p:clrMapOvr>
-</p:sld>
-</file>
-
-<file path=ppt/slides/slide7.xml><?xml version="1.0" encoding="utf-8"?>
-<p:sld xmlns:a="http://schemas.openxmlformats.org/drawingml/2006/main" xmlns:r="http://schemas.openxmlformats.org/officeDocument/2006/relationships" xmlns:p="http://schemas.openxmlformats.org/presentationml/2006/main">
-  <p:cSld>
-    <p:spTree>
-      <p:nvGrpSpPr>
-        <p:cNvPr id="1" name=""/>
-        <p:cNvGrpSpPr/>
-        <p:nvPr/>
-      </p:nvGrpSpPr>
-      <p:grpSpPr>
-        <a:xfrm>
-          <a:off x="0" y="0"/>
-          <a:ext cx="0" cy="0"/>
-          <a:chOff x="0" y="0"/>
-          <a:chExt cx="0" cy="0"/>
-        </a:xfrm>
-      </p:grpSpPr>
-      <p:sp>
-        <p:nvSpPr>
-          <p:cNvPr id="2" name="Title 1"/>
-          <p:cNvSpPr>
-            <a:spLocks noGrp="1"/>
-          </p:cNvSpPr>
-          <p:nvPr>
-            <p:ph type="title"/>
-          </p:nvPr>
-        </p:nvSpPr>
-        <p:spPr>
-          <a:xfrm>
-            <a:off x="677334" y="609600"/>
-            <a:ext cx="8596668" cy="736600"/>
-          </a:xfrm>
-        </p:spPr>
-        <p:txBody>
-          <a:bodyPr/>
-          <a:lstStyle/>
-          <a:p>
-            <a:r>
-              <a:rPr lang="en-US" dirty="0" smtClean="0"/>
-              <a:t>Summary of the paper</a:t>
-            </a:r>
-            <a:endParaRPr lang="en-US" dirty="0"/>
-          </a:p>
-        </p:txBody>
-      </p:sp>
-      <p:sp>
-        <p:nvSpPr>
-          <p:cNvPr id="3" name="Vertical Text Placeholder 2"/>
-          <p:cNvSpPr>
-            <a:spLocks noGrp="1"/>
-          </p:cNvSpPr>
-          <p:nvPr>
-            <p:ph type="body" orient="vert" idx="1"/>
-          </p:nvPr>
-        </p:nvSpPr>
-        <p:spPr>
-          <a:xfrm>
-            <a:off x="677334" y="1694922"/>
-            <a:ext cx="8596668" cy="3831818"/>
-          </a:xfrm>
-        </p:spPr>
-        <p:txBody>
-          <a:bodyPr vert="horz">
-            <a:spAutoFit/>
-          </a:bodyPr>
-          <a:lstStyle/>
-          <a:p>
-            <a:pPr marL="0" marR="0" lvl="0" indent="0" defTabSz="914400" eaLnBrk="1" fontAlgn="auto" latinLnBrk="0" hangingPunct="1">
-              <a:lnSpc>
-                <a:spcPct val="150000"/>
-              </a:lnSpc>
-              <a:spcBef>
-                <a:spcPts val="0"/>
-              </a:spcBef>
-              <a:spcAft>
-                <a:spcPts val="0"/>
-              </a:spcAft>
-              <a:buClrTx/>
-              <a:buSzTx/>
-              <a:buNone/>
-              <a:tabLst/>
-              <a:defRPr/>
-            </a:pPr>
-            <a:r>
-              <a:rPr lang="en-US" dirty="0" smtClean="0"/>
-              <a:t>Criticism of another paper that compared </a:t>
-            </a:r>
-            <a:r>
-              <a:rPr lang="en-US" dirty="0" err="1" smtClean="0"/>
-              <a:t>MapReduce</a:t>
-            </a:r>
-            <a:r>
-              <a:rPr lang="en-US" dirty="0" smtClean="0"/>
-              <a:t> to parallel databases</a:t>
-            </a:r>
-          </a:p>
-          <a:p>
-            <a:pPr marL="0" marR="0" lvl="0" indent="0" defTabSz="914400" eaLnBrk="1" fontAlgn="auto" latinLnBrk="0" hangingPunct="1">
-              <a:lnSpc>
-                <a:spcPct val="150000"/>
-              </a:lnSpc>
-              <a:spcBef>
-                <a:spcPts val="0"/>
-              </a:spcBef>
-              <a:spcAft>
-                <a:spcPts val="0"/>
-              </a:spcAft>
-              <a:buClrTx/>
-              <a:buSzTx/>
-              <a:buNone/>
-              <a:tabLst/>
-              <a:defRPr/>
-            </a:pPr>
-            <a:r>
-              <a:rPr lang="en-US" dirty="0" smtClean="0"/>
-              <a:t>Primarily asserts that previous research was not done correctly</a:t>
-            </a:r>
-          </a:p>
-          <a:p>
-            <a:pPr marL="0" marR="0" lvl="0" indent="0" defTabSz="914400" eaLnBrk="1" fontAlgn="auto" latinLnBrk="0" hangingPunct="1">
-              <a:lnSpc>
-                <a:spcPct val="150000"/>
-              </a:lnSpc>
-              <a:spcBef>
-                <a:spcPts val="0"/>
-              </a:spcBef>
-              <a:spcAft>
-                <a:spcPts val="0"/>
-              </a:spcAft>
-              <a:buClrTx/>
-              <a:buSzTx/>
-              <a:buNone/>
-              <a:tabLst/>
-              <a:defRPr/>
-            </a:pPr>
-            <a:r>
-              <a:rPr lang="en-US" dirty="0" smtClean="0"/>
-              <a:t>Primary counterpoints:</a:t>
-            </a:r>
-          </a:p>
-          <a:p>
-            <a:pPr marR="0" lvl="0" defTabSz="914400" eaLnBrk="1" fontAlgn="auto" latinLnBrk="0" hangingPunct="1">
-              <a:lnSpc>
-                <a:spcPct val="150000"/>
-              </a:lnSpc>
-              <a:spcBef>
-                <a:spcPts val="0"/>
-              </a:spcBef>
-              <a:spcAft>
-                <a:spcPts val="0"/>
-              </a:spcAft>
-              <a:buClrTx/>
-              <a:buSzTx/>
-              <a:buFont typeface="Arial" charset="0"/>
-              <a:buChar char="•"/>
-              <a:tabLst/>
-              <a:defRPr/>
-            </a:pPr>
-            <a:r>
-              <a:rPr lang="en-US" dirty="0" smtClean="0"/>
-              <a:t>Indices can be used</a:t>
-            </a:r>
-          </a:p>
-          <a:p>
-            <a:pPr marR="0" lvl="0" defTabSz="914400" eaLnBrk="1" fontAlgn="auto" latinLnBrk="0" hangingPunct="1">
-              <a:lnSpc>
-                <a:spcPct val="150000"/>
-              </a:lnSpc>
-              <a:spcBef>
-                <a:spcPts val="0"/>
-              </a:spcBef>
-              <a:spcAft>
-                <a:spcPts val="0"/>
-              </a:spcAft>
-              <a:buClrTx/>
-              <a:buSzTx/>
-              <a:buFont typeface="Arial" charset="0"/>
-              <a:buChar char="•"/>
-              <a:tabLst/>
-              <a:defRPr/>
-            </a:pPr>
-            <a:r>
-              <a:rPr lang="en-US" dirty="0" smtClean="0"/>
-              <a:t>Input and output is not limited to files and textual data</a:t>
-            </a:r>
-          </a:p>
-          <a:p>
-            <a:pPr marR="0" lvl="0" defTabSz="914400" eaLnBrk="1" fontAlgn="auto" latinLnBrk="0" hangingPunct="1">
-              <a:lnSpc>
-                <a:spcPct val="150000"/>
-              </a:lnSpc>
-              <a:spcBef>
-                <a:spcPts val="0"/>
-              </a:spcBef>
-              <a:spcAft>
-                <a:spcPts val="0"/>
-              </a:spcAft>
-              <a:buClrTx/>
-              <a:buSzTx/>
-              <a:buFont typeface="Arial" charset="0"/>
-              <a:buChar char="•"/>
-              <a:tabLst/>
-              <a:defRPr/>
-            </a:pPr>
-            <a:r>
-              <a:rPr lang="en-US" dirty="0" smtClean="0"/>
-              <a:t>Implementation was not optimized for startup, shuffling, and output</a:t>
-            </a:r>
-          </a:p>
-          <a:p>
-            <a:pPr marR="0" lvl="0" defTabSz="914400" eaLnBrk="1" fontAlgn="auto" latinLnBrk="0" hangingPunct="1">
-              <a:lnSpc>
-                <a:spcPct val="150000"/>
-              </a:lnSpc>
-              <a:spcBef>
-                <a:spcPts val="0"/>
-              </a:spcBef>
-              <a:spcAft>
-                <a:spcPts val="0"/>
-              </a:spcAft>
-              <a:buClrTx/>
-              <a:buSzTx/>
-              <a:buFont typeface="Arial" charset="0"/>
-              <a:buChar char="•"/>
-              <a:tabLst/>
-              <a:defRPr/>
-            </a:pPr>
-            <a:r>
-              <a:rPr lang="en-US" dirty="0" smtClean="0"/>
-              <a:t>Data loading is not a </a:t>
-            </a:r>
-            <a:r>
-              <a:rPr lang="en-US" dirty="0" err="1" smtClean="0"/>
-              <a:t>MapReduce</a:t>
-            </a:r>
-            <a:r>
-              <a:rPr lang="en-US" dirty="0" smtClean="0"/>
-              <a:t> feature</a:t>
-            </a:r>
-          </a:p>
-          <a:p>
-            <a:pPr marR="0" lvl="0" defTabSz="914400" eaLnBrk="1" fontAlgn="auto" latinLnBrk="0" hangingPunct="1">
-              <a:lnSpc>
-                <a:spcPct val="150000"/>
-              </a:lnSpc>
-              <a:spcBef>
-                <a:spcPts val="0"/>
-              </a:spcBef>
-              <a:spcAft>
-                <a:spcPts val="0"/>
-              </a:spcAft>
-              <a:buClrTx/>
-              <a:buSzTx/>
-              <a:buFont typeface="Arial" charset="0"/>
-              <a:buChar char="•"/>
-              <a:tabLst/>
-              <a:defRPr/>
-            </a:pPr>
-            <a:r>
-              <a:rPr lang="en-US" dirty="0" smtClean="0"/>
-              <a:t>Entire dataset does not have to be processed</a:t>
-            </a:r>
-          </a:p>
-          <a:p>
-            <a:pPr marR="0" lvl="0" defTabSz="914400" eaLnBrk="1" fontAlgn="auto" latinLnBrk="0" hangingPunct="1">
-              <a:lnSpc>
-                <a:spcPct val="150000"/>
-              </a:lnSpc>
-              <a:spcBef>
-                <a:spcPts val="0"/>
-              </a:spcBef>
-              <a:spcAft>
-                <a:spcPts val="0"/>
-              </a:spcAft>
-              <a:buClrTx/>
-              <a:buSzTx/>
-              <a:buFont typeface="Arial" charset="0"/>
-              <a:buChar char="•"/>
-              <a:tabLst/>
-              <a:defRPr/>
-            </a:pPr>
-            <a:endParaRPr lang="en-US" dirty="0" smtClean="0"/>
-          </a:p>
-        </p:txBody>
-      </p:sp>
-    </p:spTree>
-    <p:extLst>
-      <p:ext uri="{BB962C8B-B14F-4D97-AF65-F5344CB8AC3E}">
-        <p14:creationId xmlns:p14="http://schemas.microsoft.com/office/powerpoint/2010/main" val="1864109460"/>
-      </p:ext>
-    </p:extLst>
-  </p:cSld>
-  <p:clrMapOvr>
-    <a:masterClrMapping/>
-  </p:clrMapOvr>
-  <p:timing>
-    <p:tnLst>
-      <p:par>
-        <p:cTn id="1" dur="indefinite" restart="never" nodeType="tmRoot"/>
-      </p:par>
-    </p:tnLst>
-  </p:timing>
-</p:sld>
-</file>
-
-<file path=ppt/slides/slide8.xml><?xml version="1.0" encoding="utf-8"?>
-<p:sld xmlns:a="http://schemas.openxmlformats.org/drawingml/2006/main" xmlns:r="http://schemas.openxmlformats.org/officeDocument/2006/relationships" xmlns:p="http://schemas.openxmlformats.org/presentationml/2006/main">
-  <p:cSld>
-    <p:spTree>
-      <p:nvGrpSpPr>
-        <p:cNvPr id="1" name=""/>
-        <p:cNvGrpSpPr/>
-        <p:nvPr/>
-      </p:nvGrpSpPr>
-      <p:grpSpPr>
-        <a:xfrm>
-          <a:off x="0" y="0"/>
-          <a:ext cx="0" cy="0"/>
-          <a:chOff x="0" y="0"/>
-          <a:chExt cx="0" cy="0"/>
-        </a:xfrm>
-      </p:grpSpPr>
-      <p:sp>
-        <p:nvSpPr>
-          <p:cNvPr id="2" name="Title 1"/>
-          <p:cNvSpPr>
-            <a:spLocks noGrp="1"/>
-          </p:cNvSpPr>
-          <p:nvPr>
-            <p:ph type="title"/>
-          </p:nvPr>
-        </p:nvSpPr>
-        <p:spPr>
-          <a:xfrm>
-            <a:off x="677334" y="609600"/>
             <a:ext cx="8596668" cy="804333"/>
           </a:xfrm>
         </p:spPr>
@@ -8564,7 +6854,7 @@
 </p:sld>
 </file>
 
-<file path=ppt/slides/slide9.xml><?xml version="1.0" encoding="utf-8"?>
+<file path=ppt/slides/slide11.xml><?xml version="1.0" encoding="utf-8"?>
 <p:sld xmlns:a="http://schemas.openxmlformats.org/drawingml/2006/main" xmlns:r="http://schemas.openxmlformats.org/officeDocument/2006/relationships" xmlns:p="http://schemas.openxmlformats.org/presentationml/2006/main">
   <p:cSld>
     <p:spTree>
@@ -8954,6 +7244,2931 @@
   <p:clrMapOvr>
     <a:masterClrMapping/>
   </p:clrMapOvr>
+</p:sld>
+</file>
+
+<file path=ppt/slides/slide12.xml><?xml version="1.0" encoding="utf-8"?>
+<p:sld xmlns:a="http://schemas.openxmlformats.org/drawingml/2006/main" xmlns:r="http://schemas.openxmlformats.org/officeDocument/2006/relationships" xmlns:p="http://schemas.openxmlformats.org/presentationml/2006/main">
+  <p:cSld>
+    <p:spTree>
+      <p:nvGrpSpPr>
+        <p:cNvPr id="1" name=""/>
+        <p:cNvGrpSpPr/>
+        <p:nvPr/>
+      </p:nvGrpSpPr>
+      <p:grpSpPr>
+        <a:xfrm>
+          <a:off x="0" y="0"/>
+          <a:ext cx="0" cy="0"/>
+          <a:chOff x="0" y="0"/>
+          <a:chExt cx="0" cy="0"/>
+        </a:xfrm>
+      </p:grpSpPr>
+      <p:sp>
+        <p:nvSpPr>
+          <p:cNvPr id="2" name="Title 1"/>
+          <p:cNvSpPr>
+            <a:spLocks noGrp="1"/>
+          </p:cNvSpPr>
+          <p:nvPr>
+            <p:ph type="title"/>
+          </p:nvPr>
+        </p:nvSpPr>
+        <p:spPr>
+          <a:xfrm>
+            <a:off x="677334" y="609600"/>
+            <a:ext cx="8596668" cy="736600"/>
+          </a:xfrm>
+        </p:spPr>
+        <p:txBody>
+          <a:bodyPr/>
+          <a:lstStyle/>
+          <a:p>
+            <a:r>
+              <a:rPr lang="en-US" dirty="0" smtClean="0"/>
+              <a:t>Closing remarks</a:t>
+            </a:r>
+            <a:endParaRPr lang="en-US" dirty="0"/>
+          </a:p>
+        </p:txBody>
+      </p:sp>
+      <p:sp>
+        <p:nvSpPr>
+          <p:cNvPr id="3" name="Vertical Text Placeholder 2"/>
+          <p:cNvSpPr>
+            <a:spLocks noGrp="1"/>
+          </p:cNvSpPr>
+          <p:nvPr>
+            <p:ph type="body" orient="vert" idx="1"/>
+          </p:nvPr>
+        </p:nvSpPr>
+        <p:spPr>
+          <a:xfrm>
+            <a:off x="677334" y="1694922"/>
+            <a:ext cx="8596668" cy="4247317"/>
+          </a:xfrm>
+        </p:spPr>
+        <p:txBody>
+          <a:bodyPr vert="horz">
+            <a:spAutoFit/>
+          </a:bodyPr>
+          <a:lstStyle/>
+          <a:p>
+            <a:pPr marL="0" marR="0" lvl="0" indent="0" defTabSz="914400" eaLnBrk="1" fontAlgn="auto" latinLnBrk="0" hangingPunct="1">
+              <a:lnSpc>
+                <a:spcPct val="150000"/>
+              </a:lnSpc>
+              <a:spcBef>
+                <a:spcPts val="0"/>
+              </a:spcBef>
+              <a:spcAft>
+                <a:spcPts val="0"/>
+              </a:spcAft>
+              <a:buClrTx/>
+              <a:buSzTx/>
+              <a:buFont typeface="Arial" charset="0"/>
+              <a:buNone/>
+              <a:tabLst/>
+              <a:defRPr/>
+            </a:pPr>
+            <a:r>
+              <a:rPr lang="en-US" dirty="0" err="1" smtClean="0"/>
+              <a:t>MapReduce</a:t>
+            </a:r>
+            <a:r>
+              <a:rPr lang="en-US" dirty="0" smtClean="0"/>
+              <a:t> works on a simple key-value pair system</a:t>
+            </a:r>
+          </a:p>
+          <a:p>
+            <a:pPr marR="0" lvl="0" defTabSz="914400" eaLnBrk="1" fontAlgn="auto" latinLnBrk="0" hangingPunct="1">
+              <a:lnSpc>
+                <a:spcPct val="150000"/>
+              </a:lnSpc>
+              <a:spcBef>
+                <a:spcPts val="0"/>
+              </a:spcBef>
+              <a:spcAft>
+                <a:spcPts val="0"/>
+              </a:spcAft>
+              <a:buClrTx/>
+              <a:buSzTx/>
+              <a:buFont typeface="+mj-lt"/>
+              <a:buAutoNum type="arabicPeriod"/>
+              <a:tabLst/>
+              <a:defRPr/>
+            </a:pPr>
+            <a:r>
+              <a:rPr lang="en-US" dirty="0" smtClean="0"/>
+              <a:t>Map function breaks up and organizes data</a:t>
+            </a:r>
+          </a:p>
+          <a:p>
+            <a:pPr marR="0" lvl="0" defTabSz="914400" eaLnBrk="1" fontAlgn="auto" latinLnBrk="0" hangingPunct="1">
+              <a:lnSpc>
+                <a:spcPct val="150000"/>
+              </a:lnSpc>
+              <a:spcBef>
+                <a:spcPts val="0"/>
+              </a:spcBef>
+              <a:spcAft>
+                <a:spcPts val="0"/>
+              </a:spcAft>
+              <a:buClrTx/>
+              <a:buSzTx/>
+              <a:buFont typeface="+mj-lt"/>
+              <a:buAutoNum type="arabicPeriod"/>
+              <a:tabLst/>
+              <a:defRPr/>
+            </a:pPr>
+            <a:r>
+              <a:rPr lang="en-US" dirty="0" smtClean="0"/>
+              <a:t>Supporting systems distribute the data and tasks</a:t>
+            </a:r>
+          </a:p>
+          <a:p>
+            <a:pPr marR="0" lvl="0" defTabSz="914400" eaLnBrk="1" fontAlgn="auto" latinLnBrk="0" hangingPunct="1">
+              <a:lnSpc>
+                <a:spcPct val="150000"/>
+              </a:lnSpc>
+              <a:spcBef>
+                <a:spcPts val="0"/>
+              </a:spcBef>
+              <a:spcAft>
+                <a:spcPts val="0"/>
+              </a:spcAft>
+              <a:buClrTx/>
+              <a:buSzTx/>
+              <a:buFont typeface="+mj-lt"/>
+              <a:buAutoNum type="arabicPeriod"/>
+              <a:tabLst/>
+              <a:defRPr/>
+            </a:pPr>
+            <a:r>
+              <a:rPr lang="en-US" dirty="0" smtClean="0"/>
+              <a:t>Reduce function combines results into query response</a:t>
+            </a:r>
+          </a:p>
+          <a:p>
+            <a:pPr marL="0" marR="0" lvl="0" indent="0" defTabSz="914400" eaLnBrk="1" fontAlgn="auto" latinLnBrk="0" hangingPunct="1">
+              <a:lnSpc>
+                <a:spcPct val="150000"/>
+              </a:lnSpc>
+              <a:spcBef>
+                <a:spcPts val="0"/>
+              </a:spcBef>
+              <a:spcAft>
+                <a:spcPts val="0"/>
+              </a:spcAft>
+              <a:buClrTx/>
+              <a:buSzTx/>
+              <a:buFont typeface="Arial" charset="0"/>
+              <a:buNone/>
+              <a:tabLst/>
+              <a:defRPr/>
+            </a:pPr>
+            <a:r>
+              <a:rPr lang="en-US" dirty="0" smtClean="0"/>
+              <a:t>Best for complicated queries on large datasets</a:t>
+            </a:r>
+          </a:p>
+          <a:p>
+            <a:pPr marL="0" marR="0" lvl="0" indent="0" defTabSz="914400" eaLnBrk="1" fontAlgn="auto" latinLnBrk="0" hangingPunct="1">
+              <a:lnSpc>
+                <a:spcPct val="150000"/>
+              </a:lnSpc>
+              <a:spcBef>
+                <a:spcPts val="0"/>
+              </a:spcBef>
+              <a:spcAft>
+                <a:spcPts val="0"/>
+              </a:spcAft>
+              <a:buClrTx/>
+              <a:buSzTx/>
+              <a:buFont typeface="Arial" charset="0"/>
+              <a:buNone/>
+              <a:tabLst/>
+              <a:defRPr/>
+            </a:pPr>
+            <a:r>
+              <a:rPr lang="en-US" dirty="0" smtClean="0"/>
+              <a:t>Designed for low-cost, high-fault hardware</a:t>
+            </a:r>
+          </a:p>
+          <a:p>
+            <a:pPr marL="0" marR="0" lvl="0" indent="0" defTabSz="914400" eaLnBrk="1" fontAlgn="auto" latinLnBrk="0" hangingPunct="1">
+              <a:lnSpc>
+                <a:spcPct val="150000"/>
+              </a:lnSpc>
+              <a:spcBef>
+                <a:spcPts val="0"/>
+              </a:spcBef>
+              <a:spcAft>
+                <a:spcPts val="0"/>
+              </a:spcAft>
+              <a:buClrTx/>
+              <a:buSzTx/>
+              <a:buFont typeface="Arial" charset="0"/>
+              <a:buNone/>
+              <a:tabLst/>
+              <a:defRPr/>
+            </a:pPr>
+            <a:r>
+              <a:rPr lang="en-US" dirty="0" smtClean="0"/>
+              <a:t>Not a database, just an analytic process</a:t>
+            </a:r>
+          </a:p>
+          <a:p>
+            <a:pPr marL="0" marR="0" lvl="0" indent="0" defTabSz="914400" eaLnBrk="1" fontAlgn="auto" latinLnBrk="0" hangingPunct="1">
+              <a:lnSpc>
+                <a:spcPct val="150000"/>
+              </a:lnSpc>
+              <a:spcBef>
+                <a:spcPts val="0"/>
+              </a:spcBef>
+              <a:spcAft>
+                <a:spcPts val="0"/>
+              </a:spcAft>
+              <a:buClrTx/>
+              <a:buSzTx/>
+              <a:buFont typeface="Arial" charset="0"/>
+              <a:buNone/>
+              <a:tabLst/>
+              <a:defRPr/>
+            </a:pPr>
+            <a:r>
+              <a:rPr lang="en-US" dirty="0" smtClean="0"/>
+              <a:t>Popularized by Google, now a major open-source project</a:t>
+            </a:r>
+          </a:p>
+          <a:p>
+            <a:pPr marL="0" marR="0" lvl="0" indent="0" defTabSz="914400" eaLnBrk="1" fontAlgn="auto" latinLnBrk="0" hangingPunct="1">
+              <a:lnSpc>
+                <a:spcPct val="150000"/>
+              </a:lnSpc>
+              <a:spcBef>
+                <a:spcPts val="0"/>
+              </a:spcBef>
+              <a:spcAft>
+                <a:spcPts val="0"/>
+              </a:spcAft>
+              <a:buClrTx/>
+              <a:buSzTx/>
+              <a:buFont typeface="Arial" charset="0"/>
+              <a:buNone/>
+              <a:tabLst/>
+              <a:defRPr/>
+            </a:pPr>
+            <a:endParaRPr lang="en-US" dirty="0" smtClean="0"/>
+          </a:p>
+          <a:p>
+            <a:pPr marL="0" marR="0" lvl="0" indent="0" defTabSz="914400" eaLnBrk="1" fontAlgn="auto" latinLnBrk="0" hangingPunct="1">
+              <a:lnSpc>
+                <a:spcPct val="150000"/>
+              </a:lnSpc>
+              <a:spcBef>
+                <a:spcPts val="0"/>
+              </a:spcBef>
+              <a:spcAft>
+                <a:spcPts val="0"/>
+              </a:spcAft>
+              <a:buClrTx/>
+              <a:buSzTx/>
+              <a:buFont typeface="Arial" charset="0"/>
+              <a:buNone/>
+              <a:tabLst/>
+              <a:defRPr/>
+            </a:pPr>
+            <a:endParaRPr lang="en-US" dirty="0" smtClean="0"/>
+          </a:p>
+        </p:txBody>
+      </p:sp>
+    </p:spTree>
+    <p:extLst>
+      <p:ext uri="{BB962C8B-B14F-4D97-AF65-F5344CB8AC3E}">
+        <p14:creationId xmlns:p14="http://schemas.microsoft.com/office/powerpoint/2010/main" val="263110137"/>
+      </p:ext>
+    </p:extLst>
+  </p:cSld>
+  <p:clrMapOvr>
+    <a:masterClrMapping/>
+  </p:clrMapOvr>
+  <p:timing>
+    <p:tnLst>
+      <p:par>
+        <p:cTn id="1" dur="indefinite" restart="never" nodeType="tmRoot"/>
+      </p:par>
+    </p:tnLst>
+  </p:timing>
+</p:sld>
+</file>
+
+<file path=ppt/slides/slide13.xml><?xml version="1.0" encoding="utf-8"?>
+<p:sld xmlns:a="http://schemas.openxmlformats.org/drawingml/2006/main" xmlns:r="http://schemas.openxmlformats.org/officeDocument/2006/relationships" xmlns:p="http://schemas.openxmlformats.org/presentationml/2006/main">
+  <p:cSld>
+    <p:spTree>
+      <p:nvGrpSpPr>
+        <p:cNvPr id="1" name=""/>
+        <p:cNvGrpSpPr/>
+        <p:nvPr/>
+      </p:nvGrpSpPr>
+      <p:grpSpPr>
+        <a:xfrm>
+          <a:off x="0" y="0"/>
+          <a:ext cx="0" cy="0"/>
+          <a:chOff x="0" y="0"/>
+          <a:chExt cx="0" cy="0"/>
+        </a:xfrm>
+      </p:grpSpPr>
+      <p:sp>
+        <p:nvSpPr>
+          <p:cNvPr id="2" name="Title 1"/>
+          <p:cNvSpPr>
+            <a:spLocks noGrp="1"/>
+          </p:cNvSpPr>
+          <p:nvPr>
+            <p:ph type="ctrTitle"/>
+          </p:nvPr>
+        </p:nvSpPr>
+        <p:spPr/>
+        <p:txBody>
+          <a:bodyPr/>
+          <a:lstStyle/>
+          <a:p>
+            <a:r>
+              <a:rPr lang="en-US" dirty="0" smtClean="0"/>
+              <a:t>Questions and Answers</a:t>
+            </a:r>
+            <a:endParaRPr lang="en-US" dirty="0"/>
+          </a:p>
+        </p:txBody>
+      </p:sp>
+      <p:sp>
+        <p:nvSpPr>
+          <p:cNvPr id="3" name="Subtitle 2"/>
+          <p:cNvSpPr>
+            <a:spLocks noGrp="1"/>
+          </p:cNvSpPr>
+          <p:nvPr>
+            <p:ph type="subTitle" idx="1"/>
+          </p:nvPr>
+        </p:nvSpPr>
+        <p:spPr/>
+        <p:txBody>
+          <a:bodyPr/>
+          <a:lstStyle/>
+          <a:p>
+            <a:r>
+              <a:rPr lang="en-US" dirty="0" smtClean="0"/>
+              <a:t>Thank you</a:t>
+            </a:r>
+            <a:endParaRPr lang="en-US" dirty="0"/>
+          </a:p>
+        </p:txBody>
+      </p:sp>
+    </p:spTree>
+    <p:extLst>
+      <p:ext uri="{BB962C8B-B14F-4D97-AF65-F5344CB8AC3E}">
+        <p14:creationId xmlns:p14="http://schemas.microsoft.com/office/powerpoint/2010/main" val="1176092142"/>
+      </p:ext>
+    </p:extLst>
+  </p:cSld>
+  <p:clrMapOvr>
+    <a:masterClrMapping/>
+  </p:clrMapOvr>
+</p:sld>
+</file>
+
+<file path=ppt/slides/slide2.xml><?xml version="1.0" encoding="utf-8"?>
+<p:sld xmlns:a="http://schemas.openxmlformats.org/drawingml/2006/main" xmlns:r="http://schemas.openxmlformats.org/officeDocument/2006/relationships" xmlns:p="http://schemas.openxmlformats.org/presentationml/2006/main">
+  <p:cSld>
+    <p:spTree>
+      <p:nvGrpSpPr>
+        <p:cNvPr id="1" name=""/>
+        <p:cNvGrpSpPr/>
+        <p:nvPr/>
+      </p:nvGrpSpPr>
+      <p:grpSpPr>
+        <a:xfrm>
+          <a:off x="0" y="0"/>
+          <a:ext cx="0" cy="0"/>
+          <a:chOff x="0" y="0"/>
+          <a:chExt cx="0" cy="0"/>
+        </a:xfrm>
+      </p:grpSpPr>
+      <p:sp>
+        <p:nvSpPr>
+          <p:cNvPr id="2" name="Title 1"/>
+          <p:cNvSpPr>
+            <a:spLocks noGrp="1"/>
+          </p:cNvSpPr>
+          <p:nvPr>
+            <p:ph type="title"/>
+          </p:nvPr>
+        </p:nvSpPr>
+        <p:spPr/>
+        <p:txBody>
+          <a:bodyPr/>
+          <a:lstStyle/>
+          <a:p>
+            <a:pPr algn="ctr"/>
+            <a:r>
+              <a:rPr lang="en-US" dirty="0" smtClean="0"/>
+              <a:t>Agenda</a:t>
+            </a:r>
+            <a:endParaRPr lang="en-US" dirty="0"/>
+          </a:p>
+        </p:txBody>
+      </p:sp>
+      <p:sp>
+        <p:nvSpPr>
+          <p:cNvPr id="3" name="Vertical Text Placeholder 2"/>
+          <p:cNvSpPr>
+            <a:spLocks noGrp="1"/>
+          </p:cNvSpPr>
+          <p:nvPr>
+            <p:ph type="body" orient="vert" idx="1"/>
+          </p:nvPr>
+        </p:nvSpPr>
+        <p:spPr>
+          <a:xfrm>
+            <a:off x="677334" y="2160589"/>
+            <a:ext cx="8596668" cy="3416320"/>
+          </a:xfrm>
+        </p:spPr>
+        <p:txBody>
+          <a:bodyPr vert="horz">
+            <a:spAutoFit/>
+          </a:bodyPr>
+          <a:lstStyle/>
+          <a:p>
+            <a:pPr marL="0" marR="0" lvl="0" indent="0" algn="ctr" defTabSz="914400" eaLnBrk="1" fontAlgn="auto" latinLnBrk="0" hangingPunct="1">
+              <a:lnSpc>
+                <a:spcPct val="150000"/>
+              </a:lnSpc>
+              <a:spcBef>
+                <a:spcPts val="0"/>
+              </a:spcBef>
+              <a:spcAft>
+                <a:spcPts val="0"/>
+              </a:spcAft>
+              <a:buClrTx/>
+              <a:buSzTx/>
+              <a:buNone/>
+              <a:tabLst/>
+              <a:defRPr/>
+            </a:pPr>
+            <a:r>
+              <a:rPr lang="en-US" dirty="0" err="1" smtClean="0"/>
+              <a:t>MapReduce</a:t>
+            </a:r>
+            <a:r>
+              <a:rPr lang="en-US" dirty="0" smtClean="0"/>
+              <a:t> defined</a:t>
+            </a:r>
+          </a:p>
+          <a:p>
+            <a:pPr marL="0" marR="0" lvl="0" indent="0" algn="ctr" defTabSz="914400" eaLnBrk="1" fontAlgn="auto" latinLnBrk="0" hangingPunct="1">
+              <a:lnSpc>
+                <a:spcPct val="150000"/>
+              </a:lnSpc>
+              <a:spcBef>
+                <a:spcPts val="0"/>
+              </a:spcBef>
+              <a:spcAft>
+                <a:spcPts val="0"/>
+              </a:spcAft>
+              <a:buClrTx/>
+              <a:buSzTx/>
+              <a:buNone/>
+              <a:tabLst/>
+              <a:defRPr/>
+            </a:pPr>
+            <a:r>
+              <a:rPr lang="en-US" dirty="0" smtClean="0"/>
+              <a:t>Basic example</a:t>
+            </a:r>
+          </a:p>
+          <a:p>
+            <a:pPr marL="0" marR="0" lvl="0" indent="0" algn="ctr" defTabSz="914400" eaLnBrk="1" fontAlgn="auto" latinLnBrk="0" hangingPunct="1">
+              <a:lnSpc>
+                <a:spcPct val="150000"/>
+              </a:lnSpc>
+              <a:spcBef>
+                <a:spcPts val="0"/>
+              </a:spcBef>
+              <a:spcAft>
+                <a:spcPts val="0"/>
+              </a:spcAft>
+              <a:buClrTx/>
+              <a:buSzTx/>
+              <a:buNone/>
+              <a:tabLst/>
+              <a:defRPr/>
+            </a:pPr>
+            <a:r>
+              <a:rPr lang="en-US" dirty="0" smtClean="0"/>
+              <a:t>In use</a:t>
+            </a:r>
+          </a:p>
+          <a:p>
+            <a:pPr marL="0" marR="0" lvl="0" indent="0" algn="ctr" defTabSz="914400" eaLnBrk="1" fontAlgn="auto" latinLnBrk="0" hangingPunct="1">
+              <a:lnSpc>
+                <a:spcPct val="150000"/>
+              </a:lnSpc>
+              <a:spcBef>
+                <a:spcPts val="0"/>
+              </a:spcBef>
+              <a:spcAft>
+                <a:spcPts val="0"/>
+              </a:spcAft>
+              <a:buClrTx/>
+              <a:buSzTx/>
+              <a:buNone/>
+              <a:tabLst/>
+              <a:defRPr/>
+            </a:pPr>
+            <a:r>
+              <a:rPr lang="en-US" dirty="0" smtClean="0"/>
+              <a:t>Strengths and </a:t>
+            </a:r>
+            <a:r>
+              <a:rPr lang="en-US" dirty="0" err="1" smtClean="0"/>
+              <a:t>Weakenesses</a:t>
+            </a:r>
+            <a:endParaRPr lang="en-US" dirty="0" smtClean="0"/>
+          </a:p>
+          <a:p>
+            <a:pPr marL="0" marR="0" lvl="0" indent="0" algn="ctr" defTabSz="914400" eaLnBrk="1" fontAlgn="auto" latinLnBrk="0" hangingPunct="1">
+              <a:lnSpc>
+                <a:spcPct val="150000"/>
+              </a:lnSpc>
+              <a:spcBef>
+                <a:spcPts val="0"/>
+              </a:spcBef>
+              <a:spcAft>
+                <a:spcPts val="0"/>
+              </a:spcAft>
+              <a:buClrTx/>
+              <a:buSzTx/>
+              <a:buNone/>
+              <a:tabLst/>
+              <a:defRPr/>
+            </a:pPr>
+            <a:r>
+              <a:rPr lang="en-US" dirty="0" smtClean="0"/>
+              <a:t>Summary of paper</a:t>
+            </a:r>
+          </a:p>
+          <a:p>
+            <a:pPr marL="0" marR="0" lvl="0" indent="0" algn="ctr" defTabSz="914400" eaLnBrk="1" fontAlgn="auto" latinLnBrk="0" hangingPunct="1">
+              <a:lnSpc>
+                <a:spcPct val="150000"/>
+              </a:lnSpc>
+              <a:spcBef>
+                <a:spcPts val="0"/>
+              </a:spcBef>
+              <a:spcAft>
+                <a:spcPts val="0"/>
+              </a:spcAft>
+              <a:buClrTx/>
+              <a:buSzTx/>
+              <a:buNone/>
+              <a:tabLst/>
+              <a:defRPr/>
+            </a:pPr>
+            <a:r>
+              <a:rPr lang="en-US" dirty="0" smtClean="0"/>
+              <a:t>Personal experience</a:t>
+            </a:r>
+          </a:p>
+          <a:p>
+            <a:pPr marL="0" marR="0" lvl="0" indent="0" algn="ctr" defTabSz="914400" eaLnBrk="1" fontAlgn="auto" latinLnBrk="0" hangingPunct="1">
+              <a:lnSpc>
+                <a:spcPct val="150000"/>
+              </a:lnSpc>
+              <a:spcBef>
+                <a:spcPts val="0"/>
+              </a:spcBef>
+              <a:spcAft>
+                <a:spcPts val="0"/>
+              </a:spcAft>
+              <a:buClrTx/>
+              <a:buSzTx/>
+              <a:buNone/>
+              <a:tabLst/>
+              <a:defRPr/>
+            </a:pPr>
+            <a:r>
+              <a:rPr lang="en-US" dirty="0" smtClean="0"/>
+              <a:t>Conclusion</a:t>
+            </a:r>
+          </a:p>
+          <a:p>
+            <a:pPr marL="0" marR="0" lvl="0" indent="0" algn="ctr" defTabSz="914400" eaLnBrk="1" fontAlgn="auto" latinLnBrk="0" hangingPunct="1">
+              <a:lnSpc>
+                <a:spcPct val="150000"/>
+              </a:lnSpc>
+              <a:spcBef>
+                <a:spcPts val="0"/>
+              </a:spcBef>
+              <a:spcAft>
+                <a:spcPts val="0"/>
+              </a:spcAft>
+              <a:buClrTx/>
+              <a:buSzTx/>
+              <a:buNone/>
+              <a:tabLst/>
+              <a:defRPr/>
+            </a:pPr>
+            <a:r>
+              <a:rPr lang="en-US" dirty="0" smtClean="0"/>
+              <a:t>Discussion</a:t>
+            </a:r>
+            <a:endParaRPr lang="en-US" dirty="0"/>
+          </a:p>
+        </p:txBody>
+      </p:sp>
+    </p:spTree>
+    <p:extLst>
+      <p:ext uri="{BB962C8B-B14F-4D97-AF65-F5344CB8AC3E}">
+        <p14:creationId xmlns:p14="http://schemas.microsoft.com/office/powerpoint/2010/main" val="1773682370"/>
+      </p:ext>
+    </p:extLst>
+  </p:cSld>
+  <p:clrMapOvr>
+    <a:masterClrMapping/>
+  </p:clrMapOvr>
+  <p:timing>
+    <p:tnLst>
+      <p:par>
+        <p:cTn id="1" dur="indefinite" restart="never" nodeType="tmRoot"/>
+      </p:par>
+    </p:tnLst>
+  </p:timing>
+</p:sld>
+</file>
+
+<file path=ppt/slides/slide3.xml><?xml version="1.0" encoding="utf-8"?>
+<p:sld xmlns:a="http://schemas.openxmlformats.org/drawingml/2006/main" xmlns:r="http://schemas.openxmlformats.org/officeDocument/2006/relationships" xmlns:p="http://schemas.openxmlformats.org/presentationml/2006/main">
+  <p:cSld>
+    <p:spTree>
+      <p:nvGrpSpPr>
+        <p:cNvPr id="1" name=""/>
+        <p:cNvGrpSpPr/>
+        <p:nvPr/>
+      </p:nvGrpSpPr>
+      <p:grpSpPr>
+        <a:xfrm>
+          <a:off x="0" y="0"/>
+          <a:ext cx="0" cy="0"/>
+          <a:chOff x="0" y="0"/>
+          <a:chExt cx="0" cy="0"/>
+        </a:xfrm>
+      </p:grpSpPr>
+      <p:sp>
+        <p:nvSpPr>
+          <p:cNvPr id="2" name="Title 1"/>
+          <p:cNvSpPr>
+            <a:spLocks noGrp="1"/>
+          </p:cNvSpPr>
+          <p:nvPr>
+            <p:ph type="title"/>
+          </p:nvPr>
+        </p:nvSpPr>
+        <p:spPr/>
+        <p:txBody>
+          <a:bodyPr/>
+          <a:lstStyle/>
+          <a:p>
+            <a:r>
+              <a:rPr lang="en-US" dirty="0" smtClean="0"/>
+              <a:t>What is </a:t>
+            </a:r>
+            <a:r>
+              <a:rPr lang="en-US" dirty="0" err="1" smtClean="0"/>
+              <a:t>MapReduce</a:t>
+            </a:r>
+            <a:r>
+              <a:rPr lang="en-US" dirty="0" smtClean="0"/>
+              <a:t>?</a:t>
+            </a:r>
+            <a:endParaRPr lang="en-US" dirty="0"/>
+          </a:p>
+        </p:txBody>
+      </p:sp>
+      <p:sp>
+        <p:nvSpPr>
+          <p:cNvPr id="3" name="Vertical Text Placeholder 2"/>
+          <p:cNvSpPr>
+            <a:spLocks noGrp="1"/>
+          </p:cNvSpPr>
+          <p:nvPr>
+            <p:ph type="body" orient="vert" idx="1"/>
+          </p:nvPr>
+        </p:nvSpPr>
+        <p:spPr>
+          <a:xfrm>
+            <a:off x="677334" y="1694922"/>
+            <a:ext cx="8596668" cy="3416320"/>
+          </a:xfrm>
+        </p:spPr>
+        <p:txBody>
+          <a:bodyPr vert="horz">
+            <a:spAutoFit/>
+          </a:bodyPr>
+          <a:lstStyle/>
+          <a:p>
+            <a:pPr marL="0" marR="0" lvl="0" indent="0" defTabSz="914400" eaLnBrk="1" fontAlgn="auto" latinLnBrk="0" hangingPunct="1">
+              <a:lnSpc>
+                <a:spcPct val="150000"/>
+              </a:lnSpc>
+              <a:spcBef>
+                <a:spcPts val="0"/>
+              </a:spcBef>
+              <a:spcAft>
+                <a:spcPts val="0"/>
+              </a:spcAft>
+              <a:buClrTx/>
+              <a:buSzTx/>
+              <a:buNone/>
+              <a:tabLst/>
+              <a:defRPr/>
+            </a:pPr>
+            <a:r>
+              <a:rPr lang="en-US" dirty="0" smtClean="0"/>
+              <a:t>A programming model for processing and generating large data sets</a:t>
+            </a:r>
+          </a:p>
+          <a:p>
+            <a:pPr marL="0" marR="0" lvl="0" indent="0" defTabSz="914400" eaLnBrk="1" fontAlgn="auto" latinLnBrk="0" hangingPunct="1">
+              <a:lnSpc>
+                <a:spcPct val="150000"/>
+              </a:lnSpc>
+              <a:spcBef>
+                <a:spcPts val="0"/>
+              </a:spcBef>
+              <a:spcAft>
+                <a:spcPts val="0"/>
+              </a:spcAft>
+              <a:buClrTx/>
+              <a:buSzTx/>
+              <a:buNone/>
+              <a:tabLst/>
+              <a:defRPr/>
+            </a:pPr>
+            <a:r>
+              <a:rPr lang="en-US" dirty="0" smtClean="0"/>
+              <a:t>Two main components:</a:t>
+            </a:r>
+          </a:p>
+          <a:p>
+            <a:pPr marR="0" lvl="0" defTabSz="914400" eaLnBrk="1" fontAlgn="auto" latinLnBrk="0" hangingPunct="1">
+              <a:lnSpc>
+                <a:spcPct val="150000"/>
+              </a:lnSpc>
+              <a:spcBef>
+                <a:spcPts val="0"/>
+              </a:spcBef>
+              <a:spcAft>
+                <a:spcPts val="0"/>
+              </a:spcAft>
+              <a:buClrTx/>
+              <a:buSzTx/>
+              <a:buFont typeface="+mj-lt"/>
+              <a:buAutoNum type="arabicPeriod"/>
+              <a:tabLst/>
+              <a:defRPr/>
+            </a:pPr>
+            <a:r>
+              <a:rPr lang="en-US" dirty="0" smtClean="0"/>
+              <a:t>Map function – process a key-value pair to generate a set of intermediate key-value pairs</a:t>
+            </a:r>
+          </a:p>
+          <a:p>
+            <a:pPr marR="0" lvl="0" defTabSz="914400" eaLnBrk="1" fontAlgn="auto" latinLnBrk="0" hangingPunct="1">
+              <a:lnSpc>
+                <a:spcPct val="150000"/>
+              </a:lnSpc>
+              <a:spcBef>
+                <a:spcPts val="0"/>
+              </a:spcBef>
+              <a:spcAft>
+                <a:spcPts val="0"/>
+              </a:spcAft>
+              <a:buClrTx/>
+              <a:buSzTx/>
+              <a:buFont typeface="+mj-lt"/>
+              <a:buAutoNum type="arabicPeriod"/>
+              <a:tabLst/>
+              <a:defRPr/>
+            </a:pPr>
+            <a:r>
+              <a:rPr lang="en-US" dirty="0" smtClean="0"/>
+              <a:t>Reduce function – merge all intermediate values associated with the same intermediate key</a:t>
+            </a:r>
+          </a:p>
+          <a:p>
+            <a:pPr marL="0" marR="0" lvl="0" indent="0" defTabSz="914400" eaLnBrk="1" fontAlgn="auto" latinLnBrk="0" hangingPunct="1">
+              <a:lnSpc>
+                <a:spcPct val="150000"/>
+              </a:lnSpc>
+              <a:spcBef>
+                <a:spcPts val="0"/>
+              </a:spcBef>
+              <a:spcAft>
+                <a:spcPts val="0"/>
+              </a:spcAft>
+              <a:buClrTx/>
+              <a:buSzTx/>
+              <a:buNone/>
+              <a:tabLst/>
+              <a:defRPr/>
+            </a:pPr>
+            <a:r>
+              <a:rPr lang="en-US" dirty="0" smtClean="0"/>
+              <a:t>Shuffling – intermediate step where data is moved from Map to Reduce</a:t>
+            </a:r>
+          </a:p>
+          <a:p>
+            <a:pPr marL="0" marR="0" lvl="0" indent="0" defTabSz="914400" eaLnBrk="1" fontAlgn="auto" latinLnBrk="0" hangingPunct="1">
+              <a:lnSpc>
+                <a:spcPct val="150000"/>
+              </a:lnSpc>
+              <a:spcBef>
+                <a:spcPts val="0"/>
+              </a:spcBef>
+              <a:spcAft>
+                <a:spcPts val="0"/>
+              </a:spcAft>
+              <a:buClrTx/>
+              <a:buSzTx/>
+              <a:buNone/>
+              <a:tabLst/>
+              <a:defRPr/>
+            </a:pPr>
+            <a:r>
+              <a:rPr lang="en-US" dirty="0" smtClean="0"/>
+              <a:t>Designed for parallel, distributed computing</a:t>
+            </a:r>
+            <a:endParaRPr lang="en-US" dirty="0"/>
+          </a:p>
+        </p:txBody>
+      </p:sp>
+    </p:spTree>
+    <p:extLst>
+      <p:ext uri="{BB962C8B-B14F-4D97-AF65-F5344CB8AC3E}">
+        <p14:creationId xmlns:p14="http://schemas.microsoft.com/office/powerpoint/2010/main" val="640728510"/>
+      </p:ext>
+    </p:extLst>
+  </p:cSld>
+  <p:clrMapOvr>
+    <a:masterClrMapping/>
+  </p:clrMapOvr>
+  <p:timing>
+    <p:tnLst>
+      <p:par>
+        <p:cTn id="1" dur="indefinite" restart="never" nodeType="tmRoot"/>
+      </p:par>
+    </p:tnLst>
+  </p:timing>
+</p:sld>
+</file>
+
+<file path=ppt/slides/slide4.xml><?xml version="1.0" encoding="utf-8"?>
+<p:sld xmlns:a="http://schemas.openxmlformats.org/drawingml/2006/main" xmlns:r="http://schemas.openxmlformats.org/officeDocument/2006/relationships" xmlns:p="http://schemas.openxmlformats.org/presentationml/2006/main">
+  <p:cSld>
+    <p:spTree>
+      <p:nvGrpSpPr>
+        <p:cNvPr id="1" name=""/>
+        <p:cNvGrpSpPr/>
+        <p:nvPr/>
+      </p:nvGrpSpPr>
+      <p:grpSpPr>
+        <a:xfrm>
+          <a:off x="0" y="0"/>
+          <a:ext cx="0" cy="0"/>
+          <a:chOff x="0" y="0"/>
+          <a:chExt cx="0" cy="0"/>
+        </a:xfrm>
+      </p:grpSpPr>
+      <p:sp>
+        <p:nvSpPr>
+          <p:cNvPr id="2" name="Title 1"/>
+          <p:cNvSpPr>
+            <a:spLocks noGrp="1"/>
+          </p:cNvSpPr>
+          <p:nvPr>
+            <p:ph type="title"/>
+          </p:nvPr>
+        </p:nvSpPr>
+        <p:spPr>
+          <a:xfrm>
+            <a:off x="677334" y="609600"/>
+            <a:ext cx="8596668" cy="770467"/>
+          </a:xfrm>
+        </p:spPr>
+        <p:txBody>
+          <a:bodyPr/>
+          <a:lstStyle/>
+          <a:p>
+            <a:r>
+              <a:rPr lang="en-US" dirty="0" smtClean="0"/>
+              <a:t>Example </a:t>
+            </a:r>
+            <a:r>
+              <a:rPr lang="en-US" dirty="0" err="1" smtClean="0"/>
+              <a:t>pseudocode</a:t>
+            </a:r>
+            <a:endParaRPr lang="en-US" dirty="0"/>
+          </a:p>
+        </p:txBody>
+      </p:sp>
+      <p:sp>
+        <p:nvSpPr>
+          <p:cNvPr id="3" name="Content Placeholder 2"/>
+          <p:cNvSpPr>
+            <a:spLocks noGrp="1"/>
+          </p:cNvSpPr>
+          <p:nvPr>
+            <p:ph sz="half" idx="1"/>
+          </p:nvPr>
+        </p:nvSpPr>
+        <p:spPr>
+          <a:xfrm>
+            <a:off x="677334" y="2836333"/>
+            <a:ext cx="4184035" cy="3205028"/>
+          </a:xfrm>
+        </p:spPr>
+        <p:txBody>
+          <a:bodyPr/>
+          <a:lstStyle/>
+          <a:p>
+            <a:pPr marL="0" indent="0">
+              <a:buNone/>
+            </a:pPr>
+            <a:r>
+              <a:rPr lang="en-US" dirty="0">
+                <a:solidFill>
+                  <a:schemeClr val="tx1"/>
+                </a:solidFill>
+                <a:latin typeface="Consolas" charset="0"/>
+                <a:ea typeface="Consolas" charset="0"/>
+                <a:cs typeface="Consolas" charset="0"/>
+              </a:rPr>
+              <a:t>map(String key, String value):</a:t>
+            </a:r>
+          </a:p>
+          <a:p>
+            <a:pPr marL="0" indent="0">
+              <a:buNone/>
+            </a:pPr>
+            <a:r>
+              <a:rPr lang="en-US" dirty="0">
+                <a:solidFill>
+                  <a:schemeClr val="tx1"/>
+                </a:solidFill>
+                <a:latin typeface="Consolas" charset="0"/>
+                <a:ea typeface="Consolas" charset="0"/>
+                <a:cs typeface="Consolas" charset="0"/>
+              </a:rPr>
+              <a:t>// key: document name</a:t>
+            </a:r>
+          </a:p>
+          <a:p>
+            <a:pPr marL="0" indent="0">
+              <a:buNone/>
+            </a:pPr>
+            <a:r>
+              <a:rPr lang="en-US" dirty="0">
+                <a:solidFill>
+                  <a:schemeClr val="tx1"/>
+                </a:solidFill>
+                <a:latin typeface="Consolas" charset="0"/>
+                <a:ea typeface="Consolas" charset="0"/>
+                <a:cs typeface="Consolas" charset="0"/>
+              </a:rPr>
+              <a:t>// value: document contents</a:t>
+            </a:r>
+          </a:p>
+          <a:p>
+            <a:pPr marL="0" indent="0">
+              <a:buNone/>
+            </a:pPr>
+            <a:r>
+              <a:rPr lang="en-US" dirty="0">
+                <a:solidFill>
+                  <a:schemeClr val="tx1"/>
+                </a:solidFill>
+                <a:latin typeface="Consolas" charset="0"/>
+                <a:ea typeface="Consolas" charset="0"/>
+                <a:cs typeface="Consolas" charset="0"/>
+              </a:rPr>
+              <a:t>for each word w in value:</a:t>
+            </a:r>
+          </a:p>
+          <a:p>
+            <a:pPr marL="0" indent="0">
+              <a:buNone/>
+            </a:pPr>
+            <a:r>
+              <a:rPr lang="en-US" dirty="0" smtClean="0">
+                <a:solidFill>
+                  <a:schemeClr val="tx1"/>
+                </a:solidFill>
+                <a:latin typeface="Consolas" charset="0"/>
+                <a:ea typeface="Consolas" charset="0"/>
+                <a:cs typeface="Consolas" charset="0"/>
+              </a:rPr>
+              <a:t>	</a:t>
+            </a:r>
+            <a:r>
+              <a:rPr lang="en-US" dirty="0" err="1" smtClean="0">
+                <a:solidFill>
+                  <a:schemeClr val="tx1"/>
+                </a:solidFill>
+                <a:latin typeface="Consolas" charset="0"/>
+                <a:ea typeface="Consolas" charset="0"/>
+                <a:cs typeface="Consolas" charset="0"/>
+              </a:rPr>
+              <a:t>EmitIntermediate</a:t>
+            </a:r>
+            <a:r>
+              <a:rPr lang="en-US" dirty="0" smtClean="0">
+                <a:solidFill>
+                  <a:schemeClr val="tx1"/>
+                </a:solidFill>
+                <a:latin typeface="Consolas" charset="0"/>
+                <a:ea typeface="Consolas" charset="0"/>
+                <a:cs typeface="Consolas" charset="0"/>
+              </a:rPr>
+              <a:t>(w</a:t>
+            </a:r>
+            <a:r>
+              <a:rPr lang="en-US" dirty="0">
+                <a:solidFill>
+                  <a:schemeClr val="tx1"/>
+                </a:solidFill>
+                <a:latin typeface="Consolas" charset="0"/>
+                <a:ea typeface="Consolas" charset="0"/>
+                <a:cs typeface="Consolas" charset="0"/>
+              </a:rPr>
+              <a:t>, “1”);</a:t>
+            </a:r>
+          </a:p>
+        </p:txBody>
+      </p:sp>
+      <p:sp>
+        <p:nvSpPr>
+          <p:cNvPr id="4" name="Content Placeholder 3"/>
+          <p:cNvSpPr>
+            <a:spLocks noGrp="1"/>
+          </p:cNvSpPr>
+          <p:nvPr>
+            <p:ph sz="half" idx="2"/>
+          </p:nvPr>
+        </p:nvSpPr>
+        <p:spPr>
+          <a:xfrm>
+            <a:off x="5089970" y="2836333"/>
+            <a:ext cx="4184034" cy="3205029"/>
+          </a:xfrm>
+        </p:spPr>
+        <p:txBody>
+          <a:bodyPr/>
+          <a:lstStyle/>
+          <a:p>
+            <a:pPr marL="0" indent="0">
+              <a:buNone/>
+            </a:pPr>
+            <a:r>
+              <a:rPr lang="en-US" dirty="0">
+                <a:solidFill>
+                  <a:schemeClr val="tx1"/>
+                </a:solidFill>
+                <a:latin typeface="Consolas" charset="0"/>
+                <a:ea typeface="Consolas" charset="0"/>
+                <a:cs typeface="Consolas" charset="0"/>
+              </a:rPr>
+              <a:t>reduce(String key, Iterator values):</a:t>
+            </a:r>
+          </a:p>
+          <a:p>
+            <a:pPr marL="0" indent="0">
+              <a:buNone/>
+            </a:pPr>
+            <a:r>
+              <a:rPr lang="en-US" dirty="0">
+                <a:solidFill>
+                  <a:schemeClr val="tx1"/>
+                </a:solidFill>
+                <a:latin typeface="Consolas" charset="0"/>
+                <a:ea typeface="Consolas" charset="0"/>
+                <a:cs typeface="Consolas" charset="0"/>
+              </a:rPr>
+              <a:t>// key: a word</a:t>
+            </a:r>
+          </a:p>
+          <a:p>
+            <a:pPr marL="0" indent="0">
+              <a:buNone/>
+            </a:pPr>
+            <a:r>
+              <a:rPr lang="en-US" dirty="0">
+                <a:solidFill>
+                  <a:schemeClr val="tx1"/>
+                </a:solidFill>
+                <a:latin typeface="Consolas" charset="0"/>
+                <a:ea typeface="Consolas" charset="0"/>
+                <a:cs typeface="Consolas" charset="0"/>
+              </a:rPr>
+              <a:t>// values: a list of counts</a:t>
+            </a:r>
+          </a:p>
+          <a:p>
+            <a:pPr marL="0" indent="0">
+              <a:buNone/>
+            </a:pPr>
+            <a:r>
+              <a:rPr lang="en-US" dirty="0" err="1">
+                <a:solidFill>
+                  <a:schemeClr val="tx1"/>
+                </a:solidFill>
+                <a:latin typeface="Consolas" charset="0"/>
+                <a:ea typeface="Consolas" charset="0"/>
+                <a:cs typeface="Consolas" charset="0"/>
+              </a:rPr>
+              <a:t>int</a:t>
+            </a:r>
+            <a:r>
+              <a:rPr lang="en-US" dirty="0">
+                <a:solidFill>
+                  <a:schemeClr val="tx1"/>
+                </a:solidFill>
+                <a:latin typeface="Consolas" charset="0"/>
+                <a:ea typeface="Consolas" charset="0"/>
+                <a:cs typeface="Consolas" charset="0"/>
+              </a:rPr>
+              <a:t> result = 0;</a:t>
+            </a:r>
+          </a:p>
+          <a:p>
+            <a:pPr marL="0" indent="0">
+              <a:buNone/>
+            </a:pPr>
+            <a:r>
+              <a:rPr lang="en-US" dirty="0">
+                <a:solidFill>
+                  <a:schemeClr val="tx1"/>
+                </a:solidFill>
+                <a:latin typeface="Consolas" charset="0"/>
+                <a:ea typeface="Consolas" charset="0"/>
+                <a:cs typeface="Consolas" charset="0"/>
+              </a:rPr>
+              <a:t>for each v in values:</a:t>
+            </a:r>
+          </a:p>
+          <a:p>
+            <a:pPr marL="0" indent="0">
+              <a:buNone/>
+            </a:pPr>
+            <a:r>
+              <a:rPr lang="en-US" dirty="0" smtClean="0">
+                <a:solidFill>
+                  <a:schemeClr val="tx1"/>
+                </a:solidFill>
+                <a:latin typeface="Consolas" charset="0"/>
+                <a:ea typeface="Consolas" charset="0"/>
+                <a:cs typeface="Consolas" charset="0"/>
+              </a:rPr>
+              <a:t>	result </a:t>
+            </a:r>
+            <a:r>
+              <a:rPr lang="en-US" dirty="0">
+                <a:solidFill>
+                  <a:schemeClr val="tx1"/>
+                </a:solidFill>
+                <a:latin typeface="Consolas" charset="0"/>
+                <a:ea typeface="Consolas" charset="0"/>
+                <a:cs typeface="Consolas" charset="0"/>
+              </a:rPr>
+              <a:t>+= </a:t>
+            </a:r>
+            <a:r>
+              <a:rPr lang="en-US" dirty="0" err="1">
+                <a:solidFill>
+                  <a:schemeClr val="tx1"/>
+                </a:solidFill>
+                <a:latin typeface="Consolas" charset="0"/>
+                <a:ea typeface="Consolas" charset="0"/>
+                <a:cs typeface="Consolas" charset="0"/>
+              </a:rPr>
+              <a:t>ParseInt</a:t>
+            </a:r>
+            <a:r>
+              <a:rPr lang="en-US" dirty="0">
+                <a:solidFill>
+                  <a:schemeClr val="tx1"/>
+                </a:solidFill>
+                <a:latin typeface="Consolas" charset="0"/>
+                <a:ea typeface="Consolas" charset="0"/>
+                <a:cs typeface="Consolas" charset="0"/>
+              </a:rPr>
+              <a:t>(v);</a:t>
+            </a:r>
+          </a:p>
+          <a:p>
+            <a:pPr marL="0" indent="0">
+              <a:buNone/>
+            </a:pPr>
+            <a:r>
+              <a:rPr lang="en-US" dirty="0">
+                <a:solidFill>
+                  <a:schemeClr val="tx1"/>
+                </a:solidFill>
+                <a:latin typeface="Consolas" charset="0"/>
+                <a:ea typeface="Consolas" charset="0"/>
+                <a:cs typeface="Consolas" charset="0"/>
+              </a:rPr>
+              <a:t>Emit(</a:t>
+            </a:r>
+            <a:r>
+              <a:rPr lang="en-US" dirty="0" err="1">
+                <a:solidFill>
+                  <a:schemeClr val="tx1"/>
+                </a:solidFill>
+                <a:latin typeface="Consolas" charset="0"/>
+                <a:ea typeface="Consolas" charset="0"/>
+                <a:cs typeface="Consolas" charset="0"/>
+              </a:rPr>
+              <a:t>AsString</a:t>
+            </a:r>
+            <a:r>
+              <a:rPr lang="en-US" dirty="0">
+                <a:solidFill>
+                  <a:schemeClr val="tx1"/>
+                </a:solidFill>
+                <a:latin typeface="Consolas" charset="0"/>
+                <a:ea typeface="Consolas" charset="0"/>
+                <a:cs typeface="Consolas" charset="0"/>
+              </a:rPr>
+              <a:t>(result));</a:t>
+            </a:r>
+          </a:p>
+        </p:txBody>
+      </p:sp>
+      <p:sp>
+        <p:nvSpPr>
+          <p:cNvPr id="5" name="TextBox 4"/>
+          <p:cNvSpPr txBox="1"/>
+          <p:nvPr/>
+        </p:nvSpPr>
+        <p:spPr>
+          <a:xfrm>
+            <a:off x="677334" y="1693333"/>
+            <a:ext cx="8596668" cy="646331"/>
+          </a:xfrm>
+          <a:prstGeom prst="rect">
+            <a:avLst/>
+          </a:prstGeom>
+          <a:noFill/>
+        </p:spPr>
+        <p:txBody>
+          <a:bodyPr wrap="square" rtlCol="0">
+            <a:spAutoFit/>
+          </a:bodyPr>
+          <a:lstStyle/>
+          <a:p>
+            <a:r>
+              <a:rPr lang="en-US" dirty="0" err="1" smtClean="0">
+                <a:solidFill>
+                  <a:schemeClr val="tx1">
+                    <a:lumMod val="75000"/>
+                    <a:lumOff val="25000"/>
+                  </a:schemeClr>
+                </a:solidFill>
+              </a:rPr>
+              <a:t>MapReduce</a:t>
+            </a:r>
+            <a:r>
+              <a:rPr lang="en-US" dirty="0" smtClean="0">
+                <a:solidFill>
+                  <a:schemeClr val="tx1">
+                    <a:lumMod val="75000"/>
+                    <a:lumOff val="25000"/>
+                  </a:schemeClr>
+                </a:solidFill>
+              </a:rPr>
+              <a:t> program for counting the number of occurrences of each word in a large collection of documents:</a:t>
+            </a:r>
+            <a:endParaRPr lang="en-US" dirty="0">
+              <a:solidFill>
+                <a:schemeClr val="tx1">
+                  <a:lumMod val="75000"/>
+                  <a:lumOff val="25000"/>
+                </a:schemeClr>
+              </a:solidFill>
+            </a:endParaRPr>
+          </a:p>
+        </p:txBody>
+      </p:sp>
+    </p:spTree>
+    <p:extLst>
+      <p:ext uri="{BB962C8B-B14F-4D97-AF65-F5344CB8AC3E}">
+        <p14:creationId xmlns:p14="http://schemas.microsoft.com/office/powerpoint/2010/main" val="437867350"/>
+      </p:ext>
+    </p:extLst>
+  </p:cSld>
+  <p:clrMapOvr>
+    <a:masterClrMapping/>
+  </p:clrMapOvr>
+  <p:timing>
+    <p:tnLst>
+      <p:par>
+        <p:cTn id="1" dur="indefinite" restart="never" nodeType="tmRoot"/>
+      </p:par>
+    </p:tnLst>
+  </p:timing>
+</p:sld>
+</file>
+
+<file path=ppt/slides/slide5.xml><?xml version="1.0" encoding="utf-8"?>
+<p:sld xmlns:a="http://schemas.openxmlformats.org/drawingml/2006/main" xmlns:r="http://schemas.openxmlformats.org/officeDocument/2006/relationships" xmlns:p="http://schemas.openxmlformats.org/presentationml/2006/main">
+  <p:cSld>
+    <p:spTree>
+      <p:nvGrpSpPr>
+        <p:cNvPr id="1" name=""/>
+        <p:cNvGrpSpPr/>
+        <p:nvPr/>
+      </p:nvGrpSpPr>
+      <p:grpSpPr>
+        <a:xfrm>
+          <a:off x="0" y="0"/>
+          <a:ext cx="0" cy="0"/>
+          <a:chOff x="0" y="0"/>
+          <a:chExt cx="0" cy="0"/>
+        </a:xfrm>
+      </p:grpSpPr>
+      <p:sp>
+        <p:nvSpPr>
+          <p:cNvPr id="2" name="Title 1"/>
+          <p:cNvSpPr>
+            <a:spLocks noGrp="1"/>
+          </p:cNvSpPr>
+          <p:nvPr>
+            <p:ph type="title"/>
+          </p:nvPr>
+        </p:nvSpPr>
+        <p:spPr>
+          <a:xfrm>
+            <a:off x="677334" y="609600"/>
+            <a:ext cx="8596668" cy="736600"/>
+          </a:xfrm>
+        </p:spPr>
+        <p:txBody>
+          <a:bodyPr/>
+          <a:lstStyle/>
+          <a:p>
+            <a:r>
+              <a:rPr lang="en-US" dirty="0" err="1" smtClean="0"/>
+              <a:t>MapReduce</a:t>
+            </a:r>
+            <a:r>
+              <a:rPr lang="en-US" dirty="0" smtClean="0"/>
+              <a:t> in use</a:t>
+            </a:r>
+            <a:endParaRPr lang="en-US" dirty="0"/>
+          </a:p>
+        </p:txBody>
+      </p:sp>
+      <p:sp>
+        <p:nvSpPr>
+          <p:cNvPr id="3" name="Vertical Text Placeholder 2"/>
+          <p:cNvSpPr>
+            <a:spLocks noGrp="1"/>
+          </p:cNvSpPr>
+          <p:nvPr>
+            <p:ph type="body" orient="vert" idx="1"/>
+          </p:nvPr>
+        </p:nvSpPr>
+        <p:spPr>
+          <a:xfrm>
+            <a:off x="677334" y="1694922"/>
+            <a:ext cx="8596668" cy="5078313"/>
+          </a:xfrm>
+        </p:spPr>
+        <p:txBody>
+          <a:bodyPr vert="horz">
+            <a:spAutoFit/>
+          </a:bodyPr>
+          <a:lstStyle/>
+          <a:p>
+            <a:pPr marL="0" marR="0" lvl="0" indent="0" defTabSz="914400" eaLnBrk="1" fontAlgn="auto" latinLnBrk="0" hangingPunct="1">
+              <a:lnSpc>
+                <a:spcPct val="150000"/>
+              </a:lnSpc>
+              <a:spcBef>
+                <a:spcPts val="0"/>
+              </a:spcBef>
+              <a:spcAft>
+                <a:spcPts val="0"/>
+              </a:spcAft>
+              <a:buClrTx/>
+              <a:buSzTx/>
+              <a:buNone/>
+              <a:tabLst/>
+              <a:defRPr/>
+            </a:pPr>
+            <a:r>
+              <a:rPr lang="en-US" dirty="0" smtClean="0"/>
+              <a:t>Large-scale graph, image, and text </a:t>
+            </a:r>
+            <a:r>
+              <a:rPr lang="en-US" dirty="0" smtClean="0"/>
+              <a:t>processing</a:t>
+            </a:r>
+          </a:p>
+          <a:p>
+            <a:pPr marR="0" lvl="0" defTabSz="914400" eaLnBrk="1" fontAlgn="auto" latinLnBrk="0" hangingPunct="1">
+              <a:lnSpc>
+                <a:spcPct val="150000"/>
+              </a:lnSpc>
+              <a:spcBef>
+                <a:spcPts val="0"/>
+              </a:spcBef>
+              <a:spcAft>
+                <a:spcPts val="0"/>
+              </a:spcAft>
+              <a:buClrTx/>
+              <a:buSzTx/>
+              <a:buFont typeface="Arial" charset="0"/>
+              <a:buChar char="•"/>
+              <a:tabLst/>
+              <a:defRPr/>
+            </a:pPr>
+            <a:r>
+              <a:rPr lang="en-US" dirty="0" smtClean="0"/>
+              <a:t>Querying social network data sets</a:t>
+            </a:r>
+          </a:p>
+          <a:p>
+            <a:pPr marR="0" lvl="0" defTabSz="914400" eaLnBrk="1" fontAlgn="auto" latinLnBrk="0" hangingPunct="1">
+              <a:lnSpc>
+                <a:spcPct val="150000"/>
+              </a:lnSpc>
+              <a:spcBef>
+                <a:spcPts val="0"/>
+              </a:spcBef>
+              <a:spcAft>
+                <a:spcPts val="0"/>
+              </a:spcAft>
+              <a:buClrTx/>
+              <a:buSzTx/>
+              <a:buFont typeface="Arial" charset="0"/>
+              <a:buChar char="•"/>
+              <a:tabLst/>
+              <a:defRPr/>
+            </a:pPr>
+            <a:r>
+              <a:rPr lang="en-US" dirty="0" smtClean="0"/>
+              <a:t>Stitching satellite images together</a:t>
+            </a:r>
+            <a:endParaRPr lang="en-US" dirty="0" smtClean="0"/>
+          </a:p>
+          <a:p>
+            <a:pPr marL="0" marR="0" lvl="0" indent="0" defTabSz="914400" eaLnBrk="1" fontAlgn="auto" latinLnBrk="0" hangingPunct="1">
+              <a:lnSpc>
+                <a:spcPct val="150000"/>
+              </a:lnSpc>
+              <a:spcBef>
+                <a:spcPts val="0"/>
+              </a:spcBef>
+              <a:spcAft>
+                <a:spcPts val="0"/>
+              </a:spcAft>
+              <a:buClrTx/>
+              <a:buSzTx/>
+              <a:buNone/>
+              <a:tabLst/>
+              <a:defRPr/>
+            </a:pPr>
+            <a:r>
+              <a:rPr lang="en-US" dirty="0"/>
+              <a:t>M</a:t>
+            </a:r>
+            <a:r>
+              <a:rPr lang="en-US" dirty="0" smtClean="0"/>
+              <a:t>achine </a:t>
+            </a:r>
+            <a:r>
+              <a:rPr lang="en-US" dirty="0" smtClean="0"/>
+              <a:t>learning</a:t>
+            </a:r>
+          </a:p>
+          <a:p>
+            <a:pPr marR="0" lvl="0" defTabSz="914400" eaLnBrk="1" fontAlgn="auto" latinLnBrk="0" hangingPunct="1">
+              <a:lnSpc>
+                <a:spcPct val="150000"/>
+              </a:lnSpc>
+              <a:spcBef>
+                <a:spcPts val="0"/>
+              </a:spcBef>
+              <a:spcAft>
+                <a:spcPts val="0"/>
+              </a:spcAft>
+              <a:buClrTx/>
+              <a:buSzTx/>
+              <a:buFont typeface="Arial" charset="0"/>
+              <a:buChar char="•"/>
+              <a:tabLst/>
+              <a:defRPr/>
+            </a:pPr>
+            <a:r>
+              <a:rPr lang="en-US" dirty="0" smtClean="0"/>
+              <a:t>Large data sets are needed for pattern recognition</a:t>
+            </a:r>
+            <a:endParaRPr lang="en-US" dirty="0" smtClean="0"/>
+          </a:p>
+          <a:p>
+            <a:pPr marL="0" marR="0" lvl="0" indent="0" defTabSz="914400" eaLnBrk="1" fontAlgn="auto" latinLnBrk="0" hangingPunct="1">
+              <a:lnSpc>
+                <a:spcPct val="150000"/>
+              </a:lnSpc>
+              <a:spcBef>
+                <a:spcPts val="0"/>
+              </a:spcBef>
+              <a:spcAft>
+                <a:spcPts val="0"/>
+              </a:spcAft>
+              <a:buClrTx/>
+              <a:buSzTx/>
+              <a:buNone/>
+              <a:tabLst/>
+              <a:defRPr/>
+            </a:pPr>
+            <a:r>
+              <a:rPr lang="en-US" dirty="0" smtClean="0"/>
+              <a:t>Inverted indices</a:t>
+            </a:r>
+          </a:p>
+          <a:p>
+            <a:pPr marR="0" lvl="0" defTabSz="914400" eaLnBrk="1" fontAlgn="auto" latinLnBrk="0" hangingPunct="1">
+              <a:lnSpc>
+                <a:spcPct val="150000"/>
+              </a:lnSpc>
+              <a:spcBef>
+                <a:spcPts val="0"/>
+              </a:spcBef>
+              <a:spcAft>
+                <a:spcPts val="0"/>
+              </a:spcAft>
+              <a:buClrTx/>
+              <a:buSzTx/>
+              <a:buFont typeface="Arial" charset="0"/>
+              <a:buChar char="•"/>
+              <a:tabLst/>
+              <a:defRPr/>
+            </a:pPr>
+            <a:r>
+              <a:rPr lang="en-US" dirty="0" smtClean="0"/>
+              <a:t>Maps content to its location in a database</a:t>
+            </a:r>
+          </a:p>
+          <a:p>
+            <a:pPr marR="0" lvl="0" defTabSz="914400" eaLnBrk="1" fontAlgn="auto" latinLnBrk="0" hangingPunct="1">
+              <a:lnSpc>
+                <a:spcPct val="150000"/>
+              </a:lnSpc>
+              <a:spcBef>
+                <a:spcPts val="0"/>
+              </a:spcBef>
+              <a:spcAft>
+                <a:spcPts val="0"/>
+              </a:spcAft>
+              <a:buClrTx/>
+              <a:buSzTx/>
+              <a:buFont typeface="Arial" charset="0"/>
+              <a:buChar char="•"/>
+              <a:tabLst/>
+              <a:defRPr/>
+            </a:pPr>
+            <a:r>
+              <a:rPr lang="en-US" dirty="0" smtClean="0"/>
+              <a:t>Fast to search, slow to add and update</a:t>
+            </a:r>
+          </a:p>
+          <a:p>
+            <a:pPr marL="0" marR="0" lvl="0" indent="0" defTabSz="914400" eaLnBrk="1" fontAlgn="auto" latinLnBrk="0" hangingPunct="1">
+              <a:lnSpc>
+                <a:spcPct val="150000"/>
+              </a:lnSpc>
+              <a:spcBef>
+                <a:spcPts val="0"/>
+              </a:spcBef>
+              <a:spcAft>
+                <a:spcPts val="0"/>
+              </a:spcAft>
+              <a:buClrTx/>
+              <a:buSzTx/>
+              <a:buNone/>
+              <a:tabLst/>
+              <a:defRPr/>
+            </a:pPr>
+            <a:r>
+              <a:rPr lang="en-US" dirty="0" smtClean="0"/>
+              <a:t>Logging</a:t>
+            </a:r>
+          </a:p>
+          <a:p>
+            <a:pPr defTabSz="914400">
+              <a:lnSpc>
+                <a:spcPct val="150000"/>
+              </a:lnSpc>
+              <a:spcBef>
+                <a:spcPts val="0"/>
+              </a:spcBef>
+              <a:buClrTx/>
+              <a:buSzTx/>
+              <a:buFont typeface="Arial" charset="0"/>
+              <a:buChar char="•"/>
+              <a:defRPr/>
+            </a:pPr>
+            <a:r>
+              <a:rPr lang="en-US" dirty="0" smtClean="0"/>
+              <a:t>Applications record events in </a:t>
+            </a:r>
+            <a:r>
+              <a:rPr lang="en-US" dirty="0" err="1" smtClean="0"/>
+              <a:t>timestamped</a:t>
+            </a:r>
+            <a:r>
+              <a:rPr lang="en-US" dirty="0" smtClean="0"/>
+              <a:t> logs</a:t>
+            </a:r>
+          </a:p>
+          <a:p>
+            <a:pPr defTabSz="914400">
+              <a:lnSpc>
+                <a:spcPct val="150000"/>
+              </a:lnSpc>
+              <a:spcBef>
+                <a:spcPts val="0"/>
+              </a:spcBef>
+              <a:buClrTx/>
+              <a:buSzTx/>
+              <a:buFont typeface="Arial" charset="0"/>
+              <a:buChar char="•"/>
+              <a:defRPr/>
+            </a:pPr>
+            <a:r>
+              <a:rPr lang="en-US" dirty="0" smtClean="0"/>
+              <a:t>Tracing issues </a:t>
+            </a:r>
+            <a:r>
+              <a:rPr lang="en-US" smtClean="0"/>
+              <a:t>requires navigating millions of such events</a:t>
+            </a:r>
+            <a:endParaRPr lang="en-US" dirty="0" smtClean="0"/>
+          </a:p>
+          <a:p>
+            <a:pPr marR="0" lvl="0" defTabSz="914400" eaLnBrk="1" fontAlgn="auto" latinLnBrk="0" hangingPunct="1">
+              <a:lnSpc>
+                <a:spcPct val="150000"/>
+              </a:lnSpc>
+              <a:spcBef>
+                <a:spcPts val="0"/>
+              </a:spcBef>
+              <a:spcAft>
+                <a:spcPts val="0"/>
+              </a:spcAft>
+              <a:buClrTx/>
+              <a:buSzTx/>
+              <a:buFont typeface="Arial" charset="0"/>
+              <a:buChar char="•"/>
+              <a:tabLst/>
+              <a:defRPr/>
+            </a:pPr>
+            <a:endParaRPr lang="en-US" dirty="0" smtClean="0"/>
+          </a:p>
+        </p:txBody>
+      </p:sp>
+    </p:spTree>
+    <p:extLst>
+      <p:ext uri="{BB962C8B-B14F-4D97-AF65-F5344CB8AC3E}">
+        <p14:creationId xmlns:p14="http://schemas.microsoft.com/office/powerpoint/2010/main" val="2064650428"/>
+      </p:ext>
+    </p:extLst>
+  </p:cSld>
+  <p:clrMapOvr>
+    <a:masterClrMapping/>
+  </p:clrMapOvr>
+  <p:timing>
+    <p:tnLst>
+      <p:par>
+        <p:cTn id="1" dur="indefinite" restart="never" nodeType="tmRoot"/>
+      </p:par>
+    </p:tnLst>
+  </p:timing>
+</p:sld>
+</file>
+
+<file path=ppt/slides/slide6.xml><?xml version="1.0" encoding="utf-8"?>
+<p:sld xmlns:a="http://schemas.openxmlformats.org/drawingml/2006/main" xmlns:r="http://schemas.openxmlformats.org/officeDocument/2006/relationships" xmlns:p="http://schemas.openxmlformats.org/presentationml/2006/main">
+  <p:cSld>
+    <p:spTree>
+      <p:nvGrpSpPr>
+        <p:cNvPr id="1" name=""/>
+        <p:cNvGrpSpPr/>
+        <p:nvPr/>
+      </p:nvGrpSpPr>
+      <p:grpSpPr>
+        <a:xfrm>
+          <a:off x="0" y="0"/>
+          <a:ext cx="0" cy="0"/>
+          <a:chOff x="0" y="0"/>
+          <a:chExt cx="0" cy="0"/>
+        </a:xfrm>
+      </p:grpSpPr>
+      <p:sp>
+        <p:nvSpPr>
+          <p:cNvPr id="2" name="Title 1"/>
+          <p:cNvSpPr>
+            <a:spLocks noGrp="1"/>
+          </p:cNvSpPr>
+          <p:nvPr>
+            <p:ph type="title"/>
+          </p:nvPr>
+        </p:nvSpPr>
+        <p:spPr>
+          <a:xfrm>
+            <a:off x="677334" y="609600"/>
+            <a:ext cx="8596668" cy="736600"/>
+          </a:xfrm>
+        </p:spPr>
+        <p:txBody>
+          <a:bodyPr/>
+          <a:lstStyle/>
+          <a:p>
+            <a:r>
+              <a:rPr lang="en-US" dirty="0" err="1" smtClean="0"/>
+              <a:t>MapReduce</a:t>
+            </a:r>
+            <a:r>
+              <a:rPr lang="en-US" dirty="0" smtClean="0"/>
+              <a:t> </a:t>
+            </a:r>
+            <a:r>
+              <a:rPr lang="en-US" dirty="0" smtClean="0"/>
+              <a:t>applications</a:t>
+            </a:r>
+            <a:endParaRPr lang="en-US" dirty="0"/>
+          </a:p>
+        </p:txBody>
+      </p:sp>
+      <p:sp>
+        <p:nvSpPr>
+          <p:cNvPr id="3" name="Vertical Text Placeholder 2"/>
+          <p:cNvSpPr>
+            <a:spLocks noGrp="1"/>
+          </p:cNvSpPr>
+          <p:nvPr>
+            <p:ph type="body" orient="vert" idx="1"/>
+          </p:nvPr>
+        </p:nvSpPr>
+        <p:spPr>
+          <a:xfrm>
+            <a:off x="677334" y="1694922"/>
+            <a:ext cx="8596668" cy="3416320"/>
+          </a:xfrm>
+        </p:spPr>
+        <p:txBody>
+          <a:bodyPr vert="horz">
+            <a:spAutoFit/>
+          </a:bodyPr>
+          <a:lstStyle/>
+          <a:p>
+            <a:pPr marL="0" marR="0" lvl="0" indent="0" defTabSz="914400" eaLnBrk="1" fontAlgn="auto" latinLnBrk="0" hangingPunct="1">
+              <a:lnSpc>
+                <a:spcPct val="150000"/>
+              </a:lnSpc>
+              <a:spcBef>
+                <a:spcPts val="0"/>
+              </a:spcBef>
+              <a:spcAft>
+                <a:spcPts val="0"/>
+              </a:spcAft>
+              <a:buClrTx/>
+              <a:buSzTx/>
+              <a:buNone/>
+              <a:tabLst/>
+              <a:defRPr/>
+            </a:pPr>
+            <a:r>
+              <a:rPr lang="en-US" dirty="0" smtClean="0"/>
+              <a:t>Hadoop</a:t>
+            </a:r>
+          </a:p>
+          <a:p>
+            <a:pPr marR="0" lvl="0" defTabSz="914400" eaLnBrk="1" fontAlgn="auto" latinLnBrk="0" hangingPunct="1">
+              <a:lnSpc>
+                <a:spcPct val="150000"/>
+              </a:lnSpc>
+              <a:spcBef>
+                <a:spcPts val="0"/>
+              </a:spcBef>
+              <a:spcAft>
+                <a:spcPts val="0"/>
+              </a:spcAft>
+              <a:buClrTx/>
+              <a:buSzTx/>
+              <a:buFont typeface="Arial" charset="0"/>
+              <a:buChar char="•"/>
+              <a:tabLst/>
+              <a:defRPr/>
+            </a:pPr>
+            <a:r>
+              <a:rPr lang="en-US" dirty="0"/>
+              <a:t>P</a:t>
+            </a:r>
+            <a:r>
+              <a:rPr lang="en-US" dirty="0" smtClean="0"/>
+              <a:t>opular </a:t>
+            </a:r>
+            <a:r>
+              <a:rPr lang="en-US" dirty="0" smtClean="0"/>
+              <a:t>open-source implementation</a:t>
+            </a:r>
+          </a:p>
+          <a:p>
+            <a:pPr defTabSz="914400">
+              <a:lnSpc>
+                <a:spcPct val="150000"/>
+              </a:lnSpc>
+              <a:spcBef>
+                <a:spcPts val="0"/>
+              </a:spcBef>
+              <a:buClrTx/>
+              <a:buSzTx/>
+              <a:buFont typeface="Arial" charset="0"/>
+              <a:buChar char="•"/>
+            </a:pPr>
+            <a:r>
+              <a:rPr lang="en-US" dirty="0" smtClean="0"/>
+              <a:t>Currently managed by Apache Software Foundation</a:t>
+            </a:r>
+          </a:p>
+          <a:p>
+            <a:pPr defTabSz="914400">
+              <a:lnSpc>
+                <a:spcPct val="150000"/>
+              </a:lnSpc>
+              <a:spcBef>
+                <a:spcPts val="0"/>
+              </a:spcBef>
+              <a:buClrTx/>
+              <a:buSzTx/>
+              <a:buFont typeface="Arial" charset="0"/>
+              <a:buChar char="•"/>
+            </a:pPr>
+            <a:r>
+              <a:rPr lang="en-US" dirty="0" smtClean="0"/>
+              <a:t>Includes Hadoop Distributed File System (HDFS) and other management tools</a:t>
+            </a:r>
+          </a:p>
+          <a:p>
+            <a:pPr marL="0" indent="0" defTabSz="914400">
+              <a:lnSpc>
+                <a:spcPct val="150000"/>
+              </a:lnSpc>
+              <a:spcBef>
+                <a:spcPts val="0"/>
+              </a:spcBef>
+              <a:buClrTx/>
+              <a:buSzTx/>
+              <a:buNone/>
+            </a:pPr>
+            <a:r>
+              <a:rPr lang="en-US" dirty="0" smtClean="0"/>
+              <a:t>Google</a:t>
+            </a:r>
+          </a:p>
+          <a:p>
+            <a:pPr defTabSz="914400">
+              <a:lnSpc>
+                <a:spcPct val="150000"/>
+              </a:lnSpc>
+              <a:spcBef>
+                <a:spcPts val="0"/>
+              </a:spcBef>
+              <a:buClrTx/>
+              <a:buSzTx/>
+              <a:buFont typeface="Arial" charset="0"/>
+              <a:buChar char="•"/>
+            </a:pPr>
+            <a:r>
+              <a:rPr lang="en-US" dirty="0"/>
+              <a:t>P</a:t>
+            </a:r>
+            <a:r>
+              <a:rPr lang="en-US" dirty="0" smtClean="0"/>
+              <a:t>reviously </a:t>
+            </a:r>
+            <a:r>
+              <a:rPr lang="en-US" dirty="0" smtClean="0"/>
+              <a:t>used </a:t>
+            </a:r>
+            <a:r>
+              <a:rPr lang="en-US" dirty="0" err="1" smtClean="0"/>
+              <a:t>MapReduce</a:t>
+            </a:r>
+            <a:r>
+              <a:rPr lang="en-US" dirty="0" smtClean="0"/>
+              <a:t> to index the web</a:t>
+            </a:r>
+          </a:p>
+          <a:p>
+            <a:pPr defTabSz="914400">
+              <a:lnSpc>
+                <a:spcPct val="150000"/>
+              </a:lnSpc>
+              <a:spcBef>
+                <a:spcPts val="0"/>
+              </a:spcBef>
+              <a:buClrTx/>
+              <a:buSzTx/>
+              <a:buFont typeface="Arial" charset="0"/>
+              <a:buChar char="•"/>
+            </a:pPr>
+            <a:r>
+              <a:rPr lang="en-US" dirty="0" smtClean="0"/>
+              <a:t>More than 10,000 programs at Google used </a:t>
+            </a:r>
+            <a:r>
+              <a:rPr lang="en-US" dirty="0" err="1" smtClean="0"/>
+              <a:t>MapReduce</a:t>
+            </a:r>
+            <a:endParaRPr lang="en-US" dirty="0" smtClean="0"/>
+          </a:p>
+          <a:p>
+            <a:pPr defTabSz="914400">
+              <a:lnSpc>
+                <a:spcPct val="150000"/>
+              </a:lnSpc>
+              <a:spcBef>
+                <a:spcPts val="0"/>
+              </a:spcBef>
+              <a:buClrTx/>
+              <a:buSzTx/>
+              <a:buFont typeface="Arial" charset="0"/>
+              <a:buChar char="•"/>
+            </a:pPr>
+            <a:r>
+              <a:rPr lang="en-US" dirty="0" smtClean="0"/>
+              <a:t>Company has moved on to other </a:t>
+            </a:r>
+            <a:r>
+              <a:rPr lang="en-US" dirty="0" smtClean="0"/>
+              <a:t>technologies</a:t>
+            </a:r>
+          </a:p>
+        </p:txBody>
+      </p:sp>
+    </p:spTree>
+    <p:extLst>
+      <p:ext uri="{BB962C8B-B14F-4D97-AF65-F5344CB8AC3E}">
+        <p14:creationId xmlns:p14="http://schemas.microsoft.com/office/powerpoint/2010/main" val="519030304"/>
+      </p:ext>
+    </p:extLst>
+  </p:cSld>
+  <p:clrMapOvr>
+    <a:masterClrMapping/>
+  </p:clrMapOvr>
+  <p:timing>
+    <p:tnLst>
+      <p:par>
+        <p:cTn id="1" dur="indefinite" restart="never" nodeType="tmRoot"/>
+      </p:par>
+    </p:tnLst>
+  </p:timing>
+</p:sld>
+</file>
+
+<file path=ppt/slides/slide7.xml><?xml version="1.0" encoding="utf-8"?>
+<p:sld xmlns:a="http://schemas.openxmlformats.org/drawingml/2006/main" xmlns:r="http://schemas.openxmlformats.org/officeDocument/2006/relationships" xmlns:p="http://schemas.openxmlformats.org/presentationml/2006/main">
+  <p:cSld>
+    <p:spTree>
+      <p:nvGrpSpPr>
+        <p:cNvPr id="1" name=""/>
+        <p:cNvGrpSpPr/>
+        <p:nvPr/>
+      </p:nvGrpSpPr>
+      <p:grpSpPr>
+        <a:xfrm>
+          <a:off x="0" y="0"/>
+          <a:ext cx="0" cy="0"/>
+          <a:chOff x="0" y="0"/>
+          <a:chExt cx="0" cy="0"/>
+        </a:xfrm>
+      </p:grpSpPr>
+      <p:sp>
+        <p:nvSpPr>
+          <p:cNvPr id="2" name="Title 1"/>
+          <p:cNvSpPr>
+            <a:spLocks noGrp="1"/>
+          </p:cNvSpPr>
+          <p:nvPr>
+            <p:ph type="title"/>
+          </p:nvPr>
+        </p:nvSpPr>
+        <p:spPr>
+          <a:xfrm>
+            <a:off x="677334" y="609600"/>
+            <a:ext cx="8596668" cy="736600"/>
+          </a:xfrm>
+        </p:spPr>
+        <p:txBody>
+          <a:bodyPr/>
+          <a:lstStyle/>
+          <a:p>
+            <a:r>
+              <a:rPr lang="en-US" dirty="0" smtClean="0"/>
+              <a:t>Other </a:t>
+            </a:r>
+            <a:r>
+              <a:rPr lang="en-US" dirty="0" err="1" smtClean="0"/>
+              <a:t>MapReduce</a:t>
+            </a:r>
+            <a:r>
+              <a:rPr lang="en-US" dirty="0" smtClean="0"/>
+              <a:t> applications</a:t>
+            </a:r>
+            <a:endParaRPr lang="en-US" dirty="0"/>
+          </a:p>
+        </p:txBody>
+      </p:sp>
+      <p:sp>
+        <p:nvSpPr>
+          <p:cNvPr id="3" name="Vertical Text Placeholder 2"/>
+          <p:cNvSpPr>
+            <a:spLocks noGrp="1"/>
+          </p:cNvSpPr>
+          <p:nvPr>
+            <p:ph type="body" orient="vert" idx="1"/>
+          </p:nvPr>
+        </p:nvSpPr>
+        <p:spPr>
+          <a:xfrm>
+            <a:off x="677334" y="1694922"/>
+            <a:ext cx="8596668" cy="3416320"/>
+          </a:xfrm>
+        </p:spPr>
+        <p:txBody>
+          <a:bodyPr vert="horz">
+            <a:spAutoFit/>
+          </a:bodyPr>
+          <a:lstStyle/>
+          <a:p>
+            <a:pPr marL="0" indent="0" defTabSz="914400">
+              <a:lnSpc>
+                <a:spcPct val="150000"/>
+              </a:lnSpc>
+              <a:spcBef>
+                <a:spcPts val="0"/>
+              </a:spcBef>
+              <a:buClrTx/>
+              <a:buSzTx/>
+              <a:buNone/>
+            </a:pPr>
+            <a:r>
+              <a:rPr lang="en-US" dirty="0" err="1" smtClean="0"/>
+              <a:t>CouchDB</a:t>
+            </a:r>
+            <a:endParaRPr lang="en-US" dirty="0" smtClean="0"/>
+          </a:p>
+          <a:p>
+            <a:pPr defTabSz="914400">
+              <a:lnSpc>
+                <a:spcPct val="150000"/>
+              </a:lnSpc>
+              <a:spcBef>
+                <a:spcPts val="0"/>
+              </a:spcBef>
+              <a:buClrTx/>
+              <a:buSzTx/>
+              <a:buFont typeface="Arial" charset="0"/>
+              <a:buChar char="•"/>
+            </a:pPr>
+            <a:r>
+              <a:rPr lang="en-US" dirty="0" smtClean="0"/>
+              <a:t>Web-focused with JSON, JavaScript, HTTP, and concurrency</a:t>
+            </a:r>
+          </a:p>
+          <a:p>
+            <a:pPr defTabSz="914400">
+              <a:lnSpc>
+                <a:spcPct val="150000"/>
+              </a:lnSpc>
+              <a:spcBef>
+                <a:spcPts val="0"/>
+              </a:spcBef>
+              <a:buClrTx/>
+              <a:buSzTx/>
+              <a:buFont typeface="Arial" charset="0"/>
+              <a:buChar char="•"/>
+            </a:pPr>
+            <a:r>
+              <a:rPr lang="en-US" dirty="0" smtClean="0"/>
+              <a:t>Database is a collection of documents, not relational tables</a:t>
+            </a:r>
+          </a:p>
+          <a:p>
+            <a:pPr defTabSz="914400">
+              <a:lnSpc>
+                <a:spcPct val="150000"/>
+              </a:lnSpc>
+              <a:spcBef>
+                <a:spcPts val="0"/>
+              </a:spcBef>
+              <a:buClrTx/>
+              <a:buSzTx/>
+              <a:buFont typeface="Arial" charset="0"/>
+              <a:buChar char="•"/>
+            </a:pPr>
+            <a:r>
+              <a:rPr lang="en-US" dirty="0" smtClean="0"/>
+              <a:t>A Map function creates “views” which are indexed for queries</a:t>
+            </a:r>
+            <a:endParaRPr lang="en-US" dirty="0" smtClean="0"/>
+          </a:p>
+          <a:p>
+            <a:pPr marL="0" indent="0" defTabSz="914400">
+              <a:lnSpc>
+                <a:spcPct val="150000"/>
+              </a:lnSpc>
+              <a:spcBef>
+                <a:spcPts val="0"/>
+              </a:spcBef>
+              <a:buClrTx/>
+              <a:buSzTx/>
+              <a:buNone/>
+            </a:pPr>
+            <a:r>
+              <a:rPr lang="en-US" dirty="0" err="1" smtClean="0"/>
+              <a:t>Riak</a:t>
+            </a:r>
+            <a:endParaRPr lang="en-US" dirty="0" smtClean="0"/>
+          </a:p>
+          <a:p>
+            <a:pPr defTabSz="914400">
+              <a:lnSpc>
+                <a:spcPct val="150000"/>
+              </a:lnSpc>
+              <a:spcBef>
+                <a:spcPts val="0"/>
+              </a:spcBef>
+              <a:buClrTx/>
+              <a:buSzTx/>
+              <a:buFont typeface="Arial" charset="0"/>
+              <a:buChar char="•"/>
+            </a:pPr>
+            <a:r>
+              <a:rPr lang="en-US" dirty="0" smtClean="0"/>
+              <a:t>Fault-tolerant distributed data storage</a:t>
+            </a:r>
+          </a:p>
+          <a:p>
+            <a:pPr defTabSz="914400">
+              <a:lnSpc>
+                <a:spcPct val="150000"/>
+              </a:lnSpc>
+              <a:spcBef>
+                <a:spcPts val="0"/>
+              </a:spcBef>
+              <a:buClrTx/>
+              <a:buSzTx/>
+              <a:buFont typeface="Arial" charset="0"/>
+              <a:buChar char="•"/>
+            </a:pPr>
+            <a:r>
+              <a:rPr lang="en-US" dirty="0" err="1" smtClean="0"/>
+              <a:t>MapReduce</a:t>
+            </a:r>
+            <a:r>
+              <a:rPr lang="en-US" dirty="0" smtClean="0"/>
+              <a:t> in JavaScript and </a:t>
+            </a:r>
+            <a:r>
+              <a:rPr lang="en-US" dirty="0" err="1" smtClean="0"/>
+              <a:t>Erlang</a:t>
+            </a:r>
+            <a:r>
+              <a:rPr lang="en-US" dirty="0" smtClean="0"/>
+              <a:t> for queries</a:t>
+            </a:r>
+          </a:p>
+          <a:p>
+            <a:pPr defTabSz="914400">
+              <a:lnSpc>
+                <a:spcPct val="150000"/>
+              </a:lnSpc>
+              <a:spcBef>
+                <a:spcPts val="0"/>
+              </a:spcBef>
+              <a:buClrTx/>
+              <a:buSzTx/>
+              <a:buFont typeface="Arial" charset="0"/>
+              <a:buChar char="•"/>
+            </a:pPr>
+            <a:r>
+              <a:rPr lang="en-US" dirty="0"/>
+              <a:t>Enterprise versions supported by Basho </a:t>
+            </a:r>
+            <a:r>
+              <a:rPr lang="en-US" dirty="0" smtClean="0"/>
+              <a:t>Technologies</a:t>
+            </a:r>
+            <a:endParaRPr lang="en-US" dirty="0"/>
+          </a:p>
+        </p:txBody>
+      </p:sp>
+    </p:spTree>
+    <p:extLst>
+      <p:ext uri="{BB962C8B-B14F-4D97-AF65-F5344CB8AC3E}">
+        <p14:creationId xmlns:p14="http://schemas.microsoft.com/office/powerpoint/2010/main" val="90485075"/>
+      </p:ext>
+    </p:extLst>
+  </p:cSld>
+  <p:clrMapOvr>
+    <a:masterClrMapping/>
+  </p:clrMapOvr>
+  <p:timing>
+    <p:tnLst>
+      <p:par>
+        <p:cTn id="1" dur="indefinite" restart="never" nodeType="tmRoot"/>
+      </p:par>
+    </p:tnLst>
+  </p:timing>
+</p:sld>
+</file>
+
+<file path=ppt/slides/slide8.xml><?xml version="1.0" encoding="utf-8"?>
+<p:sld xmlns:a="http://schemas.openxmlformats.org/drawingml/2006/main" xmlns:r="http://schemas.openxmlformats.org/officeDocument/2006/relationships" xmlns:p="http://schemas.openxmlformats.org/presentationml/2006/main">
+  <p:cSld>
+    <p:spTree>
+      <p:nvGrpSpPr>
+        <p:cNvPr id="1" name=""/>
+        <p:cNvGrpSpPr/>
+        <p:nvPr/>
+      </p:nvGrpSpPr>
+      <p:grpSpPr>
+        <a:xfrm>
+          <a:off x="0" y="0"/>
+          <a:ext cx="0" cy="0"/>
+          <a:chOff x="0" y="0"/>
+          <a:chExt cx="0" cy="0"/>
+        </a:xfrm>
+      </p:grpSpPr>
+      <p:sp>
+        <p:nvSpPr>
+          <p:cNvPr id="2" name="Title 1"/>
+          <p:cNvSpPr>
+            <a:spLocks noGrp="1"/>
+          </p:cNvSpPr>
+          <p:nvPr>
+            <p:ph type="title"/>
+          </p:nvPr>
+        </p:nvSpPr>
+        <p:spPr>
+          <a:xfrm>
+            <a:off x="677334" y="609600"/>
+            <a:ext cx="8596668" cy="804333"/>
+          </a:xfrm>
+        </p:spPr>
+        <p:txBody>
+          <a:bodyPr/>
+          <a:lstStyle/>
+          <a:p>
+            <a:r>
+              <a:rPr lang="en-US" dirty="0" smtClean="0"/>
+              <a:t>Considerations</a:t>
+            </a:r>
+            <a:endParaRPr lang="en-US" dirty="0"/>
+          </a:p>
+        </p:txBody>
+      </p:sp>
+      <p:sp>
+        <p:nvSpPr>
+          <p:cNvPr id="3" name="Text Placeholder 2"/>
+          <p:cNvSpPr>
+            <a:spLocks noGrp="1"/>
+          </p:cNvSpPr>
+          <p:nvPr>
+            <p:ph type="body" idx="1"/>
+          </p:nvPr>
+        </p:nvSpPr>
+        <p:spPr>
+          <a:xfrm>
+            <a:off x="675746" y="1695317"/>
+            <a:ext cx="4185623" cy="576262"/>
+          </a:xfrm>
+          <a:ln>
+            <a:noFill/>
+          </a:ln>
+        </p:spPr>
+        <p:txBody>
+          <a:bodyPr/>
+          <a:lstStyle/>
+          <a:p>
+            <a:r>
+              <a:rPr lang="en-US" dirty="0" smtClean="0"/>
+              <a:t>Strengths</a:t>
+            </a:r>
+            <a:endParaRPr lang="en-US" dirty="0"/>
+          </a:p>
+        </p:txBody>
+      </p:sp>
+      <p:sp>
+        <p:nvSpPr>
+          <p:cNvPr id="4" name="Content Placeholder 3"/>
+          <p:cNvSpPr>
+            <a:spLocks noGrp="1"/>
+          </p:cNvSpPr>
+          <p:nvPr>
+            <p:ph sz="half" idx="2"/>
+          </p:nvPr>
+        </p:nvSpPr>
+        <p:spPr>
+          <a:xfrm>
+            <a:off x="675746" y="2271579"/>
+            <a:ext cx="4185623" cy="3304117"/>
+          </a:xfrm>
+        </p:spPr>
+        <p:txBody>
+          <a:bodyPr/>
+          <a:lstStyle/>
+          <a:p>
+            <a:pPr marL="0" lvl="0" indent="0" defTabSz="914400">
+              <a:lnSpc>
+                <a:spcPct val="150000"/>
+              </a:lnSpc>
+              <a:spcBef>
+                <a:spcPts val="0"/>
+              </a:spcBef>
+              <a:buClrTx/>
+              <a:buSzTx/>
+              <a:buNone/>
+              <a:defRPr/>
+            </a:pPr>
+            <a:r>
+              <a:rPr lang="en-US" dirty="0"/>
+              <a:t>Easy, cost-effective deployment</a:t>
+            </a:r>
+          </a:p>
+          <a:p>
+            <a:pPr marL="0" lvl="0" indent="0" defTabSz="914400">
+              <a:lnSpc>
+                <a:spcPct val="150000"/>
+              </a:lnSpc>
+              <a:spcBef>
+                <a:spcPts val="0"/>
+              </a:spcBef>
+              <a:buClrTx/>
+              <a:buSzTx/>
+              <a:buNone/>
+              <a:defRPr/>
+            </a:pPr>
+            <a:r>
+              <a:rPr lang="en-US" dirty="0"/>
+              <a:t>Large data sets</a:t>
+            </a:r>
+          </a:p>
+          <a:p>
+            <a:pPr marL="0" lvl="0" indent="0" defTabSz="914400">
+              <a:lnSpc>
+                <a:spcPct val="150000"/>
+              </a:lnSpc>
+              <a:spcBef>
+                <a:spcPts val="0"/>
+              </a:spcBef>
+              <a:buClrTx/>
+              <a:buSzTx/>
+              <a:buNone/>
+              <a:defRPr/>
+            </a:pPr>
+            <a:r>
+              <a:rPr lang="en-US" dirty="0"/>
+              <a:t>Complicated </a:t>
+            </a:r>
+            <a:r>
+              <a:rPr lang="en-US" dirty="0" smtClean="0"/>
+              <a:t>queries</a:t>
+            </a:r>
+            <a:endParaRPr lang="en-US" dirty="0"/>
+          </a:p>
+          <a:p>
+            <a:pPr marL="0" lvl="0" indent="0" defTabSz="914400">
+              <a:lnSpc>
+                <a:spcPct val="150000"/>
+              </a:lnSpc>
+              <a:spcBef>
+                <a:spcPts val="0"/>
+              </a:spcBef>
+              <a:buClrTx/>
+              <a:buSzTx/>
+              <a:buNone/>
+              <a:defRPr/>
+            </a:pPr>
+            <a:r>
+              <a:rPr lang="en-US" dirty="0"/>
+              <a:t>Fault-tolerance</a:t>
+            </a:r>
+          </a:p>
+          <a:p>
+            <a:pPr marL="0" lvl="0" indent="0" defTabSz="914400">
+              <a:lnSpc>
+                <a:spcPct val="150000"/>
+              </a:lnSpc>
+              <a:spcBef>
+                <a:spcPts val="0"/>
+              </a:spcBef>
+              <a:buClrTx/>
+              <a:buSzTx/>
+              <a:buNone/>
+              <a:defRPr/>
+            </a:pPr>
+            <a:r>
+              <a:rPr lang="en-US" dirty="0"/>
+              <a:t>Storage </a:t>
+            </a:r>
+            <a:r>
+              <a:rPr lang="en-US" dirty="0" smtClean="0"/>
+              <a:t>independence</a:t>
+            </a:r>
+            <a:endParaRPr lang="en-US" dirty="0"/>
+          </a:p>
+        </p:txBody>
+      </p:sp>
+      <p:sp>
+        <p:nvSpPr>
+          <p:cNvPr id="5" name="Text Placeholder 4"/>
+          <p:cNvSpPr>
+            <a:spLocks noGrp="1"/>
+          </p:cNvSpPr>
+          <p:nvPr>
+            <p:ph type="body" sz="quarter" idx="3"/>
+          </p:nvPr>
+        </p:nvSpPr>
+        <p:spPr>
+          <a:xfrm>
+            <a:off x="5088384" y="1695317"/>
+            <a:ext cx="4185618" cy="576262"/>
+          </a:xfrm>
+        </p:spPr>
+        <p:txBody>
+          <a:bodyPr/>
+          <a:lstStyle/>
+          <a:p>
+            <a:r>
+              <a:rPr lang="en-US" dirty="0" smtClean="0"/>
+              <a:t>Weaknesses</a:t>
+            </a:r>
+            <a:endParaRPr lang="en-US" dirty="0"/>
+          </a:p>
+        </p:txBody>
+      </p:sp>
+      <p:sp>
+        <p:nvSpPr>
+          <p:cNvPr id="6" name="Content Placeholder 5"/>
+          <p:cNvSpPr>
+            <a:spLocks noGrp="1"/>
+          </p:cNvSpPr>
+          <p:nvPr>
+            <p:ph sz="quarter" idx="4"/>
+          </p:nvPr>
+        </p:nvSpPr>
+        <p:spPr>
+          <a:xfrm>
+            <a:off x="5088385" y="2271579"/>
+            <a:ext cx="4185617" cy="3304117"/>
+          </a:xfrm>
+        </p:spPr>
+        <p:txBody>
+          <a:bodyPr/>
+          <a:lstStyle/>
+          <a:p>
+            <a:pPr marL="0" lvl="0" indent="0" defTabSz="914400">
+              <a:lnSpc>
+                <a:spcPct val="150000"/>
+              </a:lnSpc>
+              <a:spcBef>
+                <a:spcPts val="0"/>
+              </a:spcBef>
+              <a:buClrTx/>
+              <a:buSzTx/>
+              <a:buNone/>
+              <a:defRPr/>
+            </a:pPr>
+            <a:r>
+              <a:rPr lang="en-US" dirty="0" smtClean="0"/>
+              <a:t>Flexibility: only Map </a:t>
+            </a:r>
+            <a:r>
+              <a:rPr lang="en-US" dirty="0" smtClean="0">
+                <a:sym typeface="Wingdings"/>
+              </a:rPr>
+              <a:t> Reduce</a:t>
+            </a:r>
+            <a:endParaRPr lang="en-US" dirty="0"/>
+          </a:p>
+          <a:p>
+            <a:pPr marL="0" lvl="0" indent="0" defTabSz="914400">
+              <a:lnSpc>
+                <a:spcPct val="150000"/>
+              </a:lnSpc>
+              <a:spcBef>
+                <a:spcPts val="0"/>
+              </a:spcBef>
+              <a:buClrTx/>
+              <a:buSzTx/>
+              <a:buNone/>
+              <a:defRPr/>
+            </a:pPr>
+            <a:r>
+              <a:rPr lang="en-US" dirty="0" smtClean="0"/>
+              <a:t>No complex </a:t>
+            </a:r>
+            <a:r>
+              <a:rPr lang="en-US" dirty="0"/>
+              <a:t>schema</a:t>
+            </a:r>
+          </a:p>
+          <a:p>
+            <a:pPr marL="0" lvl="0" indent="0" defTabSz="914400">
+              <a:lnSpc>
+                <a:spcPct val="150000"/>
+              </a:lnSpc>
+              <a:spcBef>
+                <a:spcPts val="0"/>
+              </a:spcBef>
+              <a:buClrTx/>
+              <a:buSzTx/>
+              <a:buNone/>
+              <a:defRPr/>
+            </a:pPr>
+            <a:r>
+              <a:rPr lang="en-US" dirty="0" smtClean="0"/>
+              <a:t>Not for </a:t>
+            </a:r>
+            <a:r>
+              <a:rPr lang="en-US" dirty="0"/>
+              <a:t>d</a:t>
+            </a:r>
+            <a:r>
+              <a:rPr lang="en-US" dirty="0" smtClean="0"/>
+              <a:t>ata </a:t>
+            </a:r>
+            <a:r>
+              <a:rPr lang="en-US" dirty="0" smtClean="0"/>
+              <a:t>storage</a:t>
+            </a:r>
+            <a:endParaRPr lang="en-US" dirty="0"/>
+          </a:p>
+          <a:p>
+            <a:pPr marL="0" lvl="0" indent="0" defTabSz="914400">
+              <a:lnSpc>
+                <a:spcPct val="150000"/>
+              </a:lnSpc>
+              <a:spcBef>
+                <a:spcPts val="0"/>
+              </a:spcBef>
+              <a:buClrTx/>
+              <a:buSzTx/>
+              <a:buNone/>
+              <a:defRPr/>
+            </a:pPr>
+            <a:r>
+              <a:rPr lang="en-US" dirty="0" smtClean="0"/>
+              <a:t>Not designed for speed</a:t>
+            </a:r>
+            <a:endParaRPr lang="en-US" dirty="0"/>
+          </a:p>
+        </p:txBody>
+      </p:sp>
+    </p:spTree>
+    <p:extLst>
+      <p:ext uri="{BB962C8B-B14F-4D97-AF65-F5344CB8AC3E}">
+        <p14:creationId xmlns:p14="http://schemas.microsoft.com/office/powerpoint/2010/main" val="30156716"/>
+      </p:ext>
+    </p:extLst>
+  </p:cSld>
+  <p:clrMapOvr>
+    <a:masterClrMapping/>
+  </p:clrMapOvr>
+</p:sld>
+</file>
+
+<file path=ppt/slides/slide9.xml><?xml version="1.0" encoding="utf-8"?>
+<p:sld xmlns:a="http://schemas.openxmlformats.org/drawingml/2006/main" xmlns:r="http://schemas.openxmlformats.org/officeDocument/2006/relationships" xmlns:p="http://schemas.openxmlformats.org/presentationml/2006/main">
+  <p:cSld>
+    <p:spTree>
+      <p:nvGrpSpPr>
+        <p:cNvPr id="1" name=""/>
+        <p:cNvGrpSpPr/>
+        <p:nvPr/>
+      </p:nvGrpSpPr>
+      <p:grpSpPr>
+        <a:xfrm>
+          <a:off x="0" y="0"/>
+          <a:ext cx="0" cy="0"/>
+          <a:chOff x="0" y="0"/>
+          <a:chExt cx="0" cy="0"/>
+        </a:xfrm>
+      </p:grpSpPr>
+      <p:sp>
+        <p:nvSpPr>
+          <p:cNvPr id="2" name="Title 1"/>
+          <p:cNvSpPr>
+            <a:spLocks noGrp="1"/>
+          </p:cNvSpPr>
+          <p:nvPr>
+            <p:ph type="title"/>
+          </p:nvPr>
+        </p:nvSpPr>
+        <p:spPr>
+          <a:xfrm>
+            <a:off x="677334" y="609600"/>
+            <a:ext cx="8596668" cy="736600"/>
+          </a:xfrm>
+        </p:spPr>
+        <p:txBody>
+          <a:bodyPr/>
+          <a:lstStyle/>
+          <a:p>
+            <a:r>
+              <a:rPr lang="en-US" dirty="0" smtClean="0"/>
+              <a:t>Summary of the paper</a:t>
+            </a:r>
+            <a:endParaRPr lang="en-US" dirty="0"/>
+          </a:p>
+        </p:txBody>
+      </p:sp>
+      <p:sp>
+        <p:nvSpPr>
+          <p:cNvPr id="3" name="Vertical Text Placeholder 2"/>
+          <p:cNvSpPr>
+            <a:spLocks noGrp="1"/>
+          </p:cNvSpPr>
+          <p:nvPr>
+            <p:ph type="body" orient="vert" idx="1"/>
+          </p:nvPr>
+        </p:nvSpPr>
+        <p:spPr>
+          <a:xfrm>
+            <a:off x="677334" y="1694922"/>
+            <a:ext cx="8596668" cy="3831818"/>
+          </a:xfrm>
+        </p:spPr>
+        <p:txBody>
+          <a:bodyPr vert="horz">
+            <a:spAutoFit/>
+          </a:bodyPr>
+          <a:lstStyle/>
+          <a:p>
+            <a:pPr marL="0" marR="0" lvl="0" indent="0" defTabSz="914400" eaLnBrk="1" fontAlgn="auto" latinLnBrk="0" hangingPunct="1">
+              <a:lnSpc>
+                <a:spcPct val="150000"/>
+              </a:lnSpc>
+              <a:spcBef>
+                <a:spcPts val="0"/>
+              </a:spcBef>
+              <a:spcAft>
+                <a:spcPts val="0"/>
+              </a:spcAft>
+              <a:buClrTx/>
+              <a:buSzTx/>
+              <a:buNone/>
+              <a:tabLst/>
+              <a:defRPr/>
+            </a:pPr>
+            <a:r>
+              <a:rPr lang="en-US" dirty="0" smtClean="0"/>
+              <a:t>Criticism of another paper that compared </a:t>
+            </a:r>
+            <a:r>
+              <a:rPr lang="en-US" dirty="0" err="1" smtClean="0"/>
+              <a:t>MapReduce</a:t>
+            </a:r>
+            <a:r>
+              <a:rPr lang="en-US" dirty="0" smtClean="0"/>
+              <a:t> to parallel databases</a:t>
+            </a:r>
+          </a:p>
+          <a:p>
+            <a:pPr marL="0" marR="0" lvl="0" indent="0" defTabSz="914400" eaLnBrk="1" fontAlgn="auto" latinLnBrk="0" hangingPunct="1">
+              <a:lnSpc>
+                <a:spcPct val="150000"/>
+              </a:lnSpc>
+              <a:spcBef>
+                <a:spcPts val="0"/>
+              </a:spcBef>
+              <a:spcAft>
+                <a:spcPts val="0"/>
+              </a:spcAft>
+              <a:buClrTx/>
+              <a:buSzTx/>
+              <a:buNone/>
+              <a:tabLst/>
+              <a:defRPr/>
+            </a:pPr>
+            <a:r>
+              <a:rPr lang="en-US" dirty="0" smtClean="0"/>
+              <a:t>Primarily asserts that previous research was not done correctly</a:t>
+            </a:r>
+          </a:p>
+          <a:p>
+            <a:pPr marL="0" marR="0" lvl="0" indent="0" defTabSz="914400" eaLnBrk="1" fontAlgn="auto" latinLnBrk="0" hangingPunct="1">
+              <a:lnSpc>
+                <a:spcPct val="150000"/>
+              </a:lnSpc>
+              <a:spcBef>
+                <a:spcPts val="0"/>
+              </a:spcBef>
+              <a:spcAft>
+                <a:spcPts val="0"/>
+              </a:spcAft>
+              <a:buClrTx/>
+              <a:buSzTx/>
+              <a:buNone/>
+              <a:tabLst/>
+              <a:defRPr/>
+            </a:pPr>
+            <a:r>
+              <a:rPr lang="en-US" dirty="0" smtClean="0"/>
+              <a:t>Primary counterpoints:</a:t>
+            </a:r>
+          </a:p>
+          <a:p>
+            <a:pPr marR="0" lvl="0" defTabSz="914400" eaLnBrk="1" fontAlgn="auto" latinLnBrk="0" hangingPunct="1">
+              <a:lnSpc>
+                <a:spcPct val="150000"/>
+              </a:lnSpc>
+              <a:spcBef>
+                <a:spcPts val="0"/>
+              </a:spcBef>
+              <a:spcAft>
+                <a:spcPts val="0"/>
+              </a:spcAft>
+              <a:buClrTx/>
+              <a:buSzTx/>
+              <a:buFont typeface="Arial" charset="0"/>
+              <a:buChar char="•"/>
+              <a:tabLst/>
+              <a:defRPr/>
+            </a:pPr>
+            <a:r>
+              <a:rPr lang="en-US" dirty="0" smtClean="0"/>
+              <a:t>Indices can be used</a:t>
+            </a:r>
+          </a:p>
+          <a:p>
+            <a:pPr marR="0" lvl="0" defTabSz="914400" eaLnBrk="1" fontAlgn="auto" latinLnBrk="0" hangingPunct="1">
+              <a:lnSpc>
+                <a:spcPct val="150000"/>
+              </a:lnSpc>
+              <a:spcBef>
+                <a:spcPts val="0"/>
+              </a:spcBef>
+              <a:spcAft>
+                <a:spcPts val="0"/>
+              </a:spcAft>
+              <a:buClrTx/>
+              <a:buSzTx/>
+              <a:buFont typeface="Arial" charset="0"/>
+              <a:buChar char="•"/>
+              <a:tabLst/>
+              <a:defRPr/>
+            </a:pPr>
+            <a:r>
+              <a:rPr lang="en-US" dirty="0" smtClean="0"/>
+              <a:t>Input and output is not limited to files and textual data</a:t>
+            </a:r>
+          </a:p>
+          <a:p>
+            <a:pPr marR="0" lvl="0" defTabSz="914400" eaLnBrk="1" fontAlgn="auto" latinLnBrk="0" hangingPunct="1">
+              <a:lnSpc>
+                <a:spcPct val="150000"/>
+              </a:lnSpc>
+              <a:spcBef>
+                <a:spcPts val="0"/>
+              </a:spcBef>
+              <a:spcAft>
+                <a:spcPts val="0"/>
+              </a:spcAft>
+              <a:buClrTx/>
+              <a:buSzTx/>
+              <a:buFont typeface="Arial" charset="0"/>
+              <a:buChar char="•"/>
+              <a:tabLst/>
+              <a:defRPr/>
+            </a:pPr>
+            <a:r>
+              <a:rPr lang="en-US" dirty="0" smtClean="0"/>
+              <a:t>Implementation was not optimized for startup, shuffling, and output</a:t>
+            </a:r>
+          </a:p>
+          <a:p>
+            <a:pPr marR="0" lvl="0" defTabSz="914400" eaLnBrk="1" fontAlgn="auto" latinLnBrk="0" hangingPunct="1">
+              <a:lnSpc>
+                <a:spcPct val="150000"/>
+              </a:lnSpc>
+              <a:spcBef>
+                <a:spcPts val="0"/>
+              </a:spcBef>
+              <a:spcAft>
+                <a:spcPts val="0"/>
+              </a:spcAft>
+              <a:buClrTx/>
+              <a:buSzTx/>
+              <a:buFont typeface="Arial" charset="0"/>
+              <a:buChar char="•"/>
+              <a:tabLst/>
+              <a:defRPr/>
+            </a:pPr>
+            <a:r>
+              <a:rPr lang="en-US" dirty="0" smtClean="0"/>
+              <a:t>Data loading is not a </a:t>
+            </a:r>
+            <a:r>
+              <a:rPr lang="en-US" dirty="0" err="1" smtClean="0"/>
+              <a:t>MapReduce</a:t>
+            </a:r>
+            <a:r>
+              <a:rPr lang="en-US" dirty="0" smtClean="0"/>
+              <a:t> feature</a:t>
+            </a:r>
+          </a:p>
+          <a:p>
+            <a:pPr marR="0" lvl="0" defTabSz="914400" eaLnBrk="1" fontAlgn="auto" latinLnBrk="0" hangingPunct="1">
+              <a:lnSpc>
+                <a:spcPct val="150000"/>
+              </a:lnSpc>
+              <a:spcBef>
+                <a:spcPts val="0"/>
+              </a:spcBef>
+              <a:spcAft>
+                <a:spcPts val="0"/>
+              </a:spcAft>
+              <a:buClrTx/>
+              <a:buSzTx/>
+              <a:buFont typeface="Arial" charset="0"/>
+              <a:buChar char="•"/>
+              <a:tabLst/>
+              <a:defRPr/>
+            </a:pPr>
+            <a:r>
+              <a:rPr lang="en-US" dirty="0" smtClean="0"/>
+              <a:t>Entire dataset does not have to be processed</a:t>
+            </a:r>
+          </a:p>
+          <a:p>
+            <a:pPr marR="0" lvl="0" defTabSz="914400" eaLnBrk="1" fontAlgn="auto" latinLnBrk="0" hangingPunct="1">
+              <a:lnSpc>
+                <a:spcPct val="150000"/>
+              </a:lnSpc>
+              <a:spcBef>
+                <a:spcPts val="0"/>
+              </a:spcBef>
+              <a:spcAft>
+                <a:spcPts val="0"/>
+              </a:spcAft>
+              <a:buClrTx/>
+              <a:buSzTx/>
+              <a:buFont typeface="Arial" charset="0"/>
+              <a:buChar char="•"/>
+              <a:tabLst/>
+              <a:defRPr/>
+            </a:pPr>
+            <a:endParaRPr lang="en-US" dirty="0" smtClean="0"/>
+          </a:p>
+        </p:txBody>
+      </p:sp>
+    </p:spTree>
+    <p:extLst>
+      <p:ext uri="{BB962C8B-B14F-4D97-AF65-F5344CB8AC3E}">
+        <p14:creationId xmlns:p14="http://schemas.microsoft.com/office/powerpoint/2010/main" val="1864109460"/>
+      </p:ext>
+    </p:extLst>
+  </p:cSld>
+  <p:clrMapOvr>
+    <a:masterClrMapping/>
+  </p:clrMapOvr>
+  <p:timing>
+    <p:tnLst>
+      <p:par>
+        <p:cTn id="1" dur="indefinite" restart="never" nodeType="tmRoot"/>
+      </p:par>
+    </p:tnLst>
+  </p:timing>
 </p:sld>
 </file>
 
@@ -9212,4 +10427,265 @@
     </a:ext>
   </a:extLst>
 </a:theme>
+</file>
+
+<file path=ppt/theme/theme2.xml><?xml version="1.0" encoding="utf-8"?>
+<a:theme xmlns:a="http://schemas.openxmlformats.org/drawingml/2006/main" name="Office Theme">
+  <a:themeElements>
+    <a:clrScheme name="Office">
+      <a:dk1>
+        <a:sysClr val="windowText" lastClr="000000"/>
+      </a:dk1>
+      <a:lt1>
+        <a:sysClr val="window" lastClr="FFFFFF"/>
+      </a:lt1>
+      <a:dk2>
+        <a:srgbClr val="44546A"/>
+      </a:dk2>
+      <a:lt2>
+        <a:srgbClr val="E7E6E6"/>
+      </a:lt2>
+      <a:accent1>
+        <a:srgbClr val="5B9BD5"/>
+      </a:accent1>
+      <a:accent2>
+        <a:srgbClr val="ED7D31"/>
+      </a:accent2>
+      <a:accent3>
+        <a:srgbClr val="A5A5A5"/>
+      </a:accent3>
+      <a:accent4>
+        <a:srgbClr val="FFC000"/>
+      </a:accent4>
+      <a:accent5>
+        <a:srgbClr val="4472C4"/>
+      </a:accent5>
+      <a:accent6>
+        <a:srgbClr val="70AD47"/>
+      </a:accent6>
+      <a:hlink>
+        <a:srgbClr val="0563C1"/>
+      </a:hlink>
+      <a:folHlink>
+        <a:srgbClr val="954F72"/>
+      </a:folHlink>
+    </a:clrScheme>
+    <a:fontScheme name="Office">
+      <a:majorFont>
+        <a:latin typeface="Calibri Light" panose="020F0302020204030204"/>
+        <a:ea typeface=""/>
+        <a:cs typeface=""/>
+        <a:font script="Jpan" typeface="Yu Gothic Light"/>
+        <a:font script="Hang" typeface="맑은 고딕"/>
+        <a:font script="Hans" typeface="DengXian Light"/>
+        <a:font script="Hant" typeface="新細明體"/>
+        <a:font script="Arab" typeface="Times New Roman"/>
+        <a:font script="Hebr" typeface="Times New Roman"/>
+        <a:font script="Thai" typeface="Angsana New"/>
+        <a:font script="Ethi" typeface="Nyala"/>
+        <a:font script="Beng" typeface="Vrinda"/>
+        <a:font script="Gujr" typeface="Shruti"/>
+        <a:font script="Khmr" typeface="MoolBoran"/>
+        <a:font script="Knda" typeface="Tunga"/>
+        <a:font script="Guru" typeface="Raavi"/>
+        <a:font script="Cans" typeface="Euphemia"/>
+        <a:font script="Cher" typeface="Plantagenet Cherokee"/>
+        <a:font script="Yiii" typeface="Microsoft Yi Baiti"/>
+        <a:font script="Tibt" typeface="Microsoft Himalaya"/>
+        <a:font script="Thaa" typeface="MV Boli"/>
+        <a:font script="Deva" typeface="Mangal"/>
+        <a:font script="Telu" typeface="Gautami"/>
+        <a:font script="Taml" typeface="Latha"/>
+        <a:font script="Syrc" typeface="Estrangelo Edessa"/>
+        <a:font script="Orya" typeface="Kalinga"/>
+        <a:font script="Mlym" typeface="Kartika"/>
+        <a:font script="Laoo" typeface="DokChampa"/>
+        <a:font script="Sinh" typeface="Iskoola Pota"/>
+        <a:font script="Mong" typeface="Mongolian Baiti"/>
+        <a:font script="Viet" typeface="Times New Roman"/>
+        <a:font script="Uigh" typeface="Microsoft Uighur"/>
+        <a:font script="Geor" typeface="Sylfaen"/>
+      </a:majorFont>
+      <a:minorFont>
+        <a:latin typeface="Calibri" panose="020F0502020204030204"/>
+        <a:ea typeface=""/>
+        <a:cs typeface=""/>
+        <a:font script="Jpan" typeface="Yu Gothic"/>
+        <a:font script="Hang" typeface="맑은 고딕"/>
+        <a:font script="Hans" typeface="DengXian"/>
+        <a:font script="Hant" typeface="新細明體"/>
+        <a:font script="Arab" typeface="Arial"/>
+        <a:font script="Hebr" typeface="Arial"/>
+        <a:font script="Thai" typeface="Cordia New"/>
+        <a:font script="Ethi" typeface="Nyala"/>
+        <a:font script="Beng" typeface="Vrinda"/>
+        <a:font script="Gujr" typeface="Shruti"/>
+        <a:font script="Khmr" typeface="DaunPenh"/>
+        <a:font script="Knda" typeface="Tunga"/>
+        <a:font script="Guru" typeface="Raavi"/>
+        <a:font script="Cans" typeface="Euphemia"/>
+        <a:font script="Cher" typeface="Plantagenet Cherokee"/>
+        <a:font script="Yiii" typeface="Microsoft Yi Baiti"/>
+        <a:font script="Tibt" typeface="Microsoft Himalaya"/>
+        <a:font script="Thaa" typeface="MV Boli"/>
+        <a:font script="Deva" typeface="Mangal"/>
+        <a:font script="Telu" typeface="Gautami"/>
+        <a:font script="Taml" typeface="Latha"/>
+        <a:font script="Syrc" typeface="Estrangelo Edessa"/>
+        <a:font script="Orya" typeface="Kalinga"/>
+        <a:font script="Mlym" typeface="Kartika"/>
+        <a:font script="Laoo" typeface="DokChampa"/>
+        <a:font script="Sinh" typeface="Iskoola Pota"/>
+        <a:font script="Mong" typeface="Mongolian Baiti"/>
+        <a:font script="Viet" typeface="Arial"/>
+        <a:font script="Uigh" typeface="Microsoft Uighur"/>
+        <a:font script="Geor" typeface="Sylfaen"/>
+      </a:minorFont>
+    </a:fontScheme>
+    <a:fmtScheme name="Office">
+      <a:fillStyleLst>
+        <a:solidFill>
+          <a:schemeClr val="phClr"/>
+        </a:solidFill>
+        <a:gradFill rotWithShape="1">
+          <a:gsLst>
+            <a:gs pos="0">
+              <a:schemeClr val="phClr">
+                <a:lumMod val="110000"/>
+                <a:satMod val="105000"/>
+                <a:tint val="67000"/>
+              </a:schemeClr>
+            </a:gs>
+            <a:gs pos="50000">
+              <a:schemeClr val="phClr">
+                <a:lumMod val="105000"/>
+                <a:satMod val="103000"/>
+                <a:tint val="73000"/>
+              </a:schemeClr>
+            </a:gs>
+            <a:gs pos="100000">
+              <a:schemeClr val="phClr">
+                <a:lumMod val="105000"/>
+                <a:satMod val="109000"/>
+                <a:tint val="81000"/>
+              </a:schemeClr>
+            </a:gs>
+          </a:gsLst>
+          <a:lin ang="5400000" scaled="0"/>
+        </a:gradFill>
+        <a:gradFill rotWithShape="1">
+          <a:gsLst>
+            <a:gs pos="0">
+              <a:schemeClr val="phClr">
+                <a:satMod val="103000"/>
+                <a:lumMod val="102000"/>
+                <a:tint val="94000"/>
+              </a:schemeClr>
+            </a:gs>
+            <a:gs pos="50000">
+              <a:schemeClr val="phClr">
+                <a:satMod val="110000"/>
+                <a:lumMod val="100000"/>
+                <a:shade val="100000"/>
+              </a:schemeClr>
+            </a:gs>
+            <a:gs pos="100000">
+              <a:schemeClr val="phClr">
+                <a:lumMod val="99000"/>
+                <a:satMod val="120000"/>
+                <a:shade val="78000"/>
+              </a:schemeClr>
+            </a:gs>
+          </a:gsLst>
+          <a:lin ang="5400000" scaled="0"/>
+        </a:gradFill>
+      </a:fillStyleLst>
+      <a:lnStyleLst>
+        <a:ln w="6350" cap="flat" cmpd="sng" algn="ctr">
+          <a:solidFill>
+            <a:schemeClr val="phClr"/>
+          </a:solidFill>
+          <a:prstDash val="solid"/>
+          <a:miter lim="800000"/>
+        </a:ln>
+        <a:ln w="12700" cap="flat" cmpd="sng" algn="ctr">
+          <a:solidFill>
+            <a:schemeClr val="phClr"/>
+          </a:solidFill>
+          <a:prstDash val="solid"/>
+          <a:miter lim="800000"/>
+        </a:ln>
+        <a:ln w="19050" cap="flat" cmpd="sng" algn="ctr">
+          <a:solidFill>
+            <a:schemeClr val="phClr"/>
+          </a:solidFill>
+          <a:prstDash val="solid"/>
+          <a:miter lim="800000"/>
+        </a:ln>
+      </a:lnStyleLst>
+      <a:effectStyleLst>
+        <a:effectStyle>
+          <a:effectLst/>
+        </a:effectStyle>
+        <a:effectStyle>
+          <a:effectLst/>
+        </a:effectStyle>
+        <a:effectStyle>
+          <a:effectLst>
+            <a:outerShdw blurRad="57150" dist="19050" dir="5400000" algn="ctr" rotWithShape="0">
+              <a:srgbClr val="000000">
+                <a:alpha val="63000"/>
+              </a:srgbClr>
+            </a:outerShdw>
+          </a:effectLst>
+        </a:effectStyle>
+      </a:effectStyleLst>
+      <a:bgFillStyleLst>
+        <a:solidFill>
+          <a:schemeClr val="phClr"/>
+        </a:solidFill>
+        <a:solidFill>
+          <a:schemeClr val="phClr">
+            <a:tint val="95000"/>
+            <a:satMod val="170000"/>
+          </a:schemeClr>
+        </a:solidFill>
+        <a:gradFill rotWithShape="1">
+          <a:gsLst>
+            <a:gs pos="0">
+              <a:schemeClr val="phClr">
+                <a:tint val="93000"/>
+                <a:satMod val="150000"/>
+                <a:shade val="98000"/>
+                <a:lumMod val="102000"/>
+              </a:schemeClr>
+            </a:gs>
+            <a:gs pos="50000">
+              <a:schemeClr val="phClr">
+                <a:tint val="98000"/>
+                <a:satMod val="130000"/>
+                <a:shade val="90000"/>
+                <a:lumMod val="103000"/>
+              </a:schemeClr>
+            </a:gs>
+            <a:gs pos="100000">
+              <a:schemeClr val="phClr">
+                <a:shade val="63000"/>
+                <a:satMod val="120000"/>
+              </a:schemeClr>
+            </a:gs>
+          </a:gsLst>
+          <a:lin ang="5400000" scaled="0"/>
+        </a:gradFill>
+      </a:bgFillStyleLst>
+    </a:fmtScheme>
+  </a:themeElements>
+  <a:objectDefaults/>
+  <a:extraClrSchemeLst/>
+  <a:extLst>
+    <a:ext uri="{05A4C25C-085E-4340-85A3-A5531E510DB2}">
+      <thm15:themeFamily xmlns:thm15="http://schemas.microsoft.com/office/thememl/2012/main" name="Office Theme" id="{62F939B6-93AF-4DB8-9C6B-D6C7DFDC589F}" vid="{4A3C46E8-61CC-4603-A589-7422A47A8E4A}"/>
+    </a:ext>
+  </a:extLst>
+</a:theme>
 </file>